--- a/ibmcloud-architecture-diagram-template.pptx
+++ b/ibmcloud-architecture-diagram-template.pptx
@@ -525,7 +525,7 @@
           <a:p>
             <a:r>
               <a:rPr lang="en-US" dirty="0" smtClean="0"/>
-              <a:t>Generated on Sat Dec 07 2019 14:39:43 GMT-0500 (EST)</a:t>
+              <a:t>Generated on Sat Dec 07 2019 15:04:43 GMT-0500 (EST)</a:t>
             </a:r>
             <a:endParaRPr lang="en-US" dirty="0"/>
           </a:p>

--- a/ibmcloud-architecture-diagram-template.pptx
+++ b/ibmcloud-architecture-diagram-template.pptx
@@ -525,7 +525,7 @@
           <a:p>
             <a:r>
               <a:rPr lang="en-US" dirty="0" smtClean="0"/>
-              <a:t>Generated on Sat Dec 07 2019 15:04:43 GMT-0500 (EST)</a:t>
+              <a:t>Generated on Sat Dec 07 2019 15:07:24 GMT-0500 (EST)</a:t>
             </a:r>
             <a:endParaRPr lang="en-US" dirty="0"/>
           </a:p>

--- a/ibmcloud-architecture-diagram-template.pptx
+++ b/ibmcloud-architecture-diagram-template.pptx
@@ -525,7 +525,7 @@
           <a:p>
             <a:r>
               <a:rPr lang="en-US" dirty="0" smtClean="0"/>
-              <a:t>Generated on Sat Dec 07 2019 15:07:24 GMT-0500 (EST)</a:t>
+              <a:t>Generated on Sat Dec 07 2019 15:09:46 GMT-0500 (EST)</a:t>
             </a:r>
             <a:endParaRPr lang="en-US" dirty="0"/>
           </a:p>

--- a/ibmcloud-architecture-diagram-template.pptx
+++ b/ibmcloud-architecture-diagram-template.pptx
@@ -525,7 +525,7 @@
           <a:p>
             <a:r>
               <a:rPr lang="en-US" dirty="0" smtClean="0"/>
-              <a:t>Generated on Sat Dec 07 2019 15:09:46 GMT-0500 (EST)</a:t>
+              <a:t>Generated on Sat Dec 07 2019 15:13:25 GMT-0500 (EST)</a:t>
             </a:r>
             <a:endParaRPr lang="en-US" dirty="0"/>
           </a:p>

--- a/ibmcloud-architecture-diagram-template.pptx
+++ b/ibmcloud-architecture-diagram-template.pptx
@@ -525,7 +525,7 @@
           <a:p>
             <a:r>
               <a:rPr lang="en-US" dirty="0" smtClean="0"/>
-              <a:t>Generated on Sat Dec 07 2019 15:13:25 GMT-0500 (EST)</a:t>
+              <a:t>Generated on Sat Dec 07 2019 15:13:57 GMT-0500 (EST)</a:t>
             </a:r>
             <a:endParaRPr lang="en-US" dirty="0"/>
           </a:p>

--- a/ibmcloud-architecture-diagram-template.pptx
+++ b/ibmcloud-architecture-diagram-template.pptx
@@ -525,7 +525,7 @@
           <a:p>
             <a:r>
               <a:rPr lang="en-US" dirty="0" smtClean="0"/>
-              <a:t>Generated on Sat Dec 07 2019 15:13:57 GMT-0500 (EST)</a:t>
+              <a:t>Generated on Sat Dec 07 2019 15:14:42 GMT-0500 (EST)</a:t>
             </a:r>
             <a:endParaRPr lang="en-US" dirty="0"/>
           </a:p>

--- a/ibmcloud-architecture-diagram-template.pptx
+++ b/ibmcloud-architecture-diagram-template.pptx
@@ -525,7 +525,7 @@
           <a:p>
             <a:r>
               <a:rPr lang="en-US" dirty="0" smtClean="0"/>
-              <a:t>Generated on Sat Dec 07 2019 15:14:42 GMT-0500 (EST)</a:t>
+              <a:t>Generated on Sat Dec 07 2019 15:16:03 GMT-0500 (EST)</a:t>
             </a:r>
             <a:endParaRPr lang="en-US" dirty="0"/>
           </a:p>

--- a/ibmcloud-architecture-diagram-template.pptx
+++ b/ibmcloud-architecture-diagram-template.pptx
@@ -525,7 +525,7 @@
           <a:p>
             <a:r>
               <a:rPr lang="en-US" dirty="0" smtClean="0"/>
-              <a:t>Generated on Sat Dec 07 2019 15:16:03 GMT-0500 (EST)</a:t>
+              <a:t>Generated on Mon Dec 09 2019 11:19:22 GMT-0500 (EST)</a:t>
             </a:r>
             <a:endParaRPr lang="en-US" dirty="0"/>
           </a:p>
@@ -22601,7 +22601,7 @@
       </p:sp>
       <p:pic>
         <p:nvPicPr>
-          <p:cNvPr id="22" name="Object 21" descr="public/generated/icons/96a0ebf2-2a02-4e32-815f-7c09a1268c78.png">    </p:cNvPr>
+          <p:cNvPr id="22" name="Object 21" descr="public/generated/icons/76fc0390-9024-11e8-b6c2-8d7309120d29.png">    </p:cNvPr>
           <p:cNvPicPr>
             <a:picLocks noChangeAspect="1"/>
           </p:cNvPicPr>
@@ -22657,7 +22657,7 @@
                 <a:ea typeface="Helvetica" pitchFamily="34" charset="-122"/>
                 <a:cs typeface="Helvetica" pitchFamily="34" charset="-120"/>
               </a:rPr>
-              <a:t>APP CONNECT</a:t>
+              <a:t>API GATEWAY</a:t>
             </a:r>
             <a:endParaRPr lang="en-US" dirty="0"/>
           </a:p>
@@ -22690,7 +22690,7 @@
       </p:sp>
       <p:pic>
         <p:nvPicPr>
-          <p:cNvPr id="25" name="Object 24" descr="public/generated/icons/AdvancedMobileAccess-d6aece47-d840-45b0-8ab9-ad15354deeea.png">    </p:cNvPr>
+          <p:cNvPr id="25" name="Object 24" descr="public/generated/icons/96a0ebf2-2a02-4e32-815f-7c09a1268c78.png">    </p:cNvPr>
           <p:cNvPicPr>
             <a:picLocks noChangeAspect="1"/>
           </p:cNvPicPr>
@@ -22746,7 +22746,7 @@
                 <a:ea typeface="Helvetica" pitchFamily="34" charset="-122"/>
                 <a:cs typeface="Helvetica" pitchFamily="34" charset="-120"/>
               </a:rPr>
-              <a:t>APP ID</a:t>
+              <a:t>APP CONNECT</a:t>
             </a:r>
             <a:endParaRPr lang="en-US" dirty="0"/>
           </a:p>
@@ -22779,7 +22779,7 @@
       </p:sp>
       <p:pic>
         <p:nvPicPr>
-          <p:cNvPr id="28" name="Object 27" descr="public/generated/icons/8514c706-225d-4848-a689-7c0a0bdcca17.png">    </p:cNvPr>
+          <p:cNvPr id="28" name="Object 27" descr="public/generated/icons/AdvancedMobileAccess-d6aece47-d840-45b0-8ab9-ad15354deeea.png">    </p:cNvPr>
           <p:cNvPicPr>
             <a:picLocks noChangeAspect="1"/>
           </p:cNvPicPr>
@@ -22835,7 +22835,7 @@
                 <a:ea typeface="Helvetica" pitchFamily="34" charset="-122"/>
                 <a:cs typeface="Helvetica" pitchFamily="34" charset="-120"/>
               </a:rPr>
-              <a:t>AT&amp;T FLOW DESIGNER</a:t>
+              <a:t>APP ID</a:t>
             </a:r>
             <a:endParaRPr lang="en-US" dirty="0"/>
           </a:p>
@@ -22868,7 +22868,7 @@
       </p:sp>
       <p:pic>
         <p:nvPicPr>
-          <p:cNvPr id="31" name="Object 30" descr="public/generated/icons/7af3a600-6cf5-4047-a48d-264646af214c.png">    </p:cNvPr>
+          <p:cNvPr id="31" name="Object 30" descr="public/generated/icons/8514c706-225d-4848-a689-7c0a0bdcca17.png">    </p:cNvPr>
           <p:cNvPicPr>
             <a:picLocks noChangeAspect="1"/>
           </p:cNvPicPr>
@@ -22924,7 +22924,7 @@
                 <a:ea typeface="Helvetica" pitchFamily="34" charset="-122"/>
                 <a:cs typeface="Helvetica" pitchFamily="34" charset="-120"/>
               </a:rPr>
-              <a:t>AT&amp;T IOT DATA PLANS</a:t>
+              <a:t>AT&amp;T FLOW DESIGNER</a:t>
             </a:r>
             <a:endParaRPr lang="en-US" dirty="0"/>
           </a:p>
@@ -22957,7 +22957,7 @@
       </p:sp>
       <p:pic>
         <p:nvPicPr>
-          <p:cNvPr id="34" name="Object 33" descr="public/generated/icons/4ad9a593-2259-4956-ab94-ac0de564cfaa.png">    </p:cNvPr>
+          <p:cNvPr id="34" name="Object 33" descr="public/generated/icons/7af3a600-6cf5-4047-a48d-264646af214c.png">    </p:cNvPr>
           <p:cNvPicPr>
             <a:picLocks noChangeAspect="1"/>
           </p:cNvPicPr>
@@ -23013,7 +23013,7 @@
                 <a:ea typeface="Helvetica" pitchFamily="34" charset="-122"/>
                 <a:cs typeface="Helvetica" pitchFamily="34" charset="-120"/>
               </a:rPr>
-              <a:t>AUTOMATED ACCESSIBILITY TESTER</a:t>
+              <a:t>AT&amp;T IOT DATA PLANS</a:t>
             </a:r>
             <a:endParaRPr lang="en-US" dirty="0"/>
           </a:p>
@@ -23046,7 +23046,7 @@
       </p:sp>
       <p:pic>
         <p:nvPicPr>
-          <p:cNvPr id="37" name="Object 36" descr="public/generated/icons/IBM-Performance-Hub-1.0.png">    </p:cNvPr>
+          <p:cNvPr id="37" name="Object 36" descr="public/generated/icons/4ad9a593-2259-4956-ab94-ac0de564cfaa.png">    </p:cNvPr>
           <p:cNvPicPr>
             <a:picLocks noChangeAspect="1"/>
           </p:cNvPicPr>
@@ -23102,7 +23102,7 @@
                 <a:ea typeface="Helvetica" pitchFamily="34" charset="-122"/>
                 <a:cs typeface="Helvetica" pitchFamily="34" charset="-120"/>
               </a:rPr>
-              <a:t>AVAILABILITY MONITORING</a:t>
+              <a:t>AUTOMATED ACCESSIBILITY TESTER</a:t>
             </a:r>
             <a:endParaRPr lang="en-US" dirty="0"/>
           </a:p>
@@ -23135,7 +23135,7 @@
       </p:sp>
       <p:pic>
         <p:nvPicPr>
-          <p:cNvPr id="40" name="Object 39" descr="public/generated/icons/1.png">    </p:cNvPr>
+          <p:cNvPr id="40" name="Object 39" descr="public/generated/icons/IBM-Performance-Hub-1.0.png">    </p:cNvPr>
           <p:cNvPicPr>
             <a:picLocks noChangeAspect="1"/>
           </p:cNvPicPr>
@@ -23191,7 +23191,7 @@
                 <a:ea typeface="Helvetica" pitchFamily="34" charset="-122"/>
                 <a:cs typeface="Helvetica" pitchFamily="34" charset="-120"/>
               </a:rPr>
-              <a:t>BARE METAL SERVER</a:t>
+              <a:t>AVAILABILITY MONITORING</a:t>
             </a:r>
             <a:endParaRPr lang="en-US" dirty="0"/>
           </a:p>
@@ -23224,7 +23224,7 @@
       </p:sp>
       <p:pic>
         <p:nvPicPr>
-          <p:cNvPr id="43" name="Object 42" descr="public/generated/icons/BigInsightsonCloud.png">    </p:cNvPr>
+          <p:cNvPr id="43" name="Object 42" descr="public/generated/icons/1.png">    </p:cNvPr>
           <p:cNvPicPr>
             <a:picLocks noChangeAspect="1"/>
           </p:cNvPicPr>
@@ -23280,7 +23280,7 @@
                 <a:ea typeface="Helvetica" pitchFamily="34" charset="-122"/>
                 <a:cs typeface="Helvetica" pitchFamily="34" charset="-120"/>
               </a:rPr>
-              <a:t>BIGINSIGHTS FOR APACHE HADOOP (SUBSCRIPTION)</a:t>
+              <a:t>BARE METAL SERVER</a:t>
             </a:r>
             <a:endParaRPr lang="en-US" dirty="0"/>
           </a:p>
@@ -23313,7 +23313,7 @@
       </p:sp>
       <p:pic>
         <p:nvPicPr>
-          <p:cNvPr id="46" name="Object 45" descr="public/generated/icons/ebf44ee3-04ec-49ed-bb5a-0b76bc53bcc4.png">    </p:cNvPr>
+          <p:cNvPr id="46" name="Object 45" descr="public/generated/icons/BigInsightsonCloud.png">    </p:cNvPr>
           <p:cNvPicPr>
             <a:picLocks noChangeAspect="1"/>
           </p:cNvPicPr>
@@ -23369,7 +23369,7 @@
                 <a:ea typeface="Helvetica" pitchFamily="34" charset="-122"/>
                 <a:cs typeface="Helvetica" pitchFamily="34" charset="-120"/>
               </a:rPr>
-              <a:t>BITBAR TESTING CLOUD</a:t>
+              <a:t>BIGINSIGHTS FOR APACHE HADOOP (SUBSCRIPTION)</a:t>
             </a:r>
             <a:endParaRPr lang="en-US" dirty="0"/>
           </a:p>
@@ -23402,7 +23402,7 @@
       </p:sp>
       <p:pic>
         <p:nvPicPr>
-          <p:cNvPr id="49" name="Object 48" descr="public/generated/icons/5.png">    </p:cNvPr>
+          <p:cNvPr id="49" name="Object 48" descr="public/generated/icons/ebf44ee3-04ec-49ed-bb5a-0b76bc53bcc4.png">    </p:cNvPr>
           <p:cNvPicPr>
             <a:picLocks noChangeAspect="1"/>
           </p:cNvPicPr>
@@ -23458,7 +23458,7 @@
                 <a:ea typeface="Helvetica" pitchFamily="34" charset="-122"/>
                 <a:cs typeface="Helvetica" pitchFamily="34" charset="-120"/>
               </a:rPr>
-              <a:t>BLOCK STORAGE</a:t>
+              <a:t>BITBAR TESTING CLOUD</a:t>
             </a:r>
             <a:endParaRPr lang="en-US" dirty="0"/>
           </a:p>
@@ -23491,7 +23491,7 @@
       </p:sp>
       <p:pic>
         <p:nvPicPr>
-          <p:cNvPr id="52" name="Object 51" descr="public/generated/icons/is.volume.png">    </p:cNvPr>
+          <p:cNvPr id="52" name="Object 51" descr="public/generated/icons/5.png">    </p:cNvPr>
           <p:cNvPicPr>
             <a:picLocks noChangeAspect="1"/>
           </p:cNvPicPr>
@@ -23547,7 +23547,7 @@
                 <a:ea typeface="Helvetica" pitchFamily="34" charset="-122"/>
                 <a:cs typeface="Helvetica" pitchFamily="34" charset="-120"/>
               </a:rPr>
-              <a:t>BLOCK STORAGE FOR VPC</a:t>
+              <a:t>BLOCK STORAGE</a:t>
             </a:r>
             <a:endParaRPr lang="en-US" dirty="0"/>
           </a:p>
@@ -23580,7 +23580,7 @@
       </p:sp>
       <p:pic>
         <p:nvPicPr>
-          <p:cNvPr id="55" name="Object 54" descr="public/generated/icons/712b94a0-c4a7-48b5-a527-fd27908b9a8e.png">    </p:cNvPr>
+          <p:cNvPr id="55" name="Object 54" descr="public/generated/icons/is.volume.png">    </p:cNvPr>
           <p:cNvPicPr>
             <a:picLocks noChangeAspect="1"/>
           </p:cNvPicPr>
@@ -23636,7 +23636,7 @@
                 <a:ea typeface="Helvetica" pitchFamily="34" charset="-122"/>
                 <a:cs typeface="Helvetica" pitchFamily="34" charset="-120"/>
               </a:rPr>
-              <a:t>BLOCKCHAIN</a:t>
+              <a:t>BLOCK STORAGE FOR VPC</a:t>
             </a:r>
             <a:endParaRPr lang="en-US" dirty="0"/>
           </a:p>
@@ -23669,7 +23669,7 @@
       </p:sp>
       <p:pic>
         <p:nvPicPr>
-          <p:cNvPr id="58" name="Object 57" descr="public/generated/icons/6a0a8840-f899-11e8-bba8-6b3b2c5536be.png">    </p:cNvPr>
+          <p:cNvPr id="58" name="Object 57" descr="public/generated/icons/712b94a0-c4a7-48b5-a527-fd27908b9a8e.png">    </p:cNvPr>
           <p:cNvPicPr>
             <a:picLocks noChangeAspect="1"/>
           </p:cNvPicPr>
@@ -23725,7 +23725,7 @@
                 <a:ea typeface="Helvetica" pitchFamily="34" charset="-122"/>
                 <a:cs typeface="Helvetica" pitchFamily="34" charset="-120"/>
               </a:rPr>
-              <a:t>BLOCKCHAIN PLATFORM</a:t>
+              <a:t>BLOCKCHAIN</a:t>
             </a:r>
             <a:endParaRPr lang="en-US" dirty="0"/>
           </a:p>
@@ -23758,7 +23758,7 @@
       </p:sp>
       <p:pic>
         <p:nvPicPr>
-          <p:cNvPr id="61" name="Object 60" descr="public/generated/icons/6fdfccb4-1c28-4401-a94a-000bf75d889e.png">    </p:cNvPr>
+          <p:cNvPr id="61" name="Object 60" descr="public/generated/icons/6a0a8840-f899-11e8-bba8-6b3b2c5536be.png">    </p:cNvPr>
           <p:cNvPicPr>
             <a:picLocks noChangeAspect="1"/>
           </p:cNvPicPr>
@@ -23814,7 +23814,7 @@
                 <a:ea typeface="Helvetica" pitchFamily="34" charset="-122"/>
                 <a:cs typeface="Helvetica" pitchFamily="34" charset="-120"/>
               </a:rPr>
-              <a:t>BONDEVALUE-API</a:t>
+              <a:t>BLOCKCHAIN PLATFORM</a:t>
             </a:r>
             <a:endParaRPr lang="en-US" dirty="0"/>
           </a:p>
@@ -23847,7 +23847,7 @@
       </p:sp>
       <p:pic>
         <p:nvPicPr>
-          <p:cNvPr id="64" name="Object 63" descr="public/generated/icons/d714e1f0-c19d-431e-b669-34b99b01708d.png">    </p:cNvPr>
+          <p:cNvPr id="64" name="Object 63" descr="public/generated/icons/6fdfccb4-1c28-4401-a94a-000bf75d889e.png">    </p:cNvPr>
           <p:cNvPicPr>
             <a:picLocks noChangeAspect="1"/>
           </p:cNvPicPr>
@@ -23903,7 +23903,7 @@
                 <a:ea typeface="Helvetica" pitchFamily="34" charset="-122"/>
                 <a:cs typeface="Helvetica" pitchFamily="34" charset="-120"/>
               </a:rPr>
-              <a:t>BOSCH IOT ROLLOUTS</a:t>
+              <a:t>BONDEVALUE-API</a:t>
             </a:r>
             <a:endParaRPr lang="en-US" dirty="0"/>
           </a:p>
@@ -23936,7 +23936,7 @@
       </p:sp>
       <p:pic>
         <p:nvPicPr>
-          <p:cNvPr id="67" name="Object 66" descr="public/generated/icons/adf18fe9-86c1-4c0e-9e31-b6725f4b5271.png">    </p:cNvPr>
+          <p:cNvPr id="67" name="Object 66" descr="public/generated/icons/d714e1f0-c19d-431e-b669-34b99b01708d.png">    </p:cNvPr>
           <p:cNvPicPr>
             <a:picLocks noChangeAspect="1"/>
           </p:cNvPicPr>
@@ -23992,7 +23992,7 @@
                 <a:ea typeface="Helvetica" pitchFamily="34" charset="-122"/>
                 <a:cs typeface="Helvetica" pitchFamily="34" charset="-120"/>
               </a:rPr>
-              <a:t>BOX</a:t>
+              <a:t>BOSCH IOT ROLLOUTS</a:t>
             </a:r>
             <a:endParaRPr lang="en-US" dirty="0"/>
           </a:p>
@@ -24025,7 +24025,7 @@
       </p:sp>
       <p:pic>
         <p:nvPicPr>
-          <p:cNvPr id="70" name="Object 69" descr="public/generated/icons/37b751fd-75de-4757-b3b8-f33c3cd7e1ec.png">    </p:cNvPr>
+          <p:cNvPr id="70" name="Object 69" descr="public/generated/icons/adf18fe9-86c1-4c0e-9e31-b6725f4b5271.png">    </p:cNvPr>
           <p:cNvPicPr>
             <a:picLocks noChangeAspect="1"/>
           </p:cNvPicPr>
@@ -24081,7 +24081,7 @@
                 <a:ea typeface="Helvetica" pitchFamily="34" charset="-122"/>
                 <a:cs typeface="Helvetica" pitchFamily="34" charset="-120"/>
               </a:rPr>
-              <a:t>CAR DIAGNOSTIC API</a:t>
+              <a:t>BOX</a:t>
             </a:r>
             <a:endParaRPr lang="en-US" dirty="0"/>
           </a:p>
@@ -24114,7 +24114,7 @@
       </p:sp>
       <p:pic>
         <p:nvPicPr>
-          <p:cNvPr id="73" name="Object 72" descr="public/generated/icons/cf329950-0a3e-11e8-922e-f1366c6e1c83-caveonix.png">    </p:cNvPr>
+          <p:cNvPr id="73" name="Object 72" descr="public/generated/icons/37b751fd-75de-4757-b3b8-f33c3cd7e1ec.png">    </p:cNvPr>
           <p:cNvPicPr>
             <a:picLocks noChangeAspect="1"/>
           </p:cNvPicPr>
@@ -24170,7 +24170,7 @@
                 <a:ea typeface="Helvetica" pitchFamily="34" charset="-122"/>
                 <a:cs typeface="Helvetica" pitchFamily="34" charset="-120"/>
               </a:rPr>
-              <a:t>CAVEONIX RISKFORESIGHT</a:t>
+              <a:t>CAR DIAGNOSTIC API</a:t>
             </a:r>
             <a:endParaRPr lang="en-US" dirty="0"/>
           </a:p>
@@ -24203,7 +24203,7 @@
       </p:sp>
       <p:pic>
         <p:nvPicPr>
-          <p:cNvPr id="76" name="Object 75" descr="public/generated/icons/cc56b926-cfa1-4f50-ab9d-01986ff692be.png">    </p:cNvPr>
+          <p:cNvPr id="76" name="Object 75" descr="public/generated/icons/cf329950-0a3e-11e8-922e-f1366c6e1c83-caveonix.png">    </p:cNvPr>
           <p:cNvPicPr>
             <a:picLocks noChangeAspect="1"/>
           </p:cNvPicPr>
@@ -24259,7 +24259,7 @@
                 <a:ea typeface="Helvetica" pitchFamily="34" charset="-122"/>
                 <a:cs typeface="Helvetica" pitchFamily="34" charset="-120"/>
               </a:rPr>
-              <a:t>CERTIFICATE MANAGER</a:t>
+              <a:t>CAVEONIX RISKFORESIGHT</a:t>
             </a:r>
             <a:endParaRPr lang="en-US" dirty="0"/>
           </a:p>
@@ -24292,7 +24292,7 @@
       </p:sp>
       <p:pic>
         <p:nvPicPr>
-          <p:cNvPr id="79" name="Object 78" descr="public/generated/icons/0a42129b-9839-42b7-90c7-7f3adb435379.png">    </p:cNvPr>
+          <p:cNvPr id="79" name="Object 78" descr="public/generated/icons/cc56b926-cfa1-4f50-ab9d-01986ff692be.png">    </p:cNvPr>
           <p:cNvPicPr>
             <a:picLocks noChangeAspect="1"/>
           </p:cNvPicPr>
@@ -24348,7 +24348,7 @@
                 <a:ea typeface="Helvetica" pitchFamily="34" charset="-122"/>
                 <a:cs typeface="Helvetica" pitchFamily="34" charset="-120"/>
               </a:rPr>
-              <a:t>CITRIX NETSCALER VPX</a:t>
+              <a:t>CERTIFICATE MANAGER</a:t>
             </a:r>
             <a:endParaRPr lang="en-US" dirty="0"/>
           </a:p>
@@ -24381,7 +24381,7 @@
       </p:sp>
       <p:pic>
         <p:nvPicPr>
-          <p:cNvPr id="82" name="Object 81" descr="public/generated/icons/dcc46a60-e13b-11e8-a015-757410dab16b.png">    </p:cNvPr>
+          <p:cNvPr id="82" name="Object 81" descr="public/generated/icons/0a42129b-9839-42b7-90c7-7f3adb435379.png">    </p:cNvPr>
           <p:cNvPicPr>
             <a:picLocks noChangeAspect="1"/>
           </p:cNvPicPr>
@@ -24437,7 +24437,7 @@
                 <a:ea typeface="Helvetica" pitchFamily="34" charset="-122"/>
                 <a:cs typeface="Helvetica" pitchFamily="34" charset="-120"/>
               </a:rPr>
-              <a:t>CLOUD ACTIVITY TRACKER WITH LOGDNA</a:t>
+              <a:t>CITRIX NETSCALER VPX</a:t>
             </a:r>
             <a:endParaRPr lang="en-US" dirty="0"/>
           </a:p>
@@ -24470,7 +24470,7 @@
       </p:sp>
       <p:pic>
         <p:nvPicPr>
-          <p:cNvPr id="85" name="Object 84" descr="public/generated/icons/6cde723c-9e49-74ac-4266-3f7a9bb74216.png">    </p:cNvPr>
+          <p:cNvPr id="85" name="Object 84" descr="public/generated/icons/dcc46a60-e13b-11e8-a015-757410dab16b.png">    </p:cNvPr>
           <p:cNvPicPr>
             <a:picLocks noChangeAspect="1"/>
           </p:cNvPicPr>
@@ -24526,7 +24526,7 @@
                 <a:ea typeface="Helvetica" pitchFamily="34" charset="-122"/>
                 <a:cs typeface="Helvetica" pitchFamily="34" charset="-120"/>
               </a:rPr>
-              <a:t>CLOUD BACKUP</a:t>
+              <a:t>CLOUD ACTIVITY TRACKER WITH LOGDNA</a:t>
             </a:r>
             <a:endParaRPr lang="en-US" dirty="0"/>
           </a:p>
@@ -24559,7 +24559,7 @@
       </p:sp>
       <p:pic>
         <p:nvPicPr>
-          <p:cNvPr id="88" name="Object 87" descr="/infrastructure/vmware-solutions/images/icons/ExpertServicesEXP.svg">    </p:cNvPr>
+          <p:cNvPr id="88" name="Object 87" descr="public/generated/icons/6cde723c-9e49-74ac-4266-3f7a9bb74216.png">    </p:cNvPr>
           <p:cNvPicPr>
             <a:picLocks noChangeAspect="1"/>
           </p:cNvPicPr>
@@ -24567,11 +24567,6 @@
         </p:nvPicPr>
         <p:blipFill>
           <a:blip r:embed="rId29"/>
-          <a:extLst>
-            <a:ext uri="{96DAC541-7B7A-43D3-8B79-37D633B846F1}">
-              <asvg:svgBlip xmlns:asvg="http://schemas.microsoft.com/office/drawing/2016/SVG/main" r:embed="rId30"/>
-            </a:ext>
-          </a:extLst>
           <a:stretch>
             <a:fillRect/>
           </a:stretch>
@@ -24620,7 +24615,7 @@
                 <a:ea typeface="Helvetica" pitchFamily="34" charset="-122"/>
                 <a:cs typeface="Helvetica" pitchFamily="34" charset="-120"/>
               </a:rPr>
-              <a:t>CLOUD EXPERT SERVICES</a:t>
+              <a:t>CLOUD BACKUP</a:t>
             </a:r>
             <a:endParaRPr lang="en-US" dirty="0"/>
           </a:p>
@@ -24653,14 +24648,19 @@
       </p:sp>
       <p:pic>
         <p:nvPicPr>
-          <p:cNvPr id="91" name="Object 90" descr="public/generated/icons/cf329950-0a3e-11e8-922e-f1366c6e1c83-mcv.png">    </p:cNvPr>
-          <p:cNvPicPr>
-            <a:picLocks noChangeAspect="1"/>
-          </p:cNvPicPr>
-          <p:nvPr/>
-        </p:nvPicPr>
-        <p:blipFill>
-          <a:blip r:embed="rId31"/>
+          <p:cNvPr id="91" name="Object 90" descr="/infrastructure/vmware-solutions/images/icons/ExpertServicesEXP.svg">    </p:cNvPr>
+          <p:cNvPicPr>
+            <a:picLocks noChangeAspect="1"/>
+          </p:cNvPicPr>
+          <p:nvPr/>
+        </p:nvPicPr>
+        <p:blipFill>
+          <a:blip r:embed="rId30"/>
+          <a:extLst>
+            <a:ext uri="{96DAC541-7B7A-43D3-8B79-37D633B846F1}">
+              <asvg:svgBlip xmlns:asvg="http://schemas.microsoft.com/office/drawing/2016/SVG/main" r:embed="rId31"/>
+            </a:ext>
+          </a:extLst>
           <a:stretch>
             <a:fillRect/>
           </a:stretch>
@@ -24709,7 +24709,7 @@
                 <a:ea typeface="Helvetica" pitchFamily="34" charset="-122"/>
                 <a:cs typeface="Helvetica" pitchFamily="34" charset="-120"/>
               </a:rPr>
-              <a:t>CLOUD FOR VMWARE MISSION CRITICAL WORKLOADS</a:t>
+              <a:t>CLOUD EXPERT SERVICES</a:t>
             </a:r>
             <a:endParaRPr lang="en-US" dirty="0"/>
           </a:p>
@@ -24742,7 +24742,7 @@
       </p:sp>
       <p:pic>
         <p:nvPicPr>
-          <p:cNvPr id="94" name="Object 93" descr="public/generated/icons/c4cfe2d0-01ef-11e8-bd2c-cbf81959e223.png">    </p:cNvPr>
+          <p:cNvPr id="94" name="Object 93" descr="public/generated/icons/cf329950-0a3e-11e8-922e-f1366c6e1c83-mcv.png">    </p:cNvPr>
           <p:cNvPicPr>
             <a:picLocks noChangeAspect="1"/>
           </p:cNvPicPr>
@@ -24798,7 +24798,7 @@
                 <a:ea typeface="Helvetica" pitchFamily="34" charset="-122"/>
                 <a:cs typeface="Helvetica" pitchFamily="34" charset="-120"/>
               </a:rPr>
-              <a:t>CLOUD FOUNDRY ENTERPRISE ENVIRONMENT</a:t>
+              <a:t>CLOUD FOR VMWARE MISSION CRITICAL WORKLOADS</a:t>
             </a:r>
             <a:endParaRPr lang="en-US" dirty="0"/>
           </a:p>
@@ -24831,7 +24831,7 @@
       </p:sp>
       <p:pic>
         <p:nvPicPr>
-          <p:cNvPr id="97" name="Object 96" descr="public/generated/icons/hardware-security-module.png">    </p:cNvPr>
+          <p:cNvPr id="97" name="Object 96" descr="public/generated/icons/c4cfe2d0-01ef-11e8-bd2c-cbf81959e223.png">    </p:cNvPr>
           <p:cNvPicPr>
             <a:picLocks noChangeAspect="1"/>
           </p:cNvPicPr>
@@ -24887,7 +24887,7 @@
                 <a:ea typeface="Helvetica" pitchFamily="34" charset="-122"/>
                 <a:cs typeface="Helvetica" pitchFamily="34" charset="-120"/>
               </a:rPr>
-              <a:t>CLOUD HSM</a:t>
+              <a:t>CLOUD FOUNDRY ENTERPRISE ENVIRONMENT</a:t>
             </a:r>
             <a:endParaRPr lang="en-US" dirty="0"/>
           </a:p>
@@ -24920,7 +24920,7 @@
       </p:sp>
       <p:pic>
         <p:nvPicPr>
-          <p:cNvPr id="100" name="Object 99" descr="public/generated/icons/a3b01d2d-5457-4269-8bd5-a7c815bd2f41.png">    </p:cNvPr>
+          <p:cNvPr id="100" name="Object 99" descr="public/generated/icons/hardware-security-module.png">    </p:cNvPr>
           <p:cNvPicPr>
             <a:picLocks noChangeAspect="1"/>
           </p:cNvPicPr>
@@ -24976,7 +24976,7 @@
                 <a:ea typeface="Helvetica" pitchFamily="34" charset="-122"/>
                 <a:cs typeface="Helvetica" pitchFamily="34" charset="-120"/>
               </a:rPr>
-              <a:t>CLOUD LOAD BALANCER</a:t>
+              <a:t>CLOUD HSM</a:t>
             </a:r>
             <a:endParaRPr lang="en-US" dirty="0"/>
           </a:p>
@@ -25009,7 +25009,7 @@
       </p:sp>
       <p:pic>
         <p:nvPicPr>
-          <p:cNvPr id="103" name="Object 102" descr="public/generated/icons/090c2c10-8c38-11e8-bec2-493df9c49eb8.png">    </p:cNvPr>
+          <p:cNvPr id="103" name="Object 102" descr="public/generated/icons/a3b01d2d-5457-4269-8bd5-a7c815bd2f41.png">    </p:cNvPr>
           <p:cNvPicPr>
             <a:picLocks noChangeAspect="1"/>
           </p:cNvPicPr>
@@ -25065,7 +25065,7 @@
                 <a:ea typeface="Helvetica" pitchFamily="34" charset="-122"/>
                 <a:cs typeface="Helvetica" pitchFamily="34" charset="-120"/>
               </a:rPr>
-              <a:t>CLOUD MONITORING WITH SYSDIG</a:t>
+              <a:t>CLOUD LOAD BALANCER</a:t>
             </a:r>
             <a:endParaRPr lang="en-US" dirty="0"/>
           </a:p>
@@ -25098,7 +25098,7 @@
       </p:sp>
       <p:pic>
         <p:nvPicPr>
-          <p:cNvPr id="106" name="Object 105" descr="public/generated/icons/dff97f5c-bc5e-4455-b470-411c3edbe49c.png">    </p:cNvPr>
+          <p:cNvPr id="106" name="Object 105" descr="public/generated/icons/090c2c10-8c38-11e8-bec2-493df9c49eb8.png">    </p:cNvPr>
           <p:cNvPicPr>
             <a:picLocks noChangeAspect="1"/>
           </p:cNvPicPr>
@@ -25154,7 +25154,7 @@
                 <a:ea typeface="Helvetica" pitchFamily="34" charset="-122"/>
                 <a:cs typeface="Helvetica" pitchFamily="34" charset="-120"/>
               </a:rPr>
-              <a:t>CLOUD OBJECT STORAGE</a:t>
+              <a:t>CLOUD MONITORING WITH SYSDIG</a:t>
             </a:r>
             <a:endParaRPr lang="en-US" dirty="0"/>
           </a:p>
@@ -25187,7 +25187,7 @@
       </p:sp>
       <p:pic>
         <p:nvPicPr>
-          <p:cNvPr id="109" name="Object 108" descr="public/generated/icons/8.png">    </p:cNvPr>
+          <p:cNvPr id="109" name="Object 108" descr="public/generated/icons/dff97f5c-bc5e-4455-b470-411c3edbe49c.png">    </p:cNvPr>
           <p:cNvPicPr>
             <a:picLocks noChangeAspect="1"/>
           </p:cNvPicPr>
@@ -25243,7 +25243,7 @@
                 <a:ea typeface="Helvetica" pitchFamily="34" charset="-122"/>
                 <a:cs typeface="Helvetica" pitchFamily="34" charset="-120"/>
               </a:rPr>
-              <a:t>CLOUD OBJECT STORAGE (CLASSIC)</a:t>
+              <a:t>CLOUD OBJECT STORAGE</a:t>
             </a:r>
             <a:endParaRPr lang="en-US" dirty="0"/>
           </a:p>
@@ -25309,7 +25309,7 @@
       </p:sp>
       <p:pic>
         <p:nvPicPr>
-          <p:cNvPr id="3" name="Object 2" descr="public/generated/icons/cf329950-0a3e-11e8-922e-f1366c6e1c83-icp.png">    </p:cNvPr>
+          <p:cNvPr id="3" name="Object 2" descr="public/generated/icons/8.png">    </p:cNvPr>
           <p:cNvPicPr>
             <a:picLocks noChangeAspect="1"/>
           </p:cNvPicPr>
@@ -25365,7 +25365,7 @@
                 <a:ea typeface="Helvetica" pitchFamily="34" charset="-122"/>
                 <a:cs typeface="Helvetica" pitchFamily="34" charset="-120"/>
               </a:rPr>
-              <a:t>CLOUD PRIVATE HOSTED</a:t>
+              <a:t>CLOUD OBJECT STORAGE (CLASSIC)</a:t>
             </a:r>
             <a:endParaRPr lang="en-US" dirty="0"/>
           </a:p>
@@ -25398,7 +25398,7 @@
       </p:sp>
       <p:pic>
         <p:nvPicPr>
-          <p:cNvPr id="6" name="Object 5" descr="public/generated/icons/cf329950-0a3e-11e8-922e-f1366c6e1c83-hytrust.png">    </p:cNvPr>
+          <p:cNvPr id="6" name="Object 5" descr="public/generated/icons/cf329950-0a3e-11e8-922e-f1366c6e1c83-icp.png">    </p:cNvPr>
           <p:cNvPicPr>
             <a:picLocks noChangeAspect="1"/>
           </p:cNvPicPr>
@@ -25454,7 +25454,7 @@
                 <a:ea typeface="Helvetica" pitchFamily="34" charset="-122"/>
                 <a:cs typeface="Helvetica" pitchFamily="34" charset="-120"/>
               </a:rPr>
-              <a:t>CLOUD SECURE VIRTUALIZATION</a:t>
+              <a:t>CLOUD PRIVATE HOSTED</a:t>
             </a:r>
             <a:endParaRPr lang="en-US" dirty="0"/>
           </a:p>
@@ -25487,7 +25487,7 @@
       </p:sp>
       <p:pic>
         <p:nvPicPr>
-          <p:cNvPr id="9" name="Object 8" descr="public/generated/icons/42152430-a05b-11e8-824e-7db9808a1cf3.png">    </p:cNvPr>
+          <p:cNvPr id="9" name="Object 8" descr="public/generated/icons/cf329950-0a3e-11e8-922e-f1366c6e1c83-hytrust.png">    </p:cNvPr>
           <p:cNvPicPr>
             <a:picLocks noChangeAspect="1"/>
           </p:cNvPicPr>
@@ -25543,7 +25543,7 @@
                 <a:ea typeface="Helvetica" pitchFamily="34" charset="-122"/>
                 <a:cs typeface="Helvetica" pitchFamily="34" charset="-120"/>
               </a:rPr>
-              <a:t>CLOUDAMQP</a:t>
+              <a:t>CLOUD SECURE VIRTUALIZATION</a:t>
             </a:r>
             <a:endParaRPr lang="en-US" dirty="0"/>
           </a:p>
@@ -25576,7 +25576,7 @@
       </p:sp>
       <p:pic>
         <p:nvPicPr>
-          <p:cNvPr id="12" name="Object 11" descr="public/generated/icons/cloudant.png">    </p:cNvPr>
+          <p:cNvPr id="12" name="Object 11" descr="public/generated/icons/42152430-a05b-11e8-824e-7db9808a1cf3.png">    </p:cNvPr>
           <p:cNvPicPr>
             <a:picLocks noChangeAspect="1"/>
           </p:cNvPicPr>
@@ -25632,7 +25632,7 @@
                 <a:ea typeface="Helvetica" pitchFamily="34" charset="-122"/>
                 <a:cs typeface="Helvetica" pitchFamily="34" charset="-120"/>
               </a:rPr>
-              <a:t>CLOUDANT</a:t>
+              <a:t>CLOUDAMQP</a:t>
             </a:r>
             <a:endParaRPr lang="en-US" dirty="0"/>
           </a:p>
@@ -25665,7 +25665,7 @@
       </p:sp>
       <p:pic>
         <p:nvPicPr>
-          <p:cNvPr id="15" name="Object 14" descr="public/generated/icons/81cda9f0-b9c3-11e7-acad-0d931c5f18f1.png">    </p:cNvPr>
+          <p:cNvPr id="15" name="Object 14" descr="public/generated/icons/cloudant.png">    </p:cNvPr>
           <p:cNvPicPr>
             <a:picLocks noChangeAspect="1"/>
           </p:cNvPicPr>
@@ -25721,7 +25721,7 @@
                 <a:ea typeface="Helvetica" pitchFamily="34" charset="-122"/>
                 <a:cs typeface="Helvetica" pitchFamily="34" charset="-120"/>
               </a:rPr>
-              <a:t>COGNOS DASHBOARD EMBEDDED</a:t>
+              <a:t>CLOUDANT</a:t>
             </a:r>
             <a:endParaRPr lang="en-US" dirty="0"/>
           </a:p>
@@ -25754,7 +25754,7 @@
       </p:sp>
       <p:pic>
         <p:nvPicPr>
-          <p:cNvPr id="18" name="Object 17" descr="public/generated/icons/61cdfc0c-5835-48a8-bb6a-ec2ddfa626e6.png">    </p:cNvPr>
+          <p:cNvPr id="18" name="Object 17" descr="public/generated/icons/81cda9f0-b9c3-11e7-acad-0d931c5f18f1.png">    </p:cNvPr>
           <p:cNvPicPr>
             <a:picLocks noChangeAspect="1"/>
           </p:cNvPicPr>
@@ -25810,7 +25810,7 @@
                 <a:ea typeface="Helvetica" pitchFamily="34" charset="-122"/>
                 <a:cs typeface="Helvetica" pitchFamily="34" charset="-120"/>
               </a:rPr>
-              <a:t>COMPARE AND COMPLY</a:t>
+              <a:t>COGNOS DASHBOARD EMBEDDED</a:t>
             </a:r>
             <a:endParaRPr lang="en-US" dirty="0"/>
           </a:p>
@@ -25843,7 +25843,7 @@
       </p:sp>
       <p:pic>
         <p:nvPicPr>
-          <p:cNvPr id="21" name="Object 20" descr="public/generated/icons/ComposeEnterprise-P.png">    </p:cNvPr>
+          <p:cNvPr id="21" name="Object 20" descr="public/generated/icons/61cdfc0c-5835-48a8-bb6a-ec2ddfa626e6.png">    </p:cNvPr>
           <p:cNvPicPr>
             <a:picLocks noChangeAspect="1"/>
           </p:cNvPicPr>
@@ -25899,7 +25899,7 @@
                 <a:ea typeface="Helvetica" pitchFamily="34" charset="-122"/>
                 <a:cs typeface="Helvetica" pitchFamily="34" charset="-120"/>
               </a:rPr>
-              <a:t>COMPOSE ENTERPRISE</a:t>
+              <a:t>COMPARE AND COMPLY</a:t>
             </a:r>
             <a:endParaRPr lang="en-US" dirty="0"/>
           </a:p>
@@ -25932,7 +25932,7 @@
       </p:sp>
       <p:pic>
         <p:nvPicPr>
-          <p:cNvPr id="24" name="Object 23" descr="public/generated/icons/ComposeElasticsearch-P.png">    </p:cNvPr>
+          <p:cNvPr id="24" name="Object 23" descr="public/generated/icons/ComposeEnterprise-P.png">    </p:cNvPr>
           <p:cNvPicPr>
             <a:picLocks noChangeAspect="1"/>
           </p:cNvPicPr>
@@ -25988,7 +25988,7 @@
                 <a:ea typeface="Helvetica" pitchFamily="34" charset="-122"/>
                 <a:cs typeface="Helvetica" pitchFamily="34" charset="-120"/>
               </a:rPr>
-              <a:t>COMPOSE FOR ELASTICSEARCH</a:t>
+              <a:t>COMPOSE ENTERPRISE</a:t>
             </a:r>
             <a:endParaRPr lang="en-US" dirty="0"/>
           </a:p>
@@ -26021,7 +26021,7 @@
       </p:sp>
       <p:pic>
         <p:nvPicPr>
-          <p:cNvPr id="27" name="Object 26" descr="public/generated/icons/ComposeEtcd-P.png">    </p:cNvPr>
+          <p:cNvPr id="27" name="Object 26" descr="public/generated/icons/ComposeElasticsearch-P.png">    </p:cNvPr>
           <p:cNvPicPr>
             <a:picLocks noChangeAspect="1"/>
           </p:cNvPicPr>
@@ -26077,7 +26077,7 @@
                 <a:ea typeface="Helvetica" pitchFamily="34" charset="-122"/>
                 <a:cs typeface="Helvetica" pitchFamily="34" charset="-120"/>
               </a:rPr>
-              <a:t>COMPOSE FOR ETCD</a:t>
+              <a:t>COMPOSE FOR ELASTICSEARCH</a:t>
             </a:r>
             <a:endParaRPr lang="en-US" dirty="0"/>
           </a:p>
@@ -26110,7 +26110,7 @@
       </p:sp>
       <p:pic>
         <p:nvPicPr>
-          <p:cNvPr id="30" name="Object 29" descr="public/generated/icons/ComposeJanusGraph-P.png">    </p:cNvPr>
+          <p:cNvPr id="30" name="Object 29" descr="public/generated/icons/ComposeEtcd-P.png">    </p:cNvPr>
           <p:cNvPicPr>
             <a:picLocks noChangeAspect="1"/>
           </p:cNvPicPr>
@@ -26166,7 +26166,7 @@
                 <a:ea typeface="Helvetica" pitchFamily="34" charset="-122"/>
                 <a:cs typeface="Helvetica" pitchFamily="34" charset="-120"/>
               </a:rPr>
-              <a:t>COMPOSE FOR JANUSGRAPH</a:t>
+              <a:t>COMPOSE FOR ETCD</a:t>
             </a:r>
             <a:endParaRPr lang="en-US" dirty="0"/>
           </a:p>
@@ -26199,7 +26199,7 @@
       </p:sp>
       <p:pic>
         <p:nvPicPr>
-          <p:cNvPr id="33" name="Object 32" descr="public/generated/icons/ComposeMongo-P.png">    </p:cNvPr>
+          <p:cNvPr id="33" name="Object 32" descr="public/generated/icons/ComposeJanusGraph-P.png">    </p:cNvPr>
           <p:cNvPicPr>
             <a:picLocks noChangeAspect="1"/>
           </p:cNvPicPr>
@@ -26255,7 +26255,7 @@
                 <a:ea typeface="Helvetica" pitchFamily="34" charset="-122"/>
                 <a:cs typeface="Helvetica" pitchFamily="34" charset="-120"/>
               </a:rPr>
-              <a:t>COMPOSE FOR MONGODB</a:t>
+              <a:t>COMPOSE FOR JANUSGRAPH</a:t>
             </a:r>
             <a:endParaRPr lang="en-US" dirty="0"/>
           </a:p>
@@ -26288,7 +26288,7 @@
       </p:sp>
       <p:pic>
         <p:nvPicPr>
-          <p:cNvPr id="36" name="Object 35" descr="public/generated/icons/ComposeMySQL-P.png">    </p:cNvPr>
+          <p:cNvPr id="36" name="Object 35" descr="public/generated/icons/ComposeMongo-P.png">    </p:cNvPr>
           <p:cNvPicPr>
             <a:picLocks noChangeAspect="1"/>
           </p:cNvPicPr>
@@ -26344,7 +26344,7 @@
                 <a:ea typeface="Helvetica" pitchFamily="34" charset="-122"/>
                 <a:cs typeface="Helvetica" pitchFamily="34" charset="-120"/>
               </a:rPr>
-              <a:t>COMPOSE FOR MYSQL</a:t>
+              <a:t>COMPOSE FOR MONGODB</a:t>
             </a:r>
             <a:endParaRPr lang="en-US" dirty="0"/>
           </a:p>
@@ -26377,7 +26377,7 @@
       </p:sp>
       <p:pic>
         <p:nvPicPr>
-          <p:cNvPr id="39" name="Object 38" descr="public/generated/icons/ComposePostgreSQL-P.png">    </p:cNvPr>
+          <p:cNvPr id="39" name="Object 38" descr="public/generated/icons/ComposeMySQL-P.png">    </p:cNvPr>
           <p:cNvPicPr>
             <a:picLocks noChangeAspect="1"/>
           </p:cNvPicPr>
@@ -26433,7 +26433,7 @@
                 <a:ea typeface="Helvetica" pitchFamily="34" charset="-122"/>
                 <a:cs typeface="Helvetica" pitchFamily="34" charset="-120"/>
               </a:rPr>
-              <a:t>COMPOSE FOR POSTGRESQL</a:t>
+              <a:t>COMPOSE FOR MYSQL</a:t>
             </a:r>
             <a:endParaRPr lang="en-US" dirty="0"/>
           </a:p>
@@ -26466,7 +26466,7 @@
       </p:sp>
       <p:pic>
         <p:nvPicPr>
-          <p:cNvPr id="42" name="Object 41" descr="public/generated/icons/ComposeRabbitMQ-P.png">    </p:cNvPr>
+          <p:cNvPr id="42" name="Object 41" descr="public/generated/icons/ComposePostgreSQL-P.png">    </p:cNvPr>
           <p:cNvPicPr>
             <a:picLocks noChangeAspect="1"/>
           </p:cNvPicPr>
@@ -26522,7 +26522,7 @@
                 <a:ea typeface="Helvetica" pitchFamily="34" charset="-122"/>
                 <a:cs typeface="Helvetica" pitchFamily="34" charset="-120"/>
               </a:rPr>
-              <a:t>COMPOSE FOR RABBITMQ</a:t>
+              <a:t>COMPOSE FOR POSTGRESQL</a:t>
             </a:r>
             <a:endParaRPr lang="en-US" dirty="0"/>
           </a:p>
@@ -26555,7 +26555,7 @@
       </p:sp>
       <p:pic>
         <p:nvPicPr>
-          <p:cNvPr id="45" name="Object 44" descr="public/generated/icons/ComposeRedis-P.png">    </p:cNvPr>
+          <p:cNvPr id="45" name="Object 44" descr="public/generated/icons/ComposeRabbitMQ-P.png">    </p:cNvPr>
           <p:cNvPicPr>
             <a:picLocks noChangeAspect="1"/>
           </p:cNvPicPr>
@@ -26611,7 +26611,7 @@
                 <a:ea typeface="Helvetica" pitchFamily="34" charset="-122"/>
                 <a:cs typeface="Helvetica" pitchFamily="34" charset="-120"/>
               </a:rPr>
-              <a:t>COMPOSE FOR REDIS</a:t>
+              <a:t>COMPOSE FOR RABBITMQ</a:t>
             </a:r>
             <a:endParaRPr lang="en-US" dirty="0"/>
           </a:p>
@@ -26644,7 +26644,7 @@
       </p:sp>
       <p:pic>
         <p:nvPicPr>
-          <p:cNvPr id="48" name="Object 47" descr="public/generated/icons/ComposeRethinkDB-P.png">    </p:cNvPr>
+          <p:cNvPr id="48" name="Object 47" descr="public/generated/icons/ComposeRedis-P.png">    </p:cNvPr>
           <p:cNvPicPr>
             <a:picLocks noChangeAspect="1"/>
           </p:cNvPicPr>
@@ -26700,7 +26700,7 @@
                 <a:ea typeface="Helvetica" pitchFamily="34" charset="-122"/>
                 <a:cs typeface="Helvetica" pitchFamily="34" charset="-120"/>
               </a:rPr>
-              <a:t>COMPOSE FOR RETHINKDB</a:t>
+              <a:t>COMPOSE FOR REDIS</a:t>
             </a:r>
             <a:endParaRPr lang="en-US" dirty="0"/>
           </a:p>
@@ -26733,7 +26733,7 @@
       </p:sp>
       <p:pic>
         <p:nvPicPr>
-          <p:cNvPr id="51" name="Object 50" descr="public/generated/icons/ComposeScyllaDB-P.png">    </p:cNvPr>
+          <p:cNvPr id="51" name="Object 50" descr="public/generated/icons/ComposeRethinkDB-P.png">    </p:cNvPr>
           <p:cNvPicPr>
             <a:picLocks noChangeAspect="1"/>
           </p:cNvPicPr>
@@ -26789,7 +26789,7 @@
                 <a:ea typeface="Helvetica" pitchFamily="34" charset="-122"/>
                 <a:cs typeface="Helvetica" pitchFamily="34" charset="-120"/>
               </a:rPr>
-              <a:t>COMPOSE FOR SCYLLADB</a:t>
+              <a:t>COMPOSE FOR RETHINKDB</a:t>
             </a:r>
             <a:endParaRPr lang="en-US" dirty="0"/>
           </a:p>
@@ -26822,7 +26822,7 @@
       </p:sp>
       <p:pic>
         <p:nvPicPr>
-          <p:cNvPr id="54" name="Object 53" descr="public/generated/icons/2f756420-434f-11e8-ae40-6bdd72502abc.png">    </p:cNvPr>
+          <p:cNvPr id="54" name="Object 53" descr="public/generated/icons/ComposeScyllaDB-P.png">    </p:cNvPr>
           <p:cNvPicPr>
             <a:picLocks noChangeAspect="1"/>
           </p:cNvPicPr>
@@ -26878,7 +26878,7 @@
                 <a:ea typeface="Helvetica" pitchFamily="34" charset="-122"/>
                 <a:cs typeface="Helvetica" pitchFamily="34" charset="-120"/>
               </a:rPr>
-              <a:t>CONSULT WITH IBM GARAGE</a:t>
+              <a:t>COMPOSE FOR SCYLLADB</a:t>
             </a:r>
             <a:endParaRPr lang="en-US" dirty="0"/>
           </a:p>
@@ -26911,7 +26911,7 @@
       </p:sp>
       <p:pic>
         <p:nvPicPr>
-          <p:cNvPr id="57" name="Object 56" descr="public/generated/icons/public.bluemix.container.registry.png">    </p:cNvPr>
+          <p:cNvPr id="57" name="Object 56" descr="public/generated/icons/2f756420-434f-11e8-ae40-6bdd72502abc.png">    </p:cNvPr>
           <p:cNvPicPr>
             <a:picLocks noChangeAspect="1"/>
           </p:cNvPicPr>
@@ -26967,7 +26967,7 @@
                 <a:ea typeface="Helvetica" pitchFamily="34" charset="-122"/>
                 <a:cs typeface="Helvetica" pitchFamily="34" charset="-120"/>
               </a:rPr>
-              <a:t>CONTAINER REGISTRY</a:t>
+              <a:t>CONSULT WITH IBM GARAGE</a:t>
             </a:r>
             <a:endParaRPr lang="en-US" dirty="0"/>
           </a:p>
@@ -27000,7 +27000,7 @@
       </p:sp>
       <p:pic>
         <p:nvPicPr>
-          <p:cNvPr id="60" name="Object 59" descr="public/generated/icons/b6c4a555-5ff6-4e1d-9ce7-0a9976629eab.png">    </p:cNvPr>
+          <p:cNvPr id="60" name="Object 59" descr="public/generated/icons/public.bluemix.container.registry.png">    </p:cNvPr>
           <p:cNvPicPr>
             <a:picLocks noChangeAspect="1"/>
           </p:cNvPicPr>
@@ -27056,7 +27056,7 @@
                 <a:ea typeface="Helvetica" pitchFamily="34" charset="-122"/>
                 <a:cs typeface="Helvetica" pitchFamily="34" charset="-120"/>
               </a:rPr>
-              <a:t>CONTENT DELIVERY NETWORK</a:t>
+              <a:t>CONTAINER REGISTRY</a:t>
             </a:r>
             <a:endParaRPr lang="en-US" dirty="0"/>
           </a:p>
@@ -27089,7 +27089,7 @@
       </p:sp>
       <p:pic>
         <p:nvPicPr>
-          <p:cNvPr id="63" name="Object 62" descr="public/generated/icons/59b735ee-5938-4ebd-a6b2-541aef2d1f68.png">    </p:cNvPr>
+          <p:cNvPr id="63" name="Object 62" descr="public/generated/icons/b6c4a555-5ff6-4e1d-9ce7-0a9976629eab.png">    </p:cNvPr>
           <p:cNvPicPr>
             <a:picLocks noChangeAspect="1"/>
           </p:cNvPicPr>
@@ -27145,7 +27145,7 @@
                 <a:ea typeface="Helvetica" pitchFamily="34" charset="-122"/>
                 <a:cs typeface="Helvetica" pitchFamily="34" charset="-120"/>
               </a:rPr>
-              <a:t>CONTINUOUS DELIVERY</a:t>
+              <a:t>CONTENT DELIVERY NETWORK</a:t>
             </a:r>
             <a:endParaRPr lang="en-US" dirty="0"/>
           </a:p>
@@ -27178,7 +27178,7 @@
       </p:sp>
       <p:pic>
         <p:nvPicPr>
-          <p:cNvPr id="66" name="Object 65" descr="public/generated/icons/6777716b-e36e-4e9c-a239-6b9ed99dc12c.png">    </p:cNvPr>
+          <p:cNvPr id="66" name="Object 65" descr="public/generated/icons/59b735ee-5938-4ebd-a6b2-541aef2d1f68.png">    </p:cNvPr>
           <p:cNvPicPr>
             <a:picLocks noChangeAspect="1"/>
           </p:cNvPicPr>
@@ -27234,7 +27234,7 @@
                 <a:ea typeface="Helvetica" pitchFamily="34" charset="-122"/>
                 <a:cs typeface="Helvetica" pitchFamily="34" charset="-120"/>
               </a:rPr>
-              <a:t>CONTRAST SECURITY</a:t>
+              <a:t>CONTINUOUS DELIVERY</a:t>
             </a:r>
             <a:endParaRPr lang="en-US" dirty="0"/>
           </a:p>
@@ -27267,7 +27267,7 @@
       </p:sp>
       <p:pic>
         <p:nvPicPr>
-          <p:cNvPr id="69" name="Object 68" descr="public/generated/icons/76fad670-9d74-4138-8a14-709f5e6ac65b.png">    </p:cNvPr>
+          <p:cNvPr id="69" name="Object 68" descr="public/generated/icons/6777716b-e36e-4e9c-a239-6b9ed99dc12c.png">    </p:cNvPr>
           <p:cNvPicPr>
             <a:picLocks noChangeAspect="1"/>
           </p:cNvPicPr>
@@ -27323,7 +27323,7 @@
                 <a:ea typeface="Helvetica" pitchFamily="34" charset="-122"/>
                 <a:cs typeface="Helvetica" pitchFamily="34" charset="-120"/>
               </a:rPr>
-              <a:t>COST AND ASSET MANAGEMENT</a:t>
+              <a:t>CONTRAST SECURITY</a:t>
             </a:r>
             <a:endParaRPr lang="en-US" dirty="0"/>
           </a:p>
@@ -27356,7 +27356,7 @@
       </p:sp>
       <p:pic>
         <p:nvPicPr>
-          <p:cNvPr id="72" name="Object 71" descr="public/generated/icons/0b5f9176-abd0-4c0d-8e25-63a79b358f9e.png">    </p:cNvPr>
+          <p:cNvPr id="72" name="Object 71" descr="public/generated/icons/76fad670-9d74-4138-8a14-709f5e6ac65b.png">    </p:cNvPr>
           <p:cNvPicPr>
             <a:picLocks noChangeAspect="1"/>
           </p:cNvPicPr>
@@ -27412,7 +27412,7 @@
                 <a:ea typeface="Helvetica" pitchFamily="34" charset="-122"/>
                 <a:cs typeface="Helvetica" pitchFamily="34" charset="-120"/>
               </a:rPr>
-              <a:t>DATA STORE FOR MEMCACHE</a:t>
+              <a:t>COST AND ASSET MANAGEMENT</a:t>
             </a:r>
             <a:endParaRPr lang="en-US" dirty="0"/>
           </a:p>
@@ -27445,7 +27445,7 @@
       </p:sp>
       <p:pic>
         <p:nvPicPr>
-          <p:cNvPr id="75" name="Object 74" descr="public/generated/icons/databases-for-elasticsearch.png">    </p:cNvPr>
+          <p:cNvPr id="75" name="Object 74" descr="public/generated/icons/0b5f9176-abd0-4c0d-8e25-63a79b358f9e.png">    </p:cNvPr>
           <p:cNvPicPr>
             <a:picLocks noChangeAspect="1"/>
           </p:cNvPicPr>
@@ -27501,7 +27501,7 @@
                 <a:ea typeface="Helvetica" pitchFamily="34" charset="-122"/>
                 <a:cs typeface="Helvetica" pitchFamily="34" charset="-120"/>
               </a:rPr>
-              <a:t>DATABASES FOR ELASTICSEARCH</a:t>
+              <a:t>DATA STORE FOR MEMCACHE</a:t>
             </a:r>
             <a:endParaRPr lang="en-US" dirty="0"/>
           </a:p>
@@ -27534,7 +27534,7 @@
       </p:sp>
       <p:pic>
         <p:nvPicPr>
-          <p:cNvPr id="78" name="Object 77" descr="public/generated/icons/databases-for-etcd.png">    </p:cNvPr>
+          <p:cNvPr id="78" name="Object 77" descr="public/generated/icons/databases-for-elasticsearch.png">    </p:cNvPr>
           <p:cNvPicPr>
             <a:picLocks noChangeAspect="1"/>
           </p:cNvPicPr>
@@ -27590,7 +27590,7 @@
                 <a:ea typeface="Helvetica" pitchFamily="34" charset="-122"/>
                 <a:cs typeface="Helvetica" pitchFamily="34" charset="-120"/>
               </a:rPr>
-              <a:t>DATABASES FOR ETCD</a:t>
+              <a:t>DATABASES FOR ELASTICSEARCH</a:t>
             </a:r>
             <a:endParaRPr lang="en-US" dirty="0"/>
           </a:p>
@@ -27623,7 +27623,7 @@
       </p:sp>
       <p:pic>
         <p:nvPicPr>
-          <p:cNvPr id="81" name="Object 80" descr="public/generated/icons/databases-for-mongodb.png">    </p:cNvPr>
+          <p:cNvPr id="81" name="Object 80" descr="public/generated/icons/databases-for-etcd.png">    </p:cNvPr>
           <p:cNvPicPr>
             <a:picLocks noChangeAspect="1"/>
           </p:cNvPicPr>
@@ -27679,7 +27679,7 @@
                 <a:ea typeface="Helvetica" pitchFamily="34" charset="-122"/>
                 <a:cs typeface="Helvetica" pitchFamily="34" charset="-120"/>
               </a:rPr>
-              <a:t>DATABASES FOR MONGODB</a:t>
+              <a:t>DATABASES FOR ETCD</a:t>
             </a:r>
             <a:endParaRPr lang="en-US" dirty="0"/>
           </a:p>
@@ -27712,7 +27712,7 @@
       </p:sp>
       <p:pic>
         <p:nvPicPr>
-          <p:cNvPr id="84" name="Object 83" descr="public/generated/icons/databases-for-postgresql.png">    </p:cNvPr>
+          <p:cNvPr id="84" name="Object 83" descr="public/generated/icons/databases-for-mongodb.png">    </p:cNvPr>
           <p:cNvPicPr>
             <a:picLocks noChangeAspect="1"/>
           </p:cNvPicPr>
@@ -27768,7 +27768,7 @@
                 <a:ea typeface="Helvetica" pitchFamily="34" charset="-122"/>
                 <a:cs typeface="Helvetica" pitchFamily="34" charset="-120"/>
               </a:rPr>
-              <a:t>DATABASES FOR POSTGRESQL</a:t>
+              <a:t>DATABASES FOR MONGODB</a:t>
             </a:r>
             <a:endParaRPr lang="en-US" dirty="0"/>
           </a:p>
@@ -27801,7 +27801,7 @@
       </p:sp>
       <p:pic>
         <p:nvPicPr>
-          <p:cNvPr id="87" name="Object 86" descr="public/generated/icons/databases-for-redis.png">    </p:cNvPr>
+          <p:cNvPr id="87" name="Object 86" descr="public/generated/icons/databases-for-postgresql.png">    </p:cNvPr>
           <p:cNvPicPr>
             <a:picLocks noChangeAspect="1"/>
           </p:cNvPicPr>
@@ -27857,7 +27857,7 @@
                 <a:ea typeface="Helvetica" pitchFamily="34" charset="-122"/>
                 <a:cs typeface="Helvetica" pitchFamily="34" charset="-120"/>
               </a:rPr>
-              <a:t>DATABASES FOR REDIS</a:t>
+              <a:t>DATABASES FOR POSTGRESQL</a:t>
             </a:r>
             <a:endParaRPr lang="en-US" dirty="0"/>
           </a:p>
@@ -27890,7 +27890,7 @@
       </p:sp>
       <p:pic>
         <p:nvPicPr>
-          <p:cNvPr id="90" name="Object 89" descr="public/generated/icons/dashdb-for-transactions.png">    </p:cNvPr>
+          <p:cNvPr id="90" name="Object 89" descr="public/generated/icons/databases-for-redis.png">    </p:cNvPr>
           <p:cNvPicPr>
             <a:picLocks noChangeAspect="1"/>
           </p:cNvPicPr>
@@ -27946,7 +27946,7 @@
                 <a:ea typeface="Helvetica" pitchFamily="34" charset="-122"/>
                 <a:cs typeface="Helvetica" pitchFamily="34" charset="-120"/>
               </a:rPr>
-              <a:t>DB2</a:t>
+              <a:t>DATABASES FOR REDIS</a:t>
             </a:r>
             <a:endParaRPr lang="en-US" dirty="0"/>
           </a:p>
@@ -27979,7 +27979,7 @@
       </p:sp>
       <p:pic>
         <p:nvPicPr>
-          <p:cNvPr id="93" name="Object 92" descr="public/generated/icons/3d6e097c-b3b2-482a-b92d-6da183602cb6.png">    </p:cNvPr>
+          <p:cNvPr id="93" name="Object 92" descr="public/generated/icons/dashdb-for-transactions.png">    </p:cNvPr>
           <p:cNvPicPr>
             <a:picLocks noChangeAspect="1"/>
           </p:cNvPicPr>
@@ -28035,7 +28035,7 @@
                 <a:ea typeface="Helvetica" pitchFamily="34" charset="-122"/>
                 <a:cs typeface="Helvetica" pitchFamily="34" charset="-120"/>
               </a:rPr>
-              <a:t>DB2 HOSTED</a:t>
+              <a:t>DB2</a:t>
             </a:r>
             <a:endParaRPr lang="en-US" dirty="0"/>
           </a:p>
@@ -28068,7 +28068,7 @@
       </p:sp>
       <p:pic>
         <p:nvPicPr>
-          <p:cNvPr id="96" name="Object 95" descr="public/generated/icons/9e02e72d-00ce-4220-b44c-650c8314e58a.png">    </p:cNvPr>
+          <p:cNvPr id="96" name="Object 95" descr="public/generated/icons/3d6e097c-b3b2-482a-b92d-6da183602cb6.png">    </p:cNvPr>
           <p:cNvPicPr>
             <a:picLocks noChangeAspect="1"/>
           </p:cNvPicPr>
@@ -28124,7 +28124,7 @@
                 <a:ea typeface="Helvetica" pitchFamily="34" charset="-122"/>
                 <a:cs typeface="Helvetica" pitchFamily="34" charset="-120"/>
               </a:rPr>
-              <a:t>DB2 WAREHOUSE</a:t>
+              <a:t>DB2 HOSTED</a:t>
             </a:r>
             <a:endParaRPr lang="en-US" dirty="0"/>
           </a:p>
@@ -28157,7 +28157,7 @@
       </p:sp>
       <p:pic>
         <p:nvPicPr>
-          <p:cNvPr id="99" name="Object 98" descr="public/generated/icons/5b45fd07-d6cf-4596-b95e-2d3257267fd3.png">    </p:cNvPr>
+          <p:cNvPr id="99" name="Object 98" descr="public/generated/icons/9e02e72d-00ce-4220-b44c-650c8314e58a.png">    </p:cNvPr>
           <p:cNvPicPr>
             <a:picLocks noChangeAspect="1"/>
           </p:cNvPicPr>
@@ -28213,7 +28213,7 @@
                 <a:ea typeface="Helvetica" pitchFamily="34" charset="-122"/>
                 <a:cs typeface="Helvetica" pitchFamily="34" charset="-120"/>
               </a:rPr>
-              <a:t>DIFITEK</a:t>
+              <a:t>DB2 WAREHOUSE</a:t>
             </a:r>
             <a:endParaRPr lang="en-US" dirty="0"/>
           </a:p>
@@ -28246,7 +28246,7 @@
       </p:sp>
       <p:pic>
         <p:nvPicPr>
-          <p:cNvPr id="102" name="Object 101" descr="public/generated/icons/9cbc2ff1-ee54-44ca-bbff-c5dee9913cd8.png">    </p:cNvPr>
+          <p:cNvPr id="102" name="Object 101" descr="public/generated/icons/5b45fd07-d6cf-4596-b95e-2d3257267fd3.png">    </p:cNvPr>
           <p:cNvPicPr>
             <a:picLocks noChangeAspect="1"/>
           </p:cNvPicPr>
@@ -28302,7 +28302,7 @@
                 <a:ea typeface="Helvetica" pitchFamily="34" charset="-122"/>
                 <a:cs typeface="Helvetica" pitchFamily="34" charset="-120"/>
               </a:rPr>
-              <a:t>DIGITAL CONTENT CHECKER</a:t>
+              <a:t>DIFITEK</a:t>
             </a:r>
             <a:endParaRPr lang="en-US" dirty="0"/>
           </a:p>
@@ -28335,7 +28335,7 @@
       </p:sp>
       <p:pic>
         <p:nvPicPr>
-          <p:cNvPr id="105" name="Object 104" descr="public/generated/icons/7dd59b11-c3c5-5aad-f6b2-2a0c2a3e6c49.png">    </p:cNvPr>
+          <p:cNvPr id="105" name="Object 104" descr="public/generated/icons/9cbc2ff1-ee54-44ca-bbff-c5dee9913cd8.png">    </p:cNvPr>
           <p:cNvPicPr>
             <a:picLocks noChangeAspect="1"/>
           </p:cNvPicPr>
@@ -28391,7 +28391,7 @@
                 <a:ea typeface="Helvetica" pitchFamily="34" charset="-122"/>
                 <a:cs typeface="Helvetica" pitchFamily="34" charset="-120"/>
               </a:rPr>
-              <a:t>DIRECT LINK CONNECT</a:t>
+              <a:t>DIGITAL CONTENT CHECKER</a:t>
             </a:r>
             <a:endParaRPr lang="en-US" dirty="0"/>
           </a:p>
@@ -28424,7 +28424,7 @@
       </p:sp>
       <p:pic>
         <p:nvPicPr>
-          <p:cNvPr id="108" name="Object 107" descr="public/generated/icons/23.png">    </p:cNvPr>
+          <p:cNvPr id="108" name="Object 107" descr="public/generated/icons/7dd59b11-c3c5-5aad-f6b2-2a0c2a3e6c49.png">    </p:cNvPr>
           <p:cNvPicPr>
             <a:picLocks noChangeAspect="1"/>
           </p:cNvPicPr>
@@ -28480,7 +28480,7 @@
                 <a:ea typeface="Helvetica" pitchFamily="34" charset="-122"/>
                 <a:cs typeface="Helvetica" pitchFamily="34" charset="-120"/>
               </a:rPr>
-              <a:t>DIRECT LINK DEDICATED</a:t>
+              <a:t>DIRECT LINK CONNECT</a:t>
             </a:r>
             <a:endParaRPr lang="en-US" dirty="0"/>
           </a:p>
@@ -28546,7 +28546,7 @@
       </p:sp>
       <p:pic>
         <p:nvPicPr>
-          <p:cNvPr id="3" name="Object 2" descr="public/generated/icons/22.png">    </p:cNvPr>
+          <p:cNvPr id="3" name="Object 2" descr="public/generated/icons/23.png">    </p:cNvPr>
           <p:cNvPicPr>
             <a:picLocks noChangeAspect="1"/>
           </p:cNvPicPr>
@@ -28602,7 +28602,7 @@
                 <a:ea typeface="Helvetica" pitchFamily="34" charset="-122"/>
                 <a:cs typeface="Helvetica" pitchFamily="34" charset="-120"/>
               </a:rPr>
-              <a:t>DIRECT LINK DEDICATED HOSTING</a:t>
+              <a:t>DIRECT LINK DEDICATED</a:t>
             </a:r>
             <a:endParaRPr lang="en-US" dirty="0"/>
           </a:p>
@@ -28635,7 +28635,7 @@
       </p:sp>
       <p:pic>
         <p:nvPicPr>
-          <p:cNvPr id="6" name="Object 5" descr="public/generated/icons/21.png">    </p:cNvPr>
+          <p:cNvPr id="6" name="Object 5" descr="public/generated/icons/22.png">    </p:cNvPr>
           <p:cNvPicPr>
             <a:picLocks noChangeAspect="1"/>
           </p:cNvPicPr>
@@ -28691,7 +28691,7 @@
                 <a:ea typeface="Helvetica" pitchFamily="34" charset="-122"/>
                 <a:cs typeface="Helvetica" pitchFamily="34" charset="-120"/>
               </a:rPr>
-              <a:t>DIRECT LINK EXCHANGE</a:t>
+              <a:t>DIRECT LINK DEDICATED HOSTING</a:t>
             </a:r>
             <a:endParaRPr lang="en-US" dirty="0"/>
           </a:p>
@@ -28724,7 +28724,7 @@
       </p:sp>
       <p:pic>
         <p:nvPicPr>
-          <p:cNvPr id="9" name="Object 8" descr="public/generated/icons/76b7bf22-b443-47db-b3db-066ba2988f47.png">    </p:cNvPr>
+          <p:cNvPr id="9" name="Object 8" descr="public/generated/icons/21.png">    </p:cNvPr>
           <p:cNvPicPr>
             <a:picLocks noChangeAspect="1"/>
           </p:cNvPicPr>
@@ -28780,7 +28780,7 @@
                 <a:ea typeface="Helvetica" pitchFamily="34" charset="-122"/>
                 <a:cs typeface="Helvetica" pitchFamily="34" charset="-120"/>
               </a:rPr>
-              <a:t>DISCOVERY</a:t>
+              <a:t>DIRECT LINK EXCHANGE</a:t>
             </a:r>
             <a:endParaRPr lang="en-US" dirty="0"/>
           </a:p>
@@ -28813,7 +28813,7 @@
       </p:sp>
       <p:pic>
         <p:nvPicPr>
-          <p:cNvPr id="12" name="Object 11" descr="public/generated/icons/24.png">    </p:cNvPr>
+          <p:cNvPr id="12" name="Object 11" descr="public/generated/icons/76b7bf22-b443-47db-b3db-066ba2988f47.png">    </p:cNvPr>
           <p:cNvPicPr>
             <a:picLocks noChangeAspect="1"/>
           </p:cNvPicPr>
@@ -28869,7 +28869,7 @@
                 <a:ea typeface="Helvetica" pitchFamily="34" charset="-122"/>
                 <a:cs typeface="Helvetica" pitchFamily="34" charset="-120"/>
               </a:rPr>
-              <a:t>DOMAIN NAME REGISTRATION</a:t>
+              <a:t>DISCOVERY</a:t>
             </a:r>
             <a:endParaRPr lang="en-US" dirty="0"/>
           </a:p>
@@ -28902,7 +28902,7 @@
       </p:sp>
       <p:pic>
         <p:nvPicPr>
-          <p:cNvPr id="15" name="Object 14" descr="public/generated/icons/618c27d5-6f91-4615-baa1-9efb76e7814b.png">    </p:cNvPr>
+          <p:cNvPr id="15" name="Object 14" descr="public/generated/icons/24.png">    </p:cNvPr>
           <p:cNvPicPr>
             <a:picLocks noChangeAspect="1"/>
           </p:cNvPicPr>
@@ -28958,7 +28958,7 @@
                 <a:ea typeface="Helvetica" pitchFamily="34" charset="-122"/>
                 <a:cs typeface="Helvetica" pitchFamily="34" charset="-120"/>
               </a:rPr>
-              <a:t>DWOLLA</a:t>
+              <a:t>DOMAIN NAME REGISTRATION</a:t>
             </a:r>
             <a:endParaRPr lang="en-US" dirty="0"/>
           </a:p>
@@ -28991,7 +28991,7 @@
       </p:sp>
       <p:pic>
         <p:nvPicPr>
-          <p:cNvPr id="18" name="Object 17" descr="public/generated/icons/bc0e0f30-a061-11e8-9dfc-536f3b158609.png">    </p:cNvPr>
+          <p:cNvPr id="18" name="Object 17" descr="public/generated/icons/618c27d5-6f91-4615-baa1-9efb76e7814b.png">    </p:cNvPr>
           <p:cNvPicPr>
             <a:picLocks noChangeAspect="1"/>
           </p:cNvPicPr>
@@ -29047,7 +29047,7 @@
                 <a:ea typeface="Helvetica" pitchFamily="34" charset="-122"/>
                 <a:cs typeface="Helvetica" pitchFamily="34" charset="-120"/>
               </a:rPr>
-              <a:t>ELEPHANTSQL</a:t>
+              <a:t>DWOLLA</a:t>
             </a:r>
             <a:endParaRPr lang="en-US" dirty="0"/>
           </a:p>
@@ -29080,7 +29080,7 @@
       </p:sp>
       <p:pic>
         <p:nvPicPr>
-          <p:cNvPr id="21" name="Object 20" descr="public/generated/icons/d1e3f0d2-0f49-ddfd-0eb9-2897b9d3a45d.png">    </p:cNvPr>
+          <p:cNvPr id="21" name="Object 20" descr="public/generated/icons/bc0e0f30-a061-11e8-9dfc-536f3b158609.png">    </p:cNvPr>
           <p:cNvPicPr>
             <a:picLocks noChangeAspect="1"/>
           </p:cNvPicPr>
@@ -29136,7 +29136,7 @@
                 <a:ea typeface="Helvetica" pitchFamily="34" charset="-122"/>
                 <a:cs typeface="Helvetica" pitchFamily="34" charset="-120"/>
               </a:rPr>
-              <a:t>EMAIL DELIVERY, POWERED BY SENDGRID</a:t>
+              <a:t>ELEPHANTSQL</a:t>
             </a:r>
             <a:endParaRPr lang="en-US" dirty="0"/>
           </a:p>
@@ -29169,7 +29169,7 @@
       </p:sp>
       <p:pic>
         <p:nvPicPr>
-          <p:cNvPr id="24" name="Object 23" descr="public/generated/icons/aad5c038-a44d-4a3e-b8c2-133ca3e2655b.png">    </p:cNvPr>
+          <p:cNvPr id="24" name="Object 23" descr="public/generated/icons/d1e3f0d2-0f49-ddfd-0eb9-2897b9d3a45d.png">    </p:cNvPr>
           <p:cNvPicPr>
             <a:picLocks noChangeAspect="1"/>
           </p:cNvPicPr>
@@ -29225,7 +29225,7 @@
                 <a:ea typeface="Helvetica" pitchFamily="34" charset="-122"/>
                 <a:cs typeface="Helvetica" pitchFamily="34" charset="-120"/>
               </a:rPr>
-              <a:t>ENVESTNET | YODLEE</a:t>
+              <a:t>EMAIL DELIVERY, POWERED BY SENDGRID</a:t>
             </a:r>
             <a:endParaRPr lang="en-US" dirty="0"/>
           </a:p>
@@ -29258,7 +29258,7 @@
       </p:sp>
       <p:pic>
         <p:nvPicPr>
-          <p:cNvPr id="27" name="Object 26" descr="public/generated/icons/8c455b2d-79dc-45c3-8a31-c72b924ec833.png">    </p:cNvPr>
+          <p:cNvPr id="27" name="Object 26" descr="public/generated/icons/aad5c038-a44d-4a3e-b8c2-133ca3e2655b.png">    </p:cNvPr>
           <p:cNvPicPr>
             <a:picLocks noChangeAspect="1"/>
           </p:cNvPicPr>
@@ -29314,7 +29314,7 @@
                 <a:ea typeface="Helvetica" pitchFamily="34" charset="-122"/>
                 <a:cs typeface="Helvetica" pitchFamily="34" charset="-120"/>
               </a:rPr>
-              <a:t>ESRI ARCGIS FOR DEVELOPERS</a:t>
+              <a:t>ENVESTNET | YODLEE</a:t>
             </a:r>
             <a:endParaRPr lang="en-US" dirty="0"/>
           </a:p>
@@ -29347,7 +29347,7 @@
       </p:sp>
       <p:pic>
         <p:nvPicPr>
-          <p:cNvPr id="30" name="Object 29" descr="public/generated/icons/CloudEventManagement16a036f0-f1fc-11e6-a38d-394caee7d66d.png">    </p:cNvPr>
+          <p:cNvPr id="30" name="Object 29" descr="public/generated/icons/8c455b2d-79dc-45c3-8a31-c72b924ec833.png">    </p:cNvPr>
           <p:cNvPicPr>
             <a:picLocks noChangeAspect="1"/>
           </p:cNvPicPr>
@@ -29403,7 +29403,7 @@
                 <a:ea typeface="Helvetica" pitchFamily="34" charset="-122"/>
                 <a:cs typeface="Helvetica" pitchFamily="34" charset="-120"/>
               </a:rPr>
-              <a:t>EVENT MANAGEMENT</a:t>
+              <a:t>ESRI ARCGIS FOR DEVELOPERS</a:t>
             </a:r>
             <a:endParaRPr lang="en-US" dirty="0"/>
           </a:p>
@@ -29436,7 +29436,7 @@
       </p:sp>
       <p:pic>
         <p:nvPicPr>
-          <p:cNvPr id="33" name="Object 32" descr="public/generated/icons/6a7f4e38-f218-48ef-9dd2-df408747568e.png">    </p:cNvPr>
+          <p:cNvPr id="33" name="Object 32" descr="public/generated/icons/CloudEventManagement16a036f0-f1fc-11e6-a38d-394caee7d66d.png">    </p:cNvPr>
           <p:cNvPicPr>
             <a:picLocks noChangeAspect="1"/>
           </p:cNvPicPr>
@@ -29492,7 +29492,7 @@
                 <a:ea typeface="Helvetica" pitchFamily="34" charset="-122"/>
                 <a:cs typeface="Helvetica" pitchFamily="34" charset="-120"/>
               </a:rPr>
-              <a:t>EVENT STREAMS</a:t>
+              <a:t>EVENT MANAGEMENT</a:t>
             </a:r>
             <a:endParaRPr lang="en-US" dirty="0"/>
           </a:p>
@@ -29525,7 +29525,7 @@
       </p:sp>
       <p:pic>
         <p:nvPicPr>
-          <p:cNvPr id="36" name="Object 35" descr="public/generated/icons/cf329950-0a3e-11e8-922e-f1366c6e1c83-bigip.png">    </p:cNvPr>
+          <p:cNvPr id="36" name="Object 35" descr="public/generated/icons/6a7f4e38-f218-48ef-9dd2-df408747568e.png">    </p:cNvPr>
           <p:cNvPicPr>
             <a:picLocks noChangeAspect="1"/>
           </p:cNvPicPr>
@@ -29581,7 +29581,7 @@
                 <a:ea typeface="Helvetica" pitchFamily="34" charset="-122"/>
                 <a:cs typeface="Helvetica" pitchFamily="34" charset="-120"/>
               </a:rPr>
-              <a:t>F5 BIG-IP</a:t>
+              <a:t>EVENT STREAMS</a:t>
             </a:r>
             <a:endParaRPr lang="en-US" dirty="0"/>
           </a:p>
@@ -29614,7 +29614,7 @@
       </p:sp>
       <p:pic>
         <p:nvPicPr>
-          <p:cNvPr id="39" name="Object 38" descr="public/generated/icons/6.png">    </p:cNvPr>
+          <p:cNvPr id="39" name="Object 38" descr="public/generated/icons/cf329950-0a3e-11e8-922e-f1366c6e1c83-bigip.png">    </p:cNvPr>
           <p:cNvPicPr>
             <a:picLocks noChangeAspect="1"/>
           </p:cNvPicPr>
@@ -29670,7 +29670,7 @@
                 <a:ea typeface="Helvetica" pitchFamily="34" charset="-122"/>
                 <a:cs typeface="Helvetica" pitchFamily="34" charset="-120"/>
               </a:rPr>
-              <a:t>FILE STORAGE</a:t>
+              <a:t>F5 BIG-IP</a:t>
             </a:r>
             <a:endParaRPr lang="en-US" dirty="0"/>
           </a:p>
@@ -29703,7 +29703,7 @@
       </p:sp>
       <p:pic>
         <p:nvPicPr>
-          <p:cNvPr id="42" name="Object 41" descr="public/generated/icons/is.floating-ip.png">    </p:cNvPr>
+          <p:cNvPr id="42" name="Object 41" descr="public/generated/icons/6.png">    </p:cNvPr>
           <p:cNvPicPr>
             <a:picLocks noChangeAspect="1"/>
           </p:cNvPicPr>
@@ -29759,7 +29759,7 @@
                 <a:ea typeface="Helvetica" pitchFamily="34" charset="-122"/>
                 <a:cs typeface="Helvetica" pitchFamily="34" charset="-120"/>
               </a:rPr>
-              <a:t>FLOATING IP FOR VPC</a:t>
+              <a:t>FILE STORAGE</a:t>
             </a:r>
             <a:endParaRPr lang="en-US" dirty="0"/>
           </a:p>
@@ -29792,7 +29792,7 @@
       </p:sp>
       <p:pic>
         <p:nvPicPr>
-          <p:cNvPr id="45" name="Object 44" descr="public/generated/icons/cf329950-0a3e-11e8-922e-f1366c6e1c83-fortigate.png">    </p:cNvPr>
+          <p:cNvPr id="45" name="Object 44" descr="public/generated/icons/is.floating-ip.png">    </p:cNvPr>
           <p:cNvPicPr>
             <a:picLocks noChangeAspect="1"/>
           </p:cNvPicPr>
@@ -29848,7 +29848,7 @@
                 <a:ea typeface="Helvetica" pitchFamily="34" charset="-122"/>
                 <a:cs typeface="Helvetica" pitchFamily="34" charset="-120"/>
               </a:rPr>
-              <a:t>FORTIGATE SECURITY APPLIANCE</a:t>
+              <a:t>FLOATING IP FOR VPC</a:t>
             </a:r>
             <a:endParaRPr lang="en-US" dirty="0"/>
           </a:p>
@@ -29881,7 +29881,7 @@
       </p:sp>
       <p:pic>
         <p:nvPicPr>
-          <p:cNvPr id="48" name="Object 47" descr="public/generated/icons/f5b26324-9b39-c701-0cc5-b0d5d2fe8534.png">    </p:cNvPr>
+          <p:cNvPr id="48" name="Object 47" descr="public/generated/icons/cf329950-0a3e-11e8-922e-f1366c6e1c83-fortigate.png">    </p:cNvPr>
           <p:cNvPicPr>
             <a:picLocks noChangeAspect="1"/>
           </p:cNvPicPr>
@@ -29937,7 +29937,7 @@
                 <a:ea typeface="Helvetica" pitchFamily="34" charset="-122"/>
                 <a:cs typeface="Helvetica" pitchFamily="34" charset="-120"/>
               </a:rPr>
-              <a:t>FORTIGATE SECURITY APPLIANCE 10GBPS</a:t>
+              <a:t>FORTIGATE SECURITY APPLIANCE</a:t>
             </a:r>
             <a:endParaRPr lang="en-US" dirty="0"/>
           </a:p>
@@ -29970,7 +29970,7 @@
       </p:sp>
       <p:pic>
         <p:nvPicPr>
-          <p:cNvPr id="51" name="Object 50" descr="public/generated/icons/2d5fe2ce-9d99-ea08-4ad0-b27724d3b86b.png">    </p:cNvPr>
+          <p:cNvPr id="51" name="Object 50" descr="public/generated/icons/f5b26324-9b39-c701-0cc5-b0d5d2fe8534.png">    </p:cNvPr>
           <p:cNvPicPr>
             <a:picLocks noChangeAspect="1"/>
           </p:cNvPicPr>
@@ -30026,7 +30026,7 @@
                 <a:ea typeface="Helvetica" pitchFamily="34" charset="-122"/>
                 <a:cs typeface="Helvetica" pitchFamily="34" charset="-120"/>
               </a:rPr>
-              <a:t>FORTIGATE SECURITY APPLIANCE 1GBPS</a:t>
+              <a:t>FORTIGATE SECURITY APPLIANCE 10GBPS</a:t>
             </a:r>
             <a:endParaRPr lang="en-US" dirty="0"/>
           </a:p>
@@ -30059,7 +30059,7 @@
       </p:sp>
       <p:pic>
         <p:nvPicPr>
-          <p:cNvPr id="54" name="Object 53" descr="public/generated/icons/cf329950-0a3e-11e8-922e-f1366c6e1c83-fortigatevm.png">    </p:cNvPr>
+          <p:cNvPr id="54" name="Object 53" descr="public/generated/icons/2d5fe2ce-9d99-ea08-4ad0-b27724d3b86b.png">    </p:cNvPr>
           <p:cNvPicPr>
             <a:picLocks noChangeAspect="1"/>
           </p:cNvPicPr>
@@ -30115,7 +30115,7 @@
                 <a:ea typeface="Helvetica" pitchFamily="34" charset="-122"/>
                 <a:cs typeface="Helvetica" pitchFamily="34" charset="-120"/>
               </a:rPr>
-              <a:t>FORTIGATE VIRTUAL APPLIANCE</a:t>
+              <a:t>FORTIGATE SECURITY APPLIANCE 1GBPS</a:t>
             </a:r>
             <a:endParaRPr lang="en-US" dirty="0"/>
           </a:p>
@@ -30148,7 +30148,7 @@
       </p:sp>
       <p:pic>
         <p:nvPicPr>
-          <p:cNvPr id="57" name="Object 56" descr="public/generated/icons/functions.png">    </p:cNvPr>
+          <p:cNvPr id="57" name="Object 56" descr="public/generated/icons/cf329950-0a3e-11e8-922e-f1366c6e1c83-fortigatevm.png">    </p:cNvPr>
           <p:cNvPicPr>
             <a:picLocks noChangeAspect="1"/>
           </p:cNvPicPr>
@@ -30204,7 +30204,7 @@
                 <a:ea typeface="Helvetica" pitchFamily="34" charset="-122"/>
                 <a:cs typeface="Helvetica" pitchFamily="34" charset="-120"/>
               </a:rPr>
-              <a:t>FUNCTIONS</a:t>
+              <a:t>FORTIGATE VIRTUAL APPLIANCE</a:t>
             </a:r>
             <a:endParaRPr lang="en-US" dirty="0"/>
           </a:p>
@@ -30237,7 +30237,7 @@
       </p:sp>
       <p:pic>
         <p:nvPicPr>
-          <p:cNvPr id="60" name="Object 59" descr="public/generated/icons/9d788e08-1b4a-4504-920a-d2842b72f36d.png">    </p:cNvPr>
+          <p:cNvPr id="60" name="Object 59" descr="public/generated/icons/functions.png">    </p:cNvPr>
           <p:cNvPicPr>
             <a:picLocks noChangeAspect="1"/>
           </p:cNvPicPr>
@@ -30293,7 +30293,7 @@
                 <a:ea typeface="Helvetica" pitchFamily="34" charset="-122"/>
                 <a:cs typeface="Helvetica" pitchFamily="34" charset="-120"/>
               </a:rPr>
-              <a:t>FUNDINGSHIELD - WIRE ACCOUNT VERIFICATION SERVICE (WAVS)</a:t>
+              <a:t>FUNCTIONS</a:t>
             </a:r>
             <a:endParaRPr lang="en-US" dirty="0"/>
           </a:p>
@@ -30326,7 +30326,7 @@
       </p:sp>
       <p:pic>
         <p:nvPicPr>
-          <p:cNvPr id="63" name="Object 62" descr="public/generated/icons/7de32cac-4055-4166-92e8-b65baace7bca.png">    </p:cNvPr>
+          <p:cNvPr id="63" name="Object 62" descr="public/generated/icons/9d788e08-1b4a-4504-920a-d2842b72f36d.png">    </p:cNvPr>
           <p:cNvPicPr>
             <a:picLocks noChangeAspect="1"/>
           </p:cNvPicPr>
@@ -30382,7 +30382,7 @@
                 <a:ea typeface="Helvetica" pitchFamily="34" charset="-122"/>
                 <a:cs typeface="Helvetica" pitchFamily="34" charset="-120"/>
               </a:rPr>
-              <a:t>FUSIONAUTH</a:t>
+              <a:t>FUNDINGSHIELD - WIRE ACCOUNT VERIFICATION SERVICE (WAVS)</a:t>
             </a:r>
             <a:endParaRPr lang="en-US" dirty="0"/>
           </a:p>
@@ -30415,7 +30415,7 @@
       </p:sp>
       <p:pic>
         <p:nvPicPr>
-          <p:cNvPr id="66" name="Object 65" descr="public/generated/icons/f42f47a0-f793-4b45-ad11-782cc565df16.png">    </p:cNvPr>
+          <p:cNvPr id="66" name="Object 65" descr="public/generated/icons/7de32cac-4055-4166-92e8-b65baace7bca.png">    </p:cNvPr>
           <p:cNvPicPr>
             <a:picLocks noChangeAspect="1"/>
           </p:cNvPicPr>
@@ -30471,7 +30471,7 @@
                 <a:ea typeface="Helvetica" pitchFamily="34" charset="-122"/>
                 <a:cs typeface="Helvetica" pitchFamily="34" charset="-120"/>
               </a:rPr>
-              <a:t>GEO WEB SERVICES</a:t>
+              <a:t>FUSIONAUTH</a:t>
             </a:r>
             <a:endParaRPr lang="en-US" dirty="0"/>
           </a:p>
@@ -30504,7 +30504,7 @@
       </p:sp>
       <p:pic>
         <p:nvPicPr>
-          <p:cNvPr id="69" name="Object 68" descr="public/generated/icons/6f6e0937-6110-42eb-8988-3a1999854d20.png">    </p:cNvPr>
+          <p:cNvPr id="69" name="Object 68" descr="public/generated/icons/f42f47a0-f793-4b45-ad11-782cc565df16.png">    </p:cNvPr>
           <p:cNvPicPr>
             <a:picLocks noChangeAspect="1"/>
           </p:cNvPicPr>
@@ -30560,7 +30560,7 @@
                 <a:ea typeface="Helvetica" pitchFamily="34" charset="-122"/>
                 <a:cs typeface="Helvetica" pitchFamily="34" charset="-120"/>
               </a:rPr>
-              <a:t>GLOBALIZATION PIPELINE</a:t>
+              <a:t>GEO WEB SERVICES</a:t>
             </a:r>
             <a:endParaRPr lang="en-US" dirty="0"/>
           </a:p>
@@ -30593,7 +30593,7 @@
       </p:sp>
       <p:pic>
         <p:nvPicPr>
-          <p:cNvPr id="72" name="Object 71" descr="public/generated/icons/16.png">    </p:cNvPr>
+          <p:cNvPr id="72" name="Object 71" descr="public/generated/icons/6f6e0937-6110-42eb-8988-3a1999854d20.png">    </p:cNvPr>
           <p:cNvPicPr>
             <a:picLocks noChangeAspect="1"/>
           </p:cNvPicPr>
@@ -30649,7 +30649,7 @@
                 <a:ea typeface="Helvetica" pitchFamily="34" charset="-122"/>
                 <a:cs typeface="Helvetica" pitchFamily="34" charset="-120"/>
               </a:rPr>
-              <a:t>HARDWARE FIREWALL</a:t>
+              <a:t>GLOBALIZATION PIPELINE</a:t>
             </a:r>
             <a:endParaRPr lang="en-US" dirty="0"/>
           </a:p>
@@ -30682,7 +30682,7 @@
       </p:sp>
       <p:pic>
         <p:nvPicPr>
-          <p:cNvPr id="75" name="Object 74" descr="public/generated/icons/17.png">    </p:cNvPr>
+          <p:cNvPr id="75" name="Object 74" descr="public/generated/icons/16.png">    </p:cNvPr>
           <p:cNvPicPr>
             <a:picLocks noChangeAspect="1"/>
           </p:cNvPicPr>
@@ -30738,7 +30738,7 @@
                 <a:ea typeface="Helvetica" pitchFamily="34" charset="-122"/>
                 <a:cs typeface="Helvetica" pitchFamily="34" charset="-120"/>
               </a:rPr>
-              <a:t>HARDWARE FIREWALL (DEDICATED)</a:t>
+              <a:t>HARDWARE FIREWALL</a:t>
             </a:r>
             <a:endParaRPr lang="en-US" dirty="0"/>
           </a:p>
@@ -30771,7 +30771,7 @@
       </p:sp>
       <p:pic>
         <p:nvPicPr>
-          <p:cNvPr id="78" name="Object 77" descr="public/generated/icons/1564e6bd-9b6c-44dd-8402-d3818d9664c5.png">    </p:cNvPr>
+          <p:cNvPr id="78" name="Object 77" descr="public/generated/icons/17.png">    </p:cNvPr>
           <p:cNvPicPr>
             <a:picLocks noChangeAspect="1"/>
           </p:cNvPicPr>
@@ -30827,7 +30827,7 @@
                 <a:ea typeface="Helvetica" pitchFamily="34" charset="-122"/>
                 <a:cs typeface="Helvetica" pitchFamily="34" charset="-120"/>
               </a:rPr>
-              <a:t>HAZARDHUB PROPERTY RISK DATA API</a:t>
+              <a:t>HARDWARE FIREWALL (DEDICATED)</a:t>
             </a:r>
             <a:endParaRPr lang="en-US" dirty="0"/>
           </a:p>
@@ -30860,7 +30860,7 @@
       </p:sp>
       <p:pic>
         <p:nvPicPr>
-          <p:cNvPr id="81" name="Object 80" descr="/infrastructure/vmware-solutions/images/icons/HCX.svg">    </p:cNvPr>
+          <p:cNvPr id="81" name="Object 80" descr="public/generated/icons/1564e6bd-9b6c-44dd-8402-d3818d9664c5.png">    </p:cNvPr>
           <p:cNvPicPr>
             <a:picLocks noChangeAspect="1"/>
           </p:cNvPicPr>
@@ -30868,11 +30868,6 @@
         </p:nvPicPr>
         <p:blipFill>
           <a:blip r:embed="rId27"/>
-          <a:extLst>
-            <a:ext uri="{96DAC541-7B7A-43D3-8B79-37D633B846F1}">
-              <asvg:svgBlip xmlns:asvg="http://schemas.microsoft.com/office/drawing/2016/SVG/main" r:embed="rId28"/>
-            </a:ext>
-          </a:extLst>
           <a:stretch>
             <a:fillRect/>
           </a:stretch>
@@ -30921,7 +30916,7 @@
                 <a:ea typeface="Helvetica" pitchFamily="34" charset="-122"/>
                 <a:cs typeface="Helvetica" pitchFamily="34" charset="-120"/>
               </a:rPr>
-              <a:t>HCX</a:t>
+              <a:t>HAZARDHUB PROPERTY RISK DATA API</a:t>
             </a:r>
             <a:endParaRPr lang="en-US" dirty="0"/>
           </a:p>
@@ -30954,14 +30949,19 @@
       </p:sp>
       <p:pic>
         <p:nvPicPr>
-          <p:cNvPr id="84" name="Object 83" descr="public/generated/icons/0db0a19f-b20e-4a52-8cc7-2821a28c26b0.png">    </p:cNvPr>
-          <p:cNvPicPr>
-            <a:picLocks noChangeAspect="1"/>
-          </p:cNvPicPr>
-          <p:nvPr/>
-        </p:nvPicPr>
-        <p:blipFill>
-          <a:blip r:embed="rId29"/>
+          <p:cNvPr id="84" name="Object 83" descr="/infrastructure/vmware-solutions/images/icons/HCX.svg">    </p:cNvPr>
+          <p:cNvPicPr>
+            <a:picLocks noChangeAspect="1"/>
+          </p:cNvPicPr>
+          <p:nvPr/>
+        </p:nvPicPr>
+        <p:blipFill>
+          <a:blip r:embed="rId28"/>
+          <a:extLst>
+            <a:ext uri="{96DAC541-7B7A-43D3-8B79-37D633B846F1}">
+              <asvg:svgBlip xmlns:asvg="http://schemas.microsoft.com/office/drawing/2016/SVG/main" r:embed="rId29"/>
+            </a:ext>
+          </a:extLst>
           <a:stretch>
             <a:fillRect/>
           </a:stretch>
@@ -31010,7 +31010,7 @@
                 <a:ea typeface="Helvetica" pitchFamily="34" charset="-122"/>
                 <a:cs typeface="Helvetica" pitchFamily="34" charset="-120"/>
               </a:rPr>
-              <a:t>HEALTH SCORE</a:t>
+              <a:t>HCX</a:t>
             </a:r>
             <a:endParaRPr lang="en-US" dirty="0"/>
           </a:p>
@@ -31043,7 +31043,7 @@
       </p:sp>
       <p:pic>
         <p:nvPicPr>
-          <p:cNvPr id="87" name="Object 86" descr="public/generated/icons/BE3AADC2-2C1A-4078-82F0-A33B1FD86EB0.png">    </p:cNvPr>
+          <p:cNvPr id="87" name="Object 86" descr="public/generated/icons/0db0a19f-b20e-4a52-8cc7-2821a28c26b0.png">    </p:cNvPr>
           <p:cNvPicPr>
             <a:picLocks noChangeAspect="1"/>
           </p:cNvPicPr>
@@ -31099,7 +31099,7 @@
                 <a:ea typeface="Helvetica" pitchFamily="34" charset="-122"/>
                 <a:cs typeface="Helvetica" pitchFamily="34" charset="-120"/>
               </a:rPr>
-              <a:t>HISTORICAL INSTRUMENT ANALYTICS</a:t>
+              <a:t>HEALTH SCORE</a:t>
             </a:r>
             <a:endParaRPr lang="en-US" dirty="0"/>
           </a:p>
@@ -31132,7 +31132,7 @@
       </p:sp>
       <p:pic>
         <p:nvPicPr>
-          <p:cNvPr id="90" name="Object 89" descr="/infrastructure/vmware-solutions/images/icons/horizon7.svg">    </p:cNvPr>
+          <p:cNvPr id="90" name="Object 89" descr="public/generated/icons/BE3AADC2-2C1A-4078-82F0-A33B1FD86EB0.png">    </p:cNvPr>
           <p:cNvPicPr>
             <a:picLocks noChangeAspect="1"/>
           </p:cNvPicPr>
@@ -31140,11 +31140,6 @@
         </p:nvPicPr>
         <p:blipFill>
           <a:blip r:embed="rId31"/>
-          <a:extLst>
-            <a:ext uri="{96DAC541-7B7A-43D3-8B79-37D633B846F1}">
-              <asvg:svgBlip xmlns:asvg="http://schemas.microsoft.com/office/drawing/2016/SVG/main" r:embed="rId32"/>
-            </a:ext>
-          </a:extLst>
           <a:stretch>
             <a:fillRect/>
           </a:stretch>
@@ -31193,7 +31188,7 @@
                 <a:ea typeface="Helvetica" pitchFamily="34" charset="-122"/>
                 <a:cs typeface="Helvetica" pitchFamily="34" charset="-120"/>
               </a:rPr>
-              <a:t>HORIZON 7</a:t>
+              <a:t>HISTORICAL INSTRUMENT ANALYTICS</a:t>
             </a:r>
             <a:endParaRPr lang="en-US" dirty="0"/>
           </a:p>
@@ -31226,14 +31221,19 @@
       </p:sp>
       <p:pic>
         <p:nvPicPr>
-          <p:cNvPr id="93" name="Object 92" descr="public/generated/icons/1e754a80-62eb-11e8-8081-896abbd4f1e8.png">    </p:cNvPr>
-          <p:cNvPicPr>
-            <a:picLocks noChangeAspect="1"/>
-          </p:cNvPicPr>
-          <p:nvPr/>
-        </p:nvPicPr>
-        <p:blipFill>
-          <a:blip r:embed="rId33"/>
+          <p:cNvPr id="93" name="Object 92" descr="/infrastructure/vmware-solutions/images/icons/horizon7.svg">    </p:cNvPr>
+          <p:cNvPicPr>
+            <a:picLocks noChangeAspect="1"/>
+          </p:cNvPicPr>
+          <p:nvPr/>
+        </p:nvPicPr>
+        <p:blipFill>
+          <a:blip r:embed="rId32"/>
+          <a:extLst>
+            <a:ext uri="{96DAC541-7B7A-43D3-8B79-37D633B846F1}">
+              <asvg:svgBlip xmlns:asvg="http://schemas.microsoft.com/office/drawing/2016/SVG/main" r:embed="rId33"/>
+            </a:ext>
+          </a:extLst>
           <a:stretch>
             <a:fillRect/>
           </a:stretch>
@@ -31282,7 +31282,7 @@
                 <a:ea typeface="Helvetica" pitchFamily="34" charset="-122"/>
                 <a:cs typeface="Helvetica" pitchFamily="34" charset="-120"/>
               </a:rPr>
-              <a:t>HPCAAS FROM RESCALE</a:t>
+              <a:t>HORIZON 7</a:t>
             </a:r>
             <a:endParaRPr lang="en-US" dirty="0"/>
           </a:p>
@@ -31315,7 +31315,7 @@
       </p:sp>
       <p:pic>
         <p:nvPicPr>
-          <p:cNvPr id="96" name="Object 95" descr="public/generated/icons/bc16516d-4559-48ee-9d61-e4a51710104b.png">    </p:cNvPr>
+          <p:cNvPr id="96" name="Object 95" descr="public/generated/icons/1e754a80-62eb-11e8-8081-896abbd4f1e8.png">    </p:cNvPr>
           <p:cNvPicPr>
             <a:picLocks noChangeAspect="1"/>
           </p:cNvPicPr>
@@ -31371,7 +31371,7 @@
                 <a:ea typeface="Helvetica" pitchFamily="34" charset="-122"/>
                 <a:cs typeface="Helvetica" pitchFamily="34" charset="-120"/>
               </a:rPr>
-              <a:t>HYDROGEN</a:t>
+              <a:t>HPCAAS FROM RESCALE</a:t>
             </a:r>
             <a:endParaRPr lang="en-US" dirty="0"/>
           </a:p>
@@ -31404,7 +31404,7 @@
       </p:sp>
       <p:pic>
         <p:nvPicPr>
-          <p:cNvPr id="99" name="Object 98" descr="public/generated/icons/d589492e-6ac0-4a11-9c28-a157851c8f68.png">    </p:cNvPr>
+          <p:cNvPr id="99" name="Object 98" descr="public/generated/icons/bc16516d-4559-48ee-9d61-e4a51710104b.png">    </p:cNvPr>
           <p:cNvPicPr>
             <a:picLocks noChangeAspect="1"/>
           </p:cNvPicPr>
@@ -31460,7 +31460,7 @@
                 <a:ea typeface="Helvetica" pitchFamily="34" charset="-122"/>
                 <a:cs typeface="Helvetica" pitchFamily="34" charset="-120"/>
               </a:rPr>
-              <a:t>HYPER PROTECT CRYPTO SERVICES</a:t>
+              <a:t>HYDROGEN</a:t>
             </a:r>
             <a:endParaRPr lang="en-US" dirty="0"/>
           </a:p>
@@ -31493,7 +31493,7 @@
       </p:sp>
       <p:pic>
         <p:nvPicPr>
-          <p:cNvPr id="102" name="Object 101" descr="public/generated/icons/59a64cf0-5cf3-11e9-90a2-37a496589afc.png">    </p:cNvPr>
+          <p:cNvPr id="102" name="Object 101" descr="public/generated/icons/d589492e-6ac0-4a11-9c28-a157851c8f68.png">    </p:cNvPr>
           <p:cNvPicPr>
             <a:picLocks noChangeAspect="1"/>
           </p:cNvPicPr>
@@ -31549,7 +31549,7 @@
                 <a:ea typeface="Helvetica" pitchFamily="34" charset="-122"/>
                 <a:cs typeface="Helvetica" pitchFamily="34" charset="-120"/>
               </a:rPr>
-              <a:t>HYPER PROTECT DBAAS FOR MONGODB</a:t>
+              <a:t>HYPER PROTECT CRYPTO SERVICES</a:t>
             </a:r>
             <a:endParaRPr lang="en-US" dirty="0"/>
           </a:p>
@@ -31582,7 +31582,7 @@
       </p:sp>
       <p:pic>
         <p:nvPicPr>
-          <p:cNvPr id="105" name="Object 104" descr="public/generated/icons/024d3260-5cf4-11e9-90a2-37a496589afc.png">    </p:cNvPr>
+          <p:cNvPr id="105" name="Object 104" descr="public/generated/icons/59a64cf0-5cf3-11e9-90a2-37a496589afc.png">    </p:cNvPr>
           <p:cNvPicPr>
             <a:picLocks noChangeAspect="1"/>
           </p:cNvPicPr>
@@ -31638,7 +31638,7 @@
                 <a:ea typeface="Helvetica" pitchFamily="34" charset="-122"/>
                 <a:cs typeface="Helvetica" pitchFamily="34" charset="-120"/>
               </a:rPr>
-              <a:t>HYPER PROTECT DBAAS FOR POSTGRESQL</a:t>
+              <a:t>HYPER PROTECT DBAAS FOR MONGODB</a:t>
             </a:r>
             <a:endParaRPr lang="en-US" dirty="0"/>
           </a:p>
@@ -31671,7 +31671,7 @@
       </p:sp>
       <p:pic>
         <p:nvPicPr>
-          <p:cNvPr id="108" name="Object 107" descr="public/generated/icons/986f2197-9f9a-44f4-9463-f17ec64c6729.png">    </p:cNvPr>
+          <p:cNvPr id="108" name="Object 107" descr="public/generated/icons/024d3260-5cf4-11e9-90a2-37a496589afc.png">    </p:cNvPr>
           <p:cNvPicPr>
             <a:picLocks noChangeAspect="1"/>
           </p:cNvPicPr>
@@ -31727,7 +31727,7 @@
                 <a:ea typeface="Helvetica" pitchFamily="34" charset="-122"/>
                 <a:cs typeface="Helvetica" pitchFamily="34" charset="-120"/>
               </a:rPr>
-              <a:t>HYPER PROTECT VIRTUAL SERVERS</a:t>
+              <a:t>HYPER PROTECT DBAAS FOR POSTGRESQL</a:t>
             </a:r>
             <a:endParaRPr lang="en-US" dirty="0"/>
           </a:p>
@@ -31793,7 +31793,7 @@
       </p:sp>
       <p:pic>
         <p:nvPicPr>
-          <p:cNvPr id="3" name="Object 2" descr="public/generated/icons/cf329950-0a3e-11e8-922e-f1366c6e1c83-hytrustcc.png">    </p:cNvPr>
+          <p:cNvPr id="3" name="Object 2" descr="public/generated/icons/986f2197-9f9a-44f4-9463-f17ec64c6729.png">    </p:cNvPr>
           <p:cNvPicPr>
             <a:picLocks noChangeAspect="1"/>
           </p:cNvPicPr>
@@ -31849,7 +31849,7 @@
                 <a:ea typeface="Helvetica" pitchFamily="34" charset="-122"/>
                 <a:cs typeface="Helvetica" pitchFamily="34" charset="-120"/>
               </a:rPr>
-              <a:t>HYTRUST CLOUDCONTROL</a:t>
+              <a:t>HYPER PROTECT VIRTUAL SERVERS</a:t>
             </a:r>
             <a:endParaRPr lang="en-US" dirty="0"/>
           </a:p>
@@ -31882,7 +31882,7 @@
       </p:sp>
       <p:pic>
         <p:nvPicPr>
-          <p:cNvPr id="6" name="Object 5" descr="public/generated/icons/cf329950-0a3e-11e8-922e-f1366c6e1c83-hytrustdc.png">    </p:cNvPr>
+          <p:cNvPr id="6" name="Object 5" descr="public/generated/icons/cf329950-0a3e-11e8-922e-f1366c6e1c83-hytrustcc.png">    </p:cNvPr>
           <p:cNvPicPr>
             <a:picLocks noChangeAspect="1"/>
           </p:cNvPicPr>
@@ -31938,7 +31938,7 @@
                 <a:ea typeface="Helvetica" pitchFamily="34" charset="-122"/>
                 <a:cs typeface="Helvetica" pitchFamily="34" charset="-120"/>
               </a:rPr>
-              <a:t>HYTRUST DATACONTROL</a:t>
+              <a:t>HYTRUST CLOUDCONTROL</a:t>
             </a:r>
             <a:endParaRPr lang="en-US" dirty="0"/>
           </a:p>
@@ -31971,7 +31971,7 @@
       </p:sp>
       <p:pic>
         <p:nvPicPr>
-          <p:cNvPr id="9" name="Object 8" descr="public/generated/icons/cf329950-0a3e-11e8-922e-f1366c6e1c83-hytrustkc.png">    </p:cNvPr>
+          <p:cNvPr id="9" name="Object 8" descr="public/generated/icons/cf329950-0a3e-11e8-922e-f1366c6e1c83-hytrustdc.png">    </p:cNvPr>
           <p:cNvPicPr>
             <a:picLocks noChangeAspect="1"/>
           </p:cNvPicPr>
@@ -32027,7 +32027,7 @@
                 <a:ea typeface="Helvetica" pitchFamily="34" charset="-122"/>
                 <a:cs typeface="Helvetica" pitchFamily="34" charset="-120"/>
               </a:rPr>
-              <a:t>HYTRUST KEYCONTROL</a:t>
+              <a:t>HYTRUST DATACONTROL</a:t>
             </a:r>
             <a:endParaRPr lang="en-US" dirty="0"/>
           </a:p>
@@ -32060,7 +32060,7 @@
       </p:sp>
       <p:pic>
         <p:nvPicPr>
-          <p:cNvPr id="12" name="Object 11" descr="public/generated/icons/is.image.png">    </p:cNvPr>
+          <p:cNvPr id="12" name="Object 11" descr="public/generated/icons/cf329950-0a3e-11e8-922e-f1366c6e1c83-hytrustkc.png">    </p:cNvPr>
           <p:cNvPicPr>
             <a:picLocks noChangeAspect="1"/>
           </p:cNvPicPr>
@@ -32116,7 +32116,7 @@
                 <a:ea typeface="Helvetica" pitchFamily="34" charset="-122"/>
                 <a:cs typeface="Helvetica" pitchFamily="34" charset="-120"/>
               </a:rPr>
-              <a:t>IMAGE SERVICE FOR VPC</a:t>
+              <a:t>HYTRUST KEYCONTROL</a:t>
             </a:r>
             <a:endParaRPr lang="en-US" dirty="0"/>
           </a:p>
@@ -32149,7 +32149,7 @@
       </p:sp>
       <p:pic>
         <p:nvPicPr>
-          <p:cNvPr id="15" name="Object 14" descr="public/generated/icons/1f9be306-ada9-4be4-8220-b666668d9ca0.png">    </p:cNvPr>
+          <p:cNvPr id="15" name="Object 14" descr="public/generated/icons/is.image.png">    </p:cNvPr>
           <p:cNvPicPr>
             <a:picLocks noChangeAspect="1"/>
           </p:cNvPicPr>
@@ -32205,7 +32205,7 @@
                 <a:ea typeface="Helvetica" pitchFamily="34" charset="-122"/>
                 <a:cs typeface="Helvetica" pitchFamily="34" charset="-120"/>
               </a:rPr>
-              <a:t>INFLUXCLOUD</a:t>
+              <a:t>IMAGE SERVICE FOR VPC</a:t>
             </a:r>
             <a:endParaRPr lang="en-US" dirty="0"/>
           </a:p>
@@ -32238,7 +32238,7 @@
       </p:sp>
       <p:pic>
         <p:nvPicPr>
-          <p:cNvPr id="18" name="Object 17" descr="public/generated/icons/dsonCloud_2EFEDAD7-63CB-46E6-8147-0E9AFFDB37FE.png">    </p:cNvPr>
+          <p:cNvPr id="18" name="Object 17" descr="public/generated/icons/1f9be306-ada9-4be4-8220-b666668d9ca0.png">    </p:cNvPr>
           <p:cNvPicPr>
             <a:picLocks noChangeAspect="1"/>
           </p:cNvPicPr>
@@ -32294,7 +32294,7 @@
                 <a:ea typeface="Helvetica" pitchFamily="34" charset="-122"/>
                 <a:cs typeface="Helvetica" pitchFamily="34" charset="-120"/>
               </a:rPr>
-              <a:t>INFORMATION SERVER</a:t>
+              <a:t>INFLUXCLOUD</a:t>
             </a:r>
             <a:endParaRPr lang="en-US" dirty="0"/>
           </a:p>
@@ -32327,7 +32327,7 @@
       </p:sp>
       <p:pic>
         <p:nvPicPr>
-          <p:cNvPr id="21" name="Object 20" descr="public/generated/icons/84a429f4-a2f2-40e3-b155-29242c8f5141.png">    </p:cNvPr>
+          <p:cNvPr id="21" name="Object 20" descr="public/generated/icons/dsonCloud_2EFEDAD7-63CB-46E6-8147-0E9AFFDB37FE.png">    </p:cNvPr>
           <p:cNvPicPr>
             <a:picLocks noChangeAspect="1"/>
           </p:cNvPicPr>
@@ -32383,7 +32383,7 @@
                 <a:ea typeface="Helvetica" pitchFamily="34" charset="-122"/>
                 <a:cs typeface="Helvetica" pitchFamily="34" charset="-120"/>
               </a:rPr>
-              <a:t>INFORMIX</a:t>
+              <a:t>INFORMATION SERVER</a:t>
             </a:r>
             <a:endParaRPr lang="en-US" dirty="0"/>
           </a:p>
@@ -32416,7 +32416,7 @@
       </p:sp>
       <p:pic>
         <p:nvPicPr>
-          <p:cNvPr id="24" name="Object 23" descr="public/generated/icons/EEB04BA5-25BB-4E52-AAE5-9C7BEF86543B.png">    </p:cNvPr>
+          <p:cNvPr id="24" name="Object 23" descr="public/generated/icons/84a429f4-a2f2-40e3-b155-29242c8f5141.png">    </p:cNvPr>
           <p:cNvPicPr>
             <a:picLocks noChangeAspect="1"/>
           </p:cNvPicPr>
@@ -32472,7 +32472,7 @@
                 <a:ea typeface="Helvetica" pitchFamily="34" charset="-122"/>
                 <a:cs typeface="Helvetica" pitchFamily="34" charset="-120"/>
               </a:rPr>
-              <a:t>INSTRUMENT ANALYTICS</a:t>
+              <a:t>INFORMIX</a:t>
             </a:r>
             <a:endParaRPr lang="en-US" dirty="0"/>
           </a:p>
@@ -32505,7 +32505,7 @@
       </p:sp>
       <p:pic>
         <p:nvPicPr>
-          <p:cNvPr id="27" name="Object 26" descr="public/generated/icons/iotf-service-id.png">    </p:cNvPr>
+          <p:cNvPr id="27" name="Object 26" descr="public/generated/icons/EEB04BA5-25BB-4E52-AAE5-9C7BEF86543B.png">    </p:cNvPr>
           <p:cNvPicPr>
             <a:picLocks noChangeAspect="1"/>
           </p:cNvPicPr>
@@ -32561,7 +32561,7 @@
                 <a:ea typeface="Helvetica" pitchFamily="34" charset="-122"/>
                 <a:cs typeface="Helvetica" pitchFamily="34" charset="-120"/>
               </a:rPr>
-              <a:t>INTERNET OF THINGS PLATFORM</a:t>
+              <a:t>INSTRUMENT ANALYTICS</a:t>
             </a:r>
             <a:endParaRPr lang="en-US" dirty="0"/>
           </a:p>
@@ -32594,7 +32594,7 @@
       </p:sp>
       <p:pic>
         <p:nvPicPr>
-          <p:cNvPr id="30" name="Object 29" descr="public/generated/icons/75874a60-cb12-11e7-948e-37ac098eb1b9.png">    </p:cNvPr>
+          <p:cNvPr id="30" name="Object 29" descr="public/generated/icons/iotf-service-id.png">    </p:cNvPr>
           <p:cNvPicPr>
             <a:picLocks noChangeAspect="1"/>
           </p:cNvPicPr>
@@ -32650,7 +32650,7 @@
                 <a:ea typeface="Helvetica" pitchFamily="34" charset="-122"/>
                 <a:cs typeface="Helvetica" pitchFamily="34" charset="-120"/>
               </a:rPr>
-              <a:t>INTERNET SERVICES</a:t>
+              <a:t>INTERNET OF THINGS PLATFORM</a:t>
             </a:r>
             <a:endParaRPr lang="en-US" dirty="0"/>
           </a:p>
@@ -32683,7 +32683,7 @@
       </p:sp>
       <p:pic>
         <p:nvPicPr>
-          <p:cNvPr id="33" name="Object 32" descr="public/generated/icons/3b960983-4483-488a-9851-6f7cccdb3534.png">    </p:cNvPr>
+          <p:cNvPr id="33" name="Object 32" descr="public/generated/icons/75874a60-cb12-11e7-948e-37ac098eb1b9.png">    </p:cNvPr>
           <p:cNvPicPr>
             <a:picLocks noChangeAspect="1"/>
           </p:cNvPicPr>
@@ -32739,7 +32739,7 @@
                 <a:ea typeface="Helvetica" pitchFamily="34" charset="-122"/>
                 <a:cs typeface="Helvetica" pitchFamily="34" charset="-120"/>
               </a:rPr>
-              <a:t>INVESTMENT PORTFOLIO</a:t>
+              <a:t>INTERNET SERVICES</a:t>
             </a:r>
             <a:endParaRPr lang="en-US" dirty="0"/>
           </a:p>
@@ -32772,7 +32772,7 @@
       </p:sp>
       <p:pic>
         <p:nvPicPr>
-          <p:cNvPr id="36" name="Object 35" descr="public/generated/icons/12.png">    </p:cNvPr>
+          <p:cNvPr id="36" name="Object 35" descr="public/generated/icons/3b960983-4483-488a-9851-6f7cccdb3534.png">    </p:cNvPr>
           <p:cNvPicPr>
             <a:picLocks noChangeAspect="1"/>
           </p:cNvPicPr>
@@ -32828,7 +32828,7 @@
                 <a:ea typeface="Helvetica" pitchFamily="34" charset="-122"/>
                 <a:cs typeface="Helvetica" pitchFamily="34" charset="-120"/>
               </a:rPr>
-              <a:t>IPSEC VPN</a:t>
+              <a:t>INVESTMENT PORTFOLIO</a:t>
             </a:r>
             <a:endParaRPr lang="en-US" dirty="0"/>
           </a:p>
@@ -32861,7 +32861,7 @@
       </p:sp>
       <p:pic>
         <p:nvPicPr>
-          <p:cNvPr id="39" name="Object 38" descr="public/generated/icons/035145f0-2cac-4505-59e9-2e363d08d5aa.png">    </p:cNvPr>
+          <p:cNvPr id="39" name="Object 38" descr="public/generated/icons/12.png">    </p:cNvPr>
           <p:cNvPicPr>
             <a:picLocks noChangeAspect="1"/>
           </p:cNvPicPr>
@@ -32917,7 +32917,7 @@
                 <a:ea typeface="Helvetica" pitchFamily="34" charset="-122"/>
                 <a:cs typeface="Helvetica" pitchFamily="34" charset="-120"/>
               </a:rPr>
-              <a:t>JUNIPER VSRX</a:t>
+              <a:t>IPSEC VPN</a:t>
             </a:r>
             <a:endParaRPr lang="en-US" dirty="0"/>
           </a:p>
@@ -32950,7 +32950,7 @@
       </p:sp>
       <p:pic>
         <p:nvPicPr>
-          <p:cNvPr id="42" name="Object 41" descr="public/generated/icons/ee41347f-b18e-4ca6-bf80-b5467c63f9a6.png">    </p:cNvPr>
+          <p:cNvPr id="42" name="Object 41" descr="public/generated/icons/035145f0-2cac-4505-59e9-2e363d08d5aa.png">    </p:cNvPr>
           <p:cNvPicPr>
             <a:picLocks noChangeAspect="1"/>
           </p:cNvPicPr>
@@ -33006,7 +33006,7 @@
                 <a:ea typeface="Helvetica" pitchFamily="34" charset="-122"/>
                 <a:cs typeface="Helvetica" pitchFamily="34" charset="-120"/>
               </a:rPr>
-              <a:t>KEY PROTECT</a:t>
+              <a:t>JUNIPER VSRX</a:t>
             </a:r>
             <a:endParaRPr lang="en-US" dirty="0"/>
           </a:p>
@@ -33039,7 +33039,7 @@
       </p:sp>
       <p:pic>
         <p:nvPicPr>
-          <p:cNvPr id="45" name="Object 44" descr="public/generated/icons/cf329950-0a3e-11e8-922e-f1366c6e1c83-kmipadapter.png">    </p:cNvPr>
+          <p:cNvPr id="45" name="Object 44" descr="public/generated/icons/ee41347f-b18e-4ca6-bf80-b5467c63f9a6.png">    </p:cNvPr>
           <p:cNvPicPr>
             <a:picLocks noChangeAspect="1"/>
           </p:cNvPicPr>
@@ -33095,7 +33095,7 @@
                 <a:ea typeface="Helvetica" pitchFamily="34" charset="-122"/>
                 <a:cs typeface="Helvetica" pitchFamily="34" charset="-120"/>
               </a:rPr>
-              <a:t>KMIP FOR VMWARE</a:t>
+              <a:t>KEY PROTECT</a:t>
             </a:r>
             <a:endParaRPr lang="en-US" dirty="0"/>
           </a:p>
@@ -33128,7 +33128,7 @@
       </p:sp>
       <p:pic>
         <p:nvPicPr>
-          <p:cNvPr id="48" name="Object 47" descr="public/generated/icons/ed3a5a53-eb60-4f3c-8fd1-17f88585b6ed.png">    </p:cNvPr>
+          <p:cNvPr id="48" name="Object 47" descr="public/generated/icons/cf329950-0a3e-11e8-922e-f1366c6e1c83-kmipadapter.png">    </p:cNvPr>
           <p:cNvPicPr>
             <a:picLocks noChangeAspect="1"/>
           </p:cNvPicPr>
@@ -33184,7 +33184,7 @@
                 <a:ea typeface="Helvetica" pitchFamily="34" charset="-122"/>
                 <a:cs typeface="Helvetica" pitchFamily="34" charset="-120"/>
               </a:rPr>
-              <a:t>KNOWLEDGE CATALOG</a:t>
+              <a:t>KMIP FOR VMWARE</a:t>
             </a:r>
             <a:endParaRPr lang="en-US" dirty="0"/>
           </a:p>
@@ -33217,7 +33217,7 @@
       </p:sp>
       <p:pic>
         <p:nvPicPr>
-          <p:cNvPr id="51" name="Object 50" descr="public/generated/icons/983ea9a2-0fec-4021-8b70-8da5373394e5.png">    </p:cNvPr>
+          <p:cNvPr id="51" name="Object 50" descr="public/generated/icons/ed3a5a53-eb60-4f3c-8fd1-17f88585b6ed.png">    </p:cNvPr>
           <p:cNvPicPr>
             <a:picLocks noChangeAspect="1"/>
           </p:cNvPicPr>
@@ -33273,7 +33273,7 @@
                 <a:ea typeface="Helvetica" pitchFamily="34" charset="-122"/>
                 <a:cs typeface="Helvetica" pitchFamily="34" charset="-120"/>
               </a:rPr>
-              <a:t>KNOWLEDGE STUDIO</a:t>
+              <a:t>KNOWLEDGE CATALOG</a:t>
             </a:r>
             <a:endParaRPr lang="en-US" dirty="0"/>
           </a:p>
@@ -33306,7 +33306,7 @@
       </p:sp>
       <p:pic>
         <p:nvPicPr>
-          <p:cNvPr id="54" name="Object 53" descr="public/generated/icons/containers-kubernetes.png">    </p:cNvPr>
+          <p:cNvPr id="54" name="Object 53" descr="public/generated/icons/983ea9a2-0fec-4021-8b70-8da5373394e5.png">    </p:cNvPr>
           <p:cNvPicPr>
             <a:picLocks noChangeAspect="1"/>
           </p:cNvPicPr>
@@ -33362,7 +33362,7 @@
                 <a:ea typeface="Helvetica" pitchFamily="34" charset="-122"/>
                 <a:cs typeface="Helvetica" pitchFamily="34" charset="-120"/>
               </a:rPr>
-              <a:t>KUBERNETES SERVICE</a:t>
+              <a:t>KNOWLEDGE STUDIO</a:t>
             </a:r>
             <a:endParaRPr lang="en-US" dirty="0"/>
           </a:p>
@@ -33395,7 +33395,7 @@
       </p:sp>
       <p:pic>
         <p:nvPicPr>
-          <p:cNvPr id="57" name="Object 56" descr="public/generated/icons/f1faf010-4107-4877-a571-fc9c8763c3dd.png">    </p:cNvPr>
+          <p:cNvPr id="57" name="Object 56" descr="public/generated/icons/containers-kubernetes.png">    </p:cNvPr>
           <p:cNvPicPr>
             <a:picLocks noChangeAspect="1"/>
           </p:cNvPicPr>
@@ -33451,7 +33451,7 @@
                 <a:ea typeface="Helvetica" pitchFamily="34" charset="-122"/>
                 <a:cs typeface="Helvetica" pitchFamily="34" charset="-120"/>
               </a:rPr>
-              <a:t>LANGUAGE TRANSLATOR</a:t>
+              <a:t>KUBERNETES SERVICE</a:t>
             </a:r>
             <a:endParaRPr lang="en-US" dirty="0"/>
           </a:p>
@@ -33484,7 +33484,7 @@
       </p:sp>
       <p:pic>
         <p:nvPicPr>
-          <p:cNvPr id="60" name="Object 59" descr="public/generated/icons/088b5af6-3075-4b8c-a211-66ff2ef38fb1.png">    </p:cNvPr>
+          <p:cNvPr id="60" name="Object 59" descr="public/generated/icons/f1faf010-4107-4877-a571-fc9c8763c3dd.png">    </p:cNvPr>
           <p:cNvPicPr>
             <a:picLocks noChangeAspect="1"/>
           </p:cNvPicPr>
@@ -33540,7 +33540,7 @@
                 <a:ea typeface="Helvetica" pitchFamily="34" charset="-122"/>
                 <a:cs typeface="Helvetica" pitchFamily="34" charset="-120"/>
               </a:rPr>
-              <a:t>LIFT CLI</a:t>
+              <a:t>LANGUAGE TRANSLATOR</a:t>
             </a:r>
             <a:endParaRPr lang="en-US" dirty="0"/>
           </a:p>
@@ -33573,7 +33573,7 @@
       </p:sp>
       <p:pic>
         <p:nvPicPr>
-          <p:cNvPr id="63" name="Object 62" descr="public/generated/icons/is.load-balancer.png">    </p:cNvPr>
+          <p:cNvPr id="63" name="Object 62" descr="public/generated/icons/088b5af6-3075-4b8c-a211-66ff2ef38fb1.png">    </p:cNvPr>
           <p:cNvPicPr>
             <a:picLocks noChangeAspect="1"/>
           </p:cNvPicPr>
@@ -33629,7 +33629,7 @@
                 <a:ea typeface="Helvetica" pitchFamily="34" charset="-122"/>
                 <a:cs typeface="Helvetica" pitchFamily="34" charset="-120"/>
               </a:rPr>
-              <a:t>LOAD BALANCER FOR VPC</a:t>
+              <a:t>LIFT CLI</a:t>
             </a:r>
             <a:endParaRPr lang="en-US" dirty="0"/>
           </a:p>
@@ -33662,7 +33662,7 @@
       </p:sp>
       <p:pic>
         <p:nvPicPr>
-          <p:cNvPr id="66" name="Object 65" descr="public/generated/icons/f99223ac-93db-439d-9747-9b2fded8d07b.png">    </p:cNvPr>
+          <p:cNvPr id="66" name="Object 65" descr="public/generated/icons/is.load-balancer.png">    </p:cNvPr>
           <p:cNvPicPr>
             <a:picLocks noChangeAspect="1"/>
           </p:cNvPicPr>
@@ -33718,7 +33718,7 @@
                 <a:ea typeface="Helvetica" pitchFamily="34" charset="-122"/>
                 <a:cs typeface="Helvetica" pitchFamily="34" charset="-120"/>
               </a:rPr>
-              <a:t>LOCAL LOAD BALANCER</a:t>
+              <a:t>LOAD BALANCER FOR VPC</a:t>
             </a:r>
             <a:endParaRPr lang="en-US" dirty="0"/>
           </a:p>
@@ -33751,7 +33751,7 @@
       </p:sp>
       <p:pic>
         <p:nvPicPr>
-          <p:cNvPr id="69" name="Object 68" descr="public/generated/icons/e13e1860-959c-11e8-871e-ad157af61ad7.png">    </p:cNvPr>
+          <p:cNvPr id="69" name="Object 68" descr="public/generated/icons/f99223ac-93db-439d-9747-9b2fded8d07b.png">    </p:cNvPr>
           <p:cNvPicPr>
             <a:picLocks noChangeAspect="1"/>
           </p:cNvPicPr>
@@ -33807,7 +33807,7 @@
                 <a:ea typeface="Helvetica" pitchFamily="34" charset="-122"/>
                 <a:cs typeface="Helvetica" pitchFamily="34" charset="-120"/>
               </a:rPr>
-              <a:t>LOG ANALYSIS WITH LOGDNA</a:t>
+              <a:t>LOCAL LOAD BALANCER</a:t>
             </a:r>
             <a:endParaRPr lang="en-US" dirty="0"/>
           </a:p>
@@ -33840,7 +33840,7 @@
       </p:sp>
       <p:pic>
         <p:nvPicPr>
-          <p:cNvPr id="72" name="Object 71" descr="public/generated/icons/51c53b72-918f-4869-b834-2d99eb28422a.png">    </p:cNvPr>
+          <p:cNvPr id="72" name="Object 71" descr="public/generated/icons/e13e1860-959c-11e8-871e-ad157af61ad7.png">    </p:cNvPr>
           <p:cNvPicPr>
             <a:picLocks noChangeAspect="1"/>
           </p:cNvPicPr>
@@ -33896,7 +33896,7 @@
                 <a:ea typeface="Helvetica" pitchFamily="34" charset="-122"/>
                 <a:cs typeface="Helvetica" pitchFamily="34" charset="-120"/>
               </a:rPr>
-              <a:t>MACHINE LEARNING</a:t>
+              <a:t>LOG ANALYSIS WITH LOGDNA</a:t>
             </a:r>
             <a:endParaRPr lang="en-US" dirty="0"/>
           </a:p>
@@ -33929,7 +33929,7 @@
       </p:sp>
       <p:pic>
         <p:nvPicPr>
-          <p:cNvPr id="75" name="Object 74" descr="public/generated/icons/cf329950-0a3e-11e8-922e-f1366c6e1c83-managedveeam.png">    </p:cNvPr>
+          <p:cNvPr id="75" name="Object 74" descr="public/generated/icons/51c53b72-918f-4869-b834-2d99eb28422a.png">    </p:cNvPr>
           <p:cNvPicPr>
             <a:picLocks noChangeAspect="1"/>
           </p:cNvPicPr>
@@ -33985,7 +33985,7 @@
                 <a:ea typeface="Helvetica" pitchFamily="34" charset="-122"/>
                 <a:cs typeface="Helvetica" pitchFamily="34" charset="-120"/>
               </a:rPr>
-              <a:t>MANAGED BACKUP SERVICES</a:t>
+              <a:t>MACHINE LEARNING</a:t>
             </a:r>
             <a:endParaRPr lang="en-US" dirty="0"/>
           </a:p>
@@ -34018,7 +34018,7 @@
       </p:sp>
       <p:pic>
         <p:nvPicPr>
-          <p:cNvPr id="78" name="Object 77" descr="public/generated/icons/cf329950-0a3e-11e8-922e-f1366c6e1c83-managedzerto.png">    </p:cNvPr>
+          <p:cNvPr id="78" name="Object 77" descr="public/generated/icons/cf329950-0a3e-11e8-922e-f1366c6e1c83-managedveeam.png">    </p:cNvPr>
           <p:cNvPicPr>
             <a:picLocks noChangeAspect="1"/>
           </p:cNvPicPr>
@@ -34074,7 +34074,7 @@
                 <a:ea typeface="Helvetica" pitchFamily="34" charset="-122"/>
                 <a:cs typeface="Helvetica" pitchFamily="34" charset="-120"/>
               </a:rPr>
-              <a:t>MANAGED DISASTER RECOVERY SERVICES</a:t>
+              <a:t>MANAGED BACKUP SERVICES</a:t>
             </a:r>
             <a:endParaRPr lang="en-US" dirty="0"/>
           </a:p>
@@ -34107,7 +34107,7 @@
       </p:sp>
       <p:pic>
         <p:nvPicPr>
-          <p:cNvPr id="81" name="Object 80" descr="public/generated/icons/38adf440-cb1b-11e8-90f6-8bdee1dfe831.png">    </p:cNvPr>
+          <p:cNvPr id="81" name="Object 80" descr="public/generated/icons/cf329950-0a3e-11e8-922e-f1366c6e1c83-managedzerto.png">    </p:cNvPr>
           <p:cNvPicPr>
             <a:picLocks noChangeAspect="1"/>
           </p:cNvPicPr>
@@ -34163,7 +34163,7 @@
                 <a:ea typeface="Helvetica" pitchFamily="34" charset="-122"/>
                 <a:cs typeface="Helvetica" pitchFamily="34" charset="-120"/>
               </a:rPr>
-              <a:t>MANAGED FINANCIAL DATA API</a:t>
+              <a:t>MANAGED DISASTER RECOVERY SERVICES</a:t>
             </a:r>
             <a:endParaRPr lang="en-US" dirty="0"/>
           </a:p>
@@ -34196,7 +34196,7 @@
       </p:sp>
       <p:pic>
         <p:nvPicPr>
-          <p:cNvPr id="84" name="Object 83" descr="public/generated/icons/cf329950-0a3e-11e8-922e-f1366c6e1c83-imi.png">    </p:cNvPr>
+          <p:cNvPr id="84" name="Object 83" descr="public/generated/icons/38adf440-cb1b-11e8-90f6-8bdee1dfe831.png">    </p:cNvPr>
           <p:cNvPicPr>
             <a:picLocks noChangeAspect="1"/>
           </p:cNvPicPr>
@@ -34252,7 +34252,7 @@
                 <a:ea typeface="Helvetica" pitchFamily="34" charset="-122"/>
                 <a:cs typeface="Helvetica" pitchFamily="34" charset="-120"/>
               </a:rPr>
-              <a:t>MANAGED VMWARE SERVICES</a:t>
+              <a:t>MANAGED FINANCIAL DATA API</a:t>
             </a:r>
             <a:endParaRPr lang="en-US" dirty="0"/>
           </a:p>
@@ -34285,7 +34285,7 @@
       </p:sp>
       <p:pic>
         <p:nvPicPr>
-          <p:cNvPr id="87" name="Object 86" descr="public/generated/icons/mdmonCloud_2EFEDAD7-63CB-46E6-8147-0E9AFFDB37FE.png">    </p:cNvPr>
+          <p:cNvPr id="87" name="Object 86" descr="public/generated/icons/cf329950-0a3e-11e8-922e-f1366c6e1c83-imi.png">    </p:cNvPr>
           <p:cNvPicPr>
             <a:picLocks noChangeAspect="1"/>
           </p:cNvPicPr>
@@ -34341,7 +34341,7 @@
                 <a:ea typeface="Helvetica" pitchFamily="34" charset="-122"/>
                 <a:cs typeface="Helvetica" pitchFamily="34" charset="-120"/>
               </a:rPr>
-              <a:t>MASTER DATA MANAGEMENT</a:t>
+              <a:t>MANAGED VMWARE SERVICES</a:t>
             </a:r>
             <a:endParaRPr lang="en-US" dirty="0"/>
           </a:p>
@@ -34374,7 +34374,7 @@
       </p:sp>
       <p:pic>
         <p:nvPicPr>
-          <p:cNvPr id="90" name="Object 89" descr="public/generated/icons/be061c90-85b0-11e8-9011-d322ff7e0642.png">    </p:cNvPr>
+          <p:cNvPr id="90" name="Object 89" descr="public/generated/icons/mdmonCloud_2EFEDAD7-63CB-46E6-8147-0E9AFFDB37FE.png">    </p:cNvPr>
           <p:cNvPicPr>
             <a:picLocks noChangeAspect="1"/>
           </p:cNvPicPr>
@@ -34430,7 +34430,7 @@
                 <a:ea typeface="Helvetica" pitchFamily="34" charset="-122"/>
                 <a:cs typeface="Helvetica" pitchFamily="34" charset="-120"/>
               </a:rPr>
-              <a:t>MENDIX PLATFORM SERVICE</a:t>
+              <a:t>MASTER DATA MANAGEMENT</a:t>
             </a:r>
             <a:endParaRPr lang="en-US" dirty="0"/>
           </a:p>
@@ -34463,7 +34463,7 @@
       </p:sp>
       <p:pic>
         <p:nvPicPr>
-          <p:cNvPr id="93" name="Object 92" descr="public/generated/icons/messages-for-rabbitmq.png">    </p:cNvPr>
+          <p:cNvPr id="93" name="Object 92" descr="public/generated/icons/be061c90-85b0-11e8-9011-d322ff7e0642.png">    </p:cNvPr>
           <p:cNvPicPr>
             <a:picLocks noChangeAspect="1"/>
           </p:cNvPicPr>
@@ -34519,7 +34519,7 @@
                 <a:ea typeface="Helvetica" pitchFamily="34" charset="-122"/>
                 <a:cs typeface="Helvetica" pitchFamily="34" charset="-120"/>
               </a:rPr>
-              <a:t>MESSAGES FOR RABBITMQ</a:t>
+              <a:t>MENDIX PLATFORM SERVICE</a:t>
             </a:r>
             <a:endParaRPr lang="en-US" dirty="0"/>
           </a:p>
@@ -34552,7 +34552,7 @@
       </p:sp>
       <p:pic>
         <p:nvPicPr>
-          <p:cNvPr id="96" name="Object 95" descr="public/generated/icons/0f8ae94c-7a2e-4a2d-8603-3ed12f890211.png">    </p:cNvPr>
+          <p:cNvPr id="96" name="Object 95" descr="public/generated/icons/messages-for-rabbitmq.png">    </p:cNvPr>
           <p:cNvPicPr>
             <a:picLocks noChangeAspect="1"/>
           </p:cNvPicPr>
@@ -34608,7 +34608,7 @@
                 <a:ea typeface="Helvetica" pitchFamily="34" charset="-122"/>
                 <a:cs typeface="Helvetica" pitchFamily="34" charset="-120"/>
               </a:rPr>
-              <a:t>MOBILE FOUNDATION</a:t>
+              <a:t>MESSAGES FOR RABBITMQ</a:t>
             </a:r>
             <a:endParaRPr lang="en-US" dirty="0"/>
           </a:p>
@@ -34641,7 +34641,7 @@
       </p:sp>
       <p:pic>
         <p:nvPicPr>
-          <p:cNvPr id="99" name="Object 98" descr="public/generated/icons/8e8d12b7-cee7-4c35-90d7-582ffef56f5a.png">    </p:cNvPr>
+          <p:cNvPr id="99" name="Object 98" descr="public/generated/icons/0f8ae94c-7a2e-4a2d-8603-3ed12f890211.png">    </p:cNvPr>
           <p:cNvPicPr>
             <a:picLocks noChangeAspect="1"/>
           </p:cNvPicPr>
@@ -34697,7 +34697,7 @@
                 <a:ea typeface="Helvetica" pitchFamily="34" charset="-122"/>
                 <a:cs typeface="Helvetica" pitchFamily="34" charset="-120"/>
               </a:rPr>
-              <a:t>MORNINGSTAR</a:t>
+              <a:t>MOBILE FOUNDATION</a:t>
             </a:r>
             <a:endParaRPr lang="en-US" dirty="0"/>
           </a:p>
@@ -34730,7 +34730,7 @@
       </p:sp>
       <p:pic>
         <p:nvPicPr>
-          <p:cNvPr id="102" name="Object 101" descr="public/generated/icons/01037c41-adce-4bb5-8b45-0c06004916c4.png">    </p:cNvPr>
+          <p:cNvPr id="102" name="Object 101" descr="public/generated/icons/8e8d12b7-cee7-4c35-90d7-582ffef56f5a.png">    </p:cNvPr>
           <p:cNvPicPr>
             <a:picLocks noChangeAspect="1"/>
           </p:cNvPicPr>
@@ -34786,7 +34786,7 @@
                 <a:ea typeface="Helvetica" pitchFamily="34" charset="-122"/>
                 <a:cs typeface="Helvetica" pitchFamily="34" charset="-120"/>
               </a:rPr>
-              <a:t>MQ</a:t>
+              <a:t>MORNINGSTAR</a:t>
             </a:r>
             <a:endParaRPr lang="en-US" dirty="0"/>
           </a:p>
@@ -34819,7 +34819,7 @@
       </p:sp>
       <p:pic>
         <p:nvPicPr>
-          <p:cNvPr id="105" name="Object 104" descr="public/generated/icons/8e17eb6f-6e2a-4b33-95ef-83bffe0833f7.png">    </p:cNvPr>
+          <p:cNvPr id="105" name="Object 104" descr="public/generated/icons/01037c41-adce-4bb5-8b45-0c06004916c4.png">    </p:cNvPr>
           <p:cNvPicPr>
             <a:picLocks noChangeAspect="1"/>
           </p:cNvPicPr>
@@ -34875,7 +34875,7 @@
                 <a:ea typeface="Helvetica" pitchFamily="34" charset="-122"/>
                 <a:cs typeface="Helvetica" pitchFamily="34" charset="-120"/>
               </a:rPr>
-              <a:t>NATURAL LANGUAGE CLASSIFIER</a:t>
+              <a:t>MQ</a:t>
             </a:r>
             <a:endParaRPr lang="en-US" dirty="0"/>
           </a:p>
@@ -34908,7 +34908,7 @@
       </p:sp>
       <p:pic>
         <p:nvPicPr>
-          <p:cNvPr id="108" name="Object 107" descr="public/generated/icons/5932737c-e24b-4836-9e37-d8cead922316.png">    </p:cNvPr>
+          <p:cNvPr id="108" name="Object 107" descr="public/generated/icons/8e17eb6f-6e2a-4b33-95ef-83bffe0833f7.png">    </p:cNvPr>
           <p:cNvPicPr>
             <a:picLocks noChangeAspect="1"/>
           </p:cNvPicPr>
@@ -34964,7 +34964,7 @@
                 <a:ea typeface="Helvetica" pitchFamily="34" charset="-122"/>
                 <a:cs typeface="Helvetica" pitchFamily="34" charset="-120"/>
               </a:rPr>
-              <a:t>NATURAL LANGUAGE GENERATION APIS</a:t>
+              <a:t>NATURAL LANGUAGE CLASSIFIER</a:t>
             </a:r>
             <a:endParaRPr lang="en-US" dirty="0"/>
           </a:p>
@@ -35030,7 +35030,7 @@
       </p:sp>
       <p:pic>
         <p:nvPicPr>
-          <p:cNvPr id="3" name="Object 2" descr="public/generated/icons/bb6393bc-7d81-446b-9728-61b704f6eca5.png">    </p:cNvPr>
+          <p:cNvPr id="3" name="Object 2" descr="public/generated/icons/5932737c-e24b-4836-9e37-d8cead922316.png">    </p:cNvPr>
           <p:cNvPicPr>
             <a:picLocks noChangeAspect="1"/>
           </p:cNvPicPr>
@@ -35086,7 +35086,7 @@
                 <a:ea typeface="Helvetica" pitchFamily="34" charset="-122"/>
                 <a:cs typeface="Helvetica" pitchFamily="34" charset="-120"/>
               </a:rPr>
-              <a:t>NATURAL LANGUAGE UNDERSTANDING</a:t>
+              <a:t>NATURAL LANGUAGE GENERATION APIS</a:t>
             </a:r>
             <a:endParaRPr lang="en-US" dirty="0"/>
           </a:p>
@@ -35119,7 +35119,7 @@
       </p:sp>
       <p:pic>
         <p:nvPicPr>
-          <p:cNvPr id="6" name="Object 5" descr="public/generated/icons/cf329950-0a3e-11e8-922e-f1366c6e1c83-netapp.png">    </p:cNvPr>
+          <p:cNvPr id="6" name="Object 5" descr="public/generated/icons/bb6393bc-7d81-446b-9728-61b704f6eca5.png">    </p:cNvPr>
           <p:cNvPicPr>
             <a:picLocks noChangeAspect="1"/>
           </p:cNvPicPr>
@@ -35175,7 +35175,7 @@
                 <a:ea typeface="Helvetica" pitchFamily="34" charset="-122"/>
                 <a:cs typeface="Helvetica" pitchFamily="34" charset="-120"/>
               </a:rPr>
-              <a:t>NETAPP ONTAP SELECT</a:t>
+              <a:t>NATURAL LANGUAGE UNDERSTANDING</a:t>
             </a:r>
             <a:endParaRPr lang="en-US" dirty="0"/>
           </a:p>
@@ -35208,7 +35208,7 @@
       </p:sp>
       <p:pic>
         <p:nvPicPr>
-          <p:cNvPr id="9" name="Object 8" descr="public/generated/icons/is.network-acl.png">    </p:cNvPr>
+          <p:cNvPr id="9" name="Object 8" descr="public/generated/icons/cf329950-0a3e-11e8-922e-f1366c6e1c83-netapp.png">    </p:cNvPr>
           <p:cNvPicPr>
             <a:picLocks noChangeAspect="1"/>
           </p:cNvPicPr>
@@ -35264,7 +35264,7 @@
                 <a:ea typeface="Helvetica" pitchFamily="34" charset="-122"/>
                 <a:cs typeface="Helvetica" pitchFamily="34" charset="-120"/>
               </a:rPr>
-              <a:t>NETWORK ACL</a:t>
+              <a:t>NETAPP ONTAP SELECT</a:t>
             </a:r>
             <a:endParaRPr lang="en-US" dirty="0"/>
           </a:p>
@@ -35297,7 +35297,7 @@
       </p:sp>
       <p:pic>
         <p:nvPicPr>
-          <p:cNvPr id="12" name="Object 11" descr="public/generated/icons/3f5debff-044f-4292-b387-9c9a50ba81fe.png">    </p:cNvPr>
+          <p:cNvPr id="12" name="Object 11" descr="public/generated/icons/is.network-acl.png">    </p:cNvPr>
           <p:cNvPicPr>
             <a:picLocks noChangeAspect="1"/>
           </p:cNvPicPr>
@@ -35353,7 +35353,7 @@
                 <a:ea typeface="Helvetica" pitchFamily="34" charset="-122"/>
                 <a:cs typeface="Helvetica" pitchFamily="34" charset="-120"/>
               </a:rPr>
-              <a:t>NEXMO</a:t>
+              <a:t>NETWORK ACL</a:t>
             </a:r>
             <a:endParaRPr lang="en-US" dirty="0"/>
           </a:p>
@@ -35386,7 +35386,7 @@
       </p:sp>
       <p:pic>
         <p:nvPicPr>
-          <p:cNvPr id="15" name="Object 14" descr="public/generated/icons/f465a902-074a-4db9-adaa-cc75b1049a8c.png">    </p:cNvPr>
+          <p:cNvPr id="15" name="Object 14" descr="public/generated/icons/3f5debff-044f-4292-b387-9c9a50ba81fe.png">    </p:cNvPr>
           <p:cNvPicPr>
             <a:picLocks noChangeAspect="1"/>
           </p:cNvPicPr>
@@ -35442,7 +35442,7 @@
                 <a:ea typeface="Helvetica" pitchFamily="34" charset="-122"/>
                 <a:cs typeface="Helvetica" pitchFamily="34" charset="-120"/>
               </a:rPr>
-              <a:t>OBJECT STORAGE OPENSTACK SWIFT (INFRASTRUCTURE)</a:t>
+              <a:t>NEXMO</a:t>
             </a:r>
             <a:endParaRPr lang="en-US" dirty="0"/>
           </a:p>
@@ -35475,7 +35475,7 @@
       </p:sp>
       <p:pic>
         <p:nvPicPr>
-          <p:cNvPr id="18" name="Object 17" descr="public/generated/icons/a5105fb0-5a09-11e9-85fa-e1c32163180b.png">    </p:cNvPr>
+          <p:cNvPr id="18" name="Object 17" descr="public/generated/icons/f465a902-074a-4db9-adaa-cc75b1049a8c.png">    </p:cNvPr>
           <p:cNvPicPr>
             <a:picLocks noChangeAspect="1"/>
           </p:cNvPicPr>
@@ -35531,7 +35531,7 @@
                 <a:ea typeface="Helvetica" pitchFamily="34" charset="-122"/>
                 <a:cs typeface="Helvetica" pitchFamily="34" charset="-120"/>
               </a:rPr>
-              <a:t>OSNEXUS SOFTWARE DEFINED STORAGE FOR BARE METAL</a:t>
+              <a:t>OBJECT STORAGE OPENSTACK SWIFT (INFRASTRUCTURE)</a:t>
             </a:r>
             <a:endParaRPr lang="en-US" dirty="0"/>
           </a:p>
@@ -35564,7 +35564,7 @@
       </p:sp>
       <p:pic>
         <p:nvPicPr>
-          <p:cNvPr id="21" name="Object 20" descr="public/generated/icons/2d4c7a4d-2a2d-433f-a38d-9ebff43de337.png">    </p:cNvPr>
+          <p:cNvPr id="21" name="Object 20" descr="public/generated/icons/a5105fb0-5a09-11e9-85fa-e1c32163180b.png">    </p:cNvPr>
           <p:cNvPicPr>
             <a:picLocks noChangeAspect="1"/>
           </p:cNvPicPr>
@@ -35620,7 +35620,7 @@
                 <a:ea typeface="Helvetica" pitchFamily="34" charset="-122"/>
                 <a:cs typeface="Helvetica" pitchFamily="34" charset="-120"/>
               </a:rPr>
-              <a:t>PAGERDUTY</a:t>
+              <a:t>OSNEXUS SOFTWARE DEFINED STORAGE FOR BARE METAL</a:t>
             </a:r>
             <a:endParaRPr lang="en-US" dirty="0"/>
           </a:p>
@@ -35653,7 +35653,7 @@
       </p:sp>
       <p:pic>
         <p:nvPicPr>
-          <p:cNvPr id="24" name="Object 23" descr="public/generated/icons/9e0b569e-03d7-44e4-a68c-6f567689a260.png">    </p:cNvPr>
+          <p:cNvPr id="24" name="Object 23" descr="public/generated/icons/2d4c7a4d-2a2d-433f-a38d-9ebff43de337.png">    </p:cNvPr>
           <p:cNvPicPr>
             <a:picLocks noChangeAspect="1"/>
           </p:cNvPicPr>
@@ -35709,7 +35709,7 @@
                 <a:ea typeface="Helvetica" pitchFamily="34" charset="-122"/>
                 <a:cs typeface="Helvetica" pitchFamily="34" charset="-120"/>
               </a:rPr>
-              <a:t>PAYEEZY</a:t>
+              <a:t>PAGERDUTY</a:t>
             </a:r>
             <a:endParaRPr lang="en-US" dirty="0"/>
           </a:p>
@@ -35742,7 +35742,7 @@
       </p:sp>
       <p:pic>
         <p:nvPicPr>
-          <p:cNvPr id="27" name="Object 26" descr="public/generated/icons/d6d20106-cf62-4dcf-8dd9-d27ae0f36e55.png">    </p:cNvPr>
+          <p:cNvPr id="27" name="Object 26" descr="public/generated/icons/9e0b569e-03d7-44e4-a68c-6f567689a260.png">    </p:cNvPr>
           <p:cNvPicPr>
             <a:picLocks noChangeAspect="1"/>
           </p:cNvPicPr>
@@ -35798,7 +35798,7 @@
                 <a:ea typeface="Helvetica" pitchFamily="34" charset="-122"/>
                 <a:cs typeface="Helvetica" pitchFamily="34" charset="-120"/>
               </a:rPr>
-              <a:t>PERSONALITY INSIGHTS</a:t>
+              <a:t>PAYEEZY</a:t>
             </a:r>
             <a:endParaRPr lang="en-US" dirty="0"/>
           </a:p>
@@ -35831,7 +35831,7 @@
       </p:sp>
       <p:pic>
         <p:nvPicPr>
-          <p:cNvPr id="30" name="Object 29" descr="public/generated/icons/2f2c407b-0a0d-4c57-8d8e-31bc7707d561.png">    </p:cNvPr>
+          <p:cNvPr id="30" name="Object 29" descr="public/generated/icons/d6d20106-cf62-4dcf-8dd9-d27ae0f36e55.png">    </p:cNvPr>
           <p:cNvPicPr>
             <a:picLocks noChangeAspect="1"/>
           </p:cNvPicPr>
@@ -35887,7 +35887,7 @@
                 <a:ea typeface="Helvetica" pitchFamily="34" charset="-122"/>
                 <a:cs typeface="Helvetica" pitchFamily="34" charset="-120"/>
               </a:rPr>
-              <a:t>PHUNWARE LOCATION BASED SERVICES</a:t>
+              <a:t>PERSONALITY INSIGHTS</a:t>
             </a:r>
             <a:endParaRPr lang="en-US" dirty="0"/>
           </a:p>
@@ -35920,7 +35920,7 @@
       </p:sp>
       <p:pic>
         <p:nvPicPr>
-          <p:cNvPr id="33" name="Object 32" descr="public/generated/icons/880fa4f0-62bc-48dc-8388-b4458f3f310c.png">    </p:cNvPr>
+          <p:cNvPr id="33" name="Object 32" descr="public/generated/icons/2f2c407b-0a0d-4c57-8d8e-31bc7707d561.png">    </p:cNvPr>
           <p:cNvPicPr>
             <a:picLocks noChangeAspect="1"/>
           </p:cNvPicPr>
@@ -35976,7 +35976,7 @@
                 <a:ea typeface="Helvetica" pitchFamily="34" charset="-122"/>
                 <a:cs typeface="Helvetica" pitchFamily="34" charset="-120"/>
               </a:rPr>
-              <a:t>PHUNWARE MOBILE MARKETING AUTOMATION</a:t>
+              <a:t>PHUNWARE LOCATION BASED SERVICES</a:t>
             </a:r>
             <a:endParaRPr lang="en-US" dirty="0"/>
           </a:p>
@@ -36009,7 +36009,7 @@
       </p:sp>
       <p:pic>
         <p:nvPicPr>
-          <p:cNvPr id="36" name="Object 35" descr="public/generated/icons/355f6faf-833f-4fcb-8ce9-f75c9954b2f0.png">    </p:cNvPr>
+          <p:cNvPr id="36" name="Object 35" descr="public/generated/icons/880fa4f0-62bc-48dc-8388-b4458f3f310c.png">    </p:cNvPr>
           <p:cNvPicPr>
             <a:picLocks noChangeAspect="1"/>
           </p:cNvPicPr>
@@ -36065,7 +36065,7 @@
                 <a:ea typeface="Helvetica" pitchFamily="34" charset="-122"/>
                 <a:cs typeface="Helvetica" pitchFamily="34" charset="-120"/>
               </a:rPr>
-              <a:t>PLAID</a:t>
+              <a:t>PHUNWARE MOBILE MARKETING AUTOMATION</a:t>
             </a:r>
             <a:endParaRPr lang="en-US" dirty="0"/>
           </a:p>
@@ -36098,7 +36098,7 @@
       </p:sp>
       <p:pic>
         <p:nvPicPr>
-          <p:cNvPr id="39" name="Object 38" descr="public/generated/icons/60a8d63d-7990-9b83-b7ec-599897c7a3d6.png">    </p:cNvPr>
+          <p:cNvPr id="39" name="Object 38" descr="public/generated/icons/355f6faf-833f-4fcb-8ce9-f75c9954b2f0.png">    </p:cNvPr>
           <p:cNvPicPr>
             <a:picLocks noChangeAspect="1"/>
           </p:cNvPicPr>
@@ -36154,7 +36154,7 @@
                 <a:ea typeface="Helvetica" pitchFamily="34" charset="-122"/>
                 <a:cs typeface="Helvetica" pitchFamily="34" charset="-120"/>
               </a:rPr>
-              <a:t>PLESK ONYX LINUX UNLIMITED FOR VIRTUAL SERVER</a:t>
+              <a:t>PLAID</a:t>
             </a:r>
             <a:endParaRPr lang="en-US" dirty="0"/>
           </a:p>
@@ -36187,7 +36187,7 @@
       </p:sp>
       <p:pic>
         <p:nvPicPr>
-          <p:cNvPr id="42" name="Object 41" descr="public/generated/icons/2a001640-21f1-466e-b6f0-d227c353a823.png">    </p:cNvPr>
+          <p:cNvPr id="42" name="Object 41" descr="public/generated/icons/60a8d63d-7990-9b83-b7ec-599897c7a3d6.png">    </p:cNvPr>
           <p:cNvPicPr>
             <a:picLocks noChangeAspect="1"/>
           </p:cNvPicPr>
@@ -36243,7 +36243,7 @@
                 <a:ea typeface="Helvetica" pitchFamily="34" charset="-122"/>
                 <a:cs typeface="Helvetica" pitchFamily="34" charset="-120"/>
               </a:rPr>
-              <a:t>PORTFOLIO OPTIMIZATION</a:t>
+              <a:t>PLESK ONYX LINUX UNLIMITED FOR VIRTUAL SERVER</a:t>
             </a:r>
             <a:endParaRPr lang="en-US" dirty="0"/>
           </a:p>
@@ -36276,7 +36276,7 @@
       </p:sp>
       <p:pic>
         <p:nvPicPr>
-          <p:cNvPr id="45" name="Object 44" descr="public/generated/icons/d666f360-66d1-11e9-85ef-a19427301a8c.png">    </p:cNvPr>
+          <p:cNvPr id="45" name="Object 44" descr="public/generated/icons/2a001640-21f1-466e-b6f0-d227c353a823.png">    </p:cNvPr>
           <p:cNvPicPr>
             <a:picLocks noChangeAspect="1"/>
           </p:cNvPicPr>
@@ -36332,7 +36332,7 @@
                 <a:ea typeface="Helvetica" pitchFamily="34" charset="-122"/>
                 <a:cs typeface="Helvetica" pitchFamily="34" charset="-120"/>
               </a:rPr>
-              <a:t>PORTWORX ENTERPRISE</a:t>
+              <a:t>PORTFOLIO OPTIMIZATION</a:t>
             </a:r>
             <a:endParaRPr lang="en-US" dirty="0"/>
           </a:p>
@@ -36365,7 +36365,7 @@
       </p:sp>
       <p:pic>
         <p:nvPicPr>
-          <p:cNvPr id="48" name="Object 47" descr="public/generated/icons/abd259f0-9990-11e8-acc8-b9f54a8f1661.png">    </p:cNvPr>
+          <p:cNvPr id="48" name="Object 47" descr="public/generated/icons/d666f360-66d1-11e9-85ef-a19427301a8c.png">    </p:cNvPr>
           <p:cNvPicPr>
             <a:picLocks noChangeAspect="1"/>
           </p:cNvPicPr>
@@ -36421,7 +36421,7 @@
                 <a:ea typeface="Helvetica" pitchFamily="34" charset="-122"/>
                 <a:cs typeface="Helvetica" pitchFamily="34" charset="-120"/>
               </a:rPr>
-              <a:t>POWER SYSTEMS VIRTUAL SERVER</a:t>
+              <a:t>PORTWORX ENTERPRISE</a:t>
             </a:r>
             <a:endParaRPr lang="en-US" dirty="0"/>
           </a:p>
@@ -36454,7 +36454,7 @@
       </p:sp>
       <p:pic>
         <p:nvPicPr>
-          <p:cNvPr id="51" name="Object 50" descr="public/generated/icons/2b1ef1a9-d8be-4716-a482-4d56f5f8a668.png">    </p:cNvPr>
+          <p:cNvPr id="51" name="Object 50" descr="public/generated/icons/abd259f0-9990-11e8-acc8-b9f54a8f1661.png">    </p:cNvPr>
           <p:cNvPicPr>
             <a:picLocks noChangeAspect="1"/>
           </p:cNvPicPr>
@@ -36510,7 +36510,7 @@
                 <a:ea typeface="Helvetica" pitchFamily="34" charset="-122"/>
                 <a:cs typeface="Helvetica" pitchFamily="34" charset="-120"/>
               </a:rPr>
-              <a:t>POWERAI</a:t>
+              <a:t>POWER SYSTEMS VIRTUAL SERVER</a:t>
             </a:r>
             <a:endParaRPr lang="en-US" dirty="0"/>
           </a:p>
@@ -36543,7 +36543,7 @@
       </p:sp>
       <p:pic>
         <p:nvPicPr>
-          <p:cNvPr id="54" name="Object 53" descr="public/generated/icons/3702343d-a294-46e4-bfdd-6bdeb422a492.png">    </p:cNvPr>
+          <p:cNvPr id="54" name="Object 53" descr="public/generated/icons/2b1ef1a9-d8be-4716-a482-4d56f5f8a668.png">    </p:cNvPr>
           <p:cNvPicPr>
             <a:picLocks noChangeAspect="1"/>
           </p:cNvPicPr>
@@ -36599,7 +36599,7 @@
                 <a:ea typeface="Helvetica" pitchFamily="34" charset="-122"/>
                 <a:cs typeface="Helvetica" pitchFamily="34" charset="-120"/>
               </a:rPr>
-              <a:t>POWERLYTICS BEHAVIOR/PROPENSITY MODEL API</a:t>
+              <a:t>POWERAI</a:t>
             </a:r>
             <a:endParaRPr lang="en-US" dirty="0"/>
           </a:p>
@@ -36632,7 +36632,7 @@
       </p:sp>
       <p:pic>
         <p:nvPicPr>
-          <p:cNvPr id="57" name="Object 56" descr="public/generated/icons/d846d490-ef88-44a1-822e-9d7f4d40a907.png">    </p:cNvPr>
+          <p:cNvPr id="57" name="Object 56" descr="public/generated/icons/3702343d-a294-46e4-bfdd-6bdeb422a492.png">    </p:cNvPr>
           <p:cNvPicPr>
             <a:picLocks noChangeAspect="1"/>
           </p:cNvPicPr>
@@ -36688,7 +36688,7 @@
                 <a:ea typeface="Helvetica" pitchFamily="34" charset="-122"/>
                 <a:cs typeface="Helvetica" pitchFamily="34" charset="-120"/>
               </a:rPr>
-              <a:t>POWERLYTICS CONSUMER INCOME API</a:t>
+              <a:t>POWERLYTICS BEHAVIOR/PROPENSITY MODEL API</a:t>
             </a:r>
             <a:endParaRPr lang="en-US" dirty="0"/>
           </a:p>
@@ -36721,7 +36721,7 @@
       </p:sp>
       <p:pic>
         <p:nvPicPr>
-          <p:cNvPr id="60" name="Object 59" descr="public/generated/icons/43a3d18e-847e-4c27-807f-3b509613612b.png">    </p:cNvPr>
+          <p:cNvPr id="60" name="Object 59" descr="public/generated/icons/d846d490-ef88-44a1-822e-9d7f4d40a907.png">    </p:cNvPr>
           <p:cNvPicPr>
             <a:picLocks noChangeAspect="1"/>
           </p:cNvPicPr>
@@ -36777,7 +36777,7 @@
                 <a:ea typeface="Helvetica" pitchFamily="34" charset="-122"/>
                 <a:cs typeface="Helvetica" pitchFamily="34" charset="-120"/>
               </a:rPr>
-              <a:t>POWERLYTICS INVESTABLE ASSETS &amp; WEALTH API</a:t>
+              <a:t>POWERLYTICS CONSUMER INCOME API</a:t>
             </a:r>
             <a:endParaRPr lang="en-US" dirty="0"/>
           </a:p>
@@ -36810,7 +36810,7 @@
       </p:sp>
       <p:pic>
         <p:nvPicPr>
-          <p:cNvPr id="63" name="Object 62" descr="public/generated/icons/efc44e05-4faa-43f2-a8a3-4795f31ddfa5.png">    </p:cNvPr>
+          <p:cNvPr id="63" name="Object 62" descr="public/generated/icons/43a3d18e-847e-4c27-807f-3b509613612b.png">    </p:cNvPr>
           <p:cNvPicPr>
             <a:picLocks noChangeAspect="1"/>
           </p:cNvPicPr>
@@ -36866,7 +36866,7 @@
                 <a:ea typeface="Helvetica" pitchFamily="34" charset="-122"/>
                 <a:cs typeface="Helvetica" pitchFamily="34" charset="-120"/>
               </a:rPr>
-              <a:t>PRECISION LOCATION</a:t>
+              <a:t>POWERLYTICS INVESTABLE ASSETS &amp; WEALTH API</a:t>
             </a:r>
             <a:endParaRPr lang="en-US" dirty="0"/>
           </a:p>
@@ -36899,7 +36899,7 @@
       </p:sp>
       <p:pic>
         <p:nvPicPr>
-          <p:cNvPr id="66" name="Object 65" descr="public/generated/icons/C43B3EB0-F56B-4753-92E4-093815814C1E.png">    </p:cNvPr>
+          <p:cNvPr id="66" name="Object 65" descr="public/generated/icons/efc44e05-4faa-43f2-a8a3-4795f31ddfa5.png">    </p:cNvPr>
           <p:cNvPicPr>
             <a:picLocks noChangeAspect="1"/>
           </p:cNvPicPr>
@@ -36955,7 +36955,7 @@
                 <a:ea typeface="Helvetica" pitchFamily="34" charset="-122"/>
                 <a:cs typeface="Helvetica" pitchFamily="34" charset="-120"/>
               </a:rPr>
-              <a:t>PREDICTIVE MARKET SCENARIOS</a:t>
+              <a:t>PRECISION LOCATION</a:t>
             </a:r>
             <a:endParaRPr lang="en-US" dirty="0"/>
           </a:p>
@@ -36988,7 +36988,7 @@
       </p:sp>
       <p:pic>
         <p:nvPicPr>
-          <p:cNvPr id="69" name="Object 68" descr="public/generated/icons/is.public-gateway.png">    </p:cNvPr>
+          <p:cNvPr id="69" name="Object 68" descr="public/generated/icons/C43B3EB0-F56B-4753-92E4-093815814C1E.png">    </p:cNvPr>
           <p:cNvPicPr>
             <a:picLocks noChangeAspect="1"/>
           </p:cNvPicPr>
@@ -37044,7 +37044,7 @@
                 <a:ea typeface="Helvetica" pitchFamily="34" charset="-122"/>
                 <a:cs typeface="Helvetica" pitchFamily="34" charset="-120"/>
               </a:rPr>
-              <a:t>PUBLIC GATEWAY FOR VPC</a:t>
+              <a:t>PREDICTIVE MARKET SCENARIOS</a:t>
             </a:r>
             <a:endParaRPr lang="en-US" dirty="0"/>
           </a:p>
@@ -37077,7 +37077,7 @@
       </p:sp>
       <p:pic>
         <p:nvPicPr>
-          <p:cNvPr id="72" name="Object 71" descr="public/generated/icons/Push-d6aece47-d840-45b0-8ab9-ad15354deeea.png">    </p:cNvPr>
+          <p:cNvPr id="72" name="Object 71" descr="public/generated/icons/is.public-gateway.png">    </p:cNvPr>
           <p:cNvPicPr>
             <a:picLocks noChangeAspect="1"/>
           </p:cNvPicPr>
@@ -37133,7 +37133,7 @@
                 <a:ea typeface="Helvetica" pitchFamily="34" charset="-122"/>
                 <a:cs typeface="Helvetica" pitchFamily="34" charset="-120"/>
               </a:rPr>
-              <a:t>PUSH NOTIFICATIONS</a:t>
+              <a:t>PUBLIC GATEWAY FOR VPC</a:t>
             </a:r>
             <a:endParaRPr lang="en-US" dirty="0"/>
           </a:p>
@@ -37166,7 +37166,7 @@
       </p:sp>
       <p:pic>
         <p:nvPicPr>
-          <p:cNvPr id="75" name="Object 74" descr="public/generated/icons/bc1f8800-0ee2-43ca-864b-1e29ce4fd8fd.png">    </p:cNvPr>
+          <p:cNvPr id="75" name="Object 74" descr="public/generated/icons/Push-d6aece47-d840-45b0-8ab9-ad15354deeea.png">    </p:cNvPr>
           <p:cNvPicPr>
             <a:picLocks noChangeAspect="1"/>
           </p:cNvPicPr>
@@ -37222,7 +37222,7 @@
                 <a:ea typeface="Helvetica" pitchFamily="34" charset="-122"/>
                 <a:cs typeface="Helvetica" pitchFamily="34" charset="-120"/>
               </a:rPr>
-              <a:t>QUOVO</a:t>
+              <a:t>PUSH NOTIFICATIONS</a:t>
             </a:r>
             <a:endParaRPr lang="en-US" dirty="0"/>
           </a:p>
@@ -37255,7 +37255,7 @@
       </p:sp>
       <p:pic>
         <p:nvPicPr>
-          <p:cNvPr id="78" name="Object 77" descr="public/generated/icons/135ead7e-cc70-4f10-8f2c-6e6c6821ce61.png">    </p:cNvPr>
+          <p:cNvPr id="78" name="Object 77" descr="public/generated/icons/bc1f8800-0ee2-43ca-864b-1e29ce4fd8fd.png">    </p:cNvPr>
           <p:cNvPicPr>
             <a:picLocks noChangeAspect="1"/>
           </p:cNvPicPr>
@@ -37311,7 +37311,7 @@
                 <a:ea typeface="Helvetica" pitchFamily="34" charset="-122"/>
                 <a:cs typeface="Helvetica" pitchFamily="34" charset="-120"/>
               </a:rPr>
-              <a:t>RAINBOW</a:t>
+              <a:t>QUOVO</a:t>
             </a:r>
             <a:endParaRPr lang="en-US" dirty="0"/>
           </a:p>
@@ -37344,7 +37344,7 @@
       </p:sp>
       <p:pic>
         <p:nvPicPr>
-          <p:cNvPr id="81" name="Object 80" descr="public/generated/icons/cf5f8ac0-98f7-11e9-a40c-5b3c4bf3cc6d.png">    </p:cNvPr>
+          <p:cNvPr id="81" name="Object 80" descr="public/generated/icons/135ead7e-cc70-4f10-8f2c-6e6c6821ce61.png">    </p:cNvPr>
           <p:cNvPicPr>
             <a:picLocks noChangeAspect="1"/>
           </p:cNvPicPr>
@@ -37400,7 +37400,7 @@
                 <a:ea typeface="Helvetica" pitchFamily="34" charset="-122"/>
                 <a:cs typeface="Helvetica" pitchFamily="34" charset="-120"/>
               </a:rPr>
-              <a:t>RAXAK PROTECT</a:t>
+              <a:t>RAINBOW</a:t>
             </a:r>
             <a:endParaRPr lang="en-US" dirty="0"/>
           </a:p>
@@ -37433,7 +37433,7 @@
       </p:sp>
       <p:pic>
         <p:nvPicPr>
-          <p:cNvPr id="84" name="Object 83" descr="public/generated/icons/467ab6d8-48dd-485a-adf9-30d5107537a1.png">    </p:cNvPr>
+          <p:cNvPr id="84" name="Object 83" descr="public/generated/icons/cf5f8ac0-98f7-11e9-a40c-5b3c4bf3cc6d.png">    </p:cNvPr>
           <p:cNvPicPr>
             <a:picLocks noChangeAspect="1"/>
           </p:cNvPicPr>
@@ -37489,7 +37489,7 @@
                 <a:ea typeface="Helvetica" pitchFamily="34" charset="-122"/>
                 <a:cs typeface="Helvetica" pitchFamily="34" charset="-120"/>
               </a:rPr>
-              <a:t>REAL-TIME PAYMENTS</a:t>
+              <a:t>RAXAK PROTECT</a:t>
             </a:r>
             <a:endParaRPr lang="en-US" dirty="0"/>
           </a:p>
@@ -37522,7 +37522,7 @@
       </p:sp>
       <p:pic>
         <p:nvPicPr>
-          <p:cNvPr id="87" name="Object 86" descr="public/generated/icons/dfd3c158-4659-cca5-0c7c-eef6cdd1b9fd.png">    </p:cNvPr>
+          <p:cNvPr id="87" name="Object 86" descr="public/generated/icons/467ab6d8-48dd-485a-adf9-30d5107537a1.png">    </p:cNvPr>
           <p:cNvPicPr>
             <a:picLocks noChangeAspect="1"/>
           </p:cNvPicPr>
@@ -37578,7 +37578,7 @@
                 <a:ea typeface="Helvetica" pitchFamily="34" charset="-122"/>
                 <a:cs typeface="Helvetica" pitchFamily="34" charset="-120"/>
               </a:rPr>
-              <a:t>RED HAT ENTERPRISE LINUX OS FOR VIRTUAL SERVER</a:t>
+              <a:t>REAL-TIME PAYMENTS</a:t>
             </a:r>
             <a:endParaRPr lang="en-US" dirty="0"/>
           </a:p>
@@ -37611,7 +37611,7 @@
       </p:sp>
       <p:pic>
         <p:nvPicPr>
-          <p:cNvPr id="90" name="Object 89" descr="public/generated/icons/openshift.png">    </p:cNvPr>
+          <p:cNvPr id="90" name="Object 89" descr="public/generated/icons/dfd3c158-4659-cca5-0c7c-eef6cdd1b9fd.png">    </p:cNvPr>
           <p:cNvPicPr>
             <a:picLocks noChangeAspect="1"/>
           </p:cNvPicPr>
@@ -37667,7 +37667,7 @@
                 <a:ea typeface="Helvetica" pitchFamily="34" charset="-122"/>
                 <a:cs typeface="Helvetica" pitchFamily="34" charset="-120"/>
               </a:rPr>
-              <a:t>RED HAT OPENSHIFT CLUSTER</a:t>
+              <a:t>RED HAT ENTERPRISE LINUX OS FOR VIRTUAL SERVER</a:t>
             </a:r>
             <a:endParaRPr lang="en-US" dirty="0"/>
           </a:p>
@@ -37700,7 +37700,7 @@
       </p:sp>
       <p:pic>
         <p:nvPicPr>
-          <p:cNvPr id="93" name="Object 92" descr="public/generated/icons/3c4e5912-59dc-40b7-a482-25c6c6d38ccc.png">    </p:cNvPr>
+          <p:cNvPr id="93" name="Object 92" descr="public/generated/icons/openshift.png">    </p:cNvPr>
           <p:cNvPicPr>
             <a:picLocks noChangeAspect="1"/>
           </p:cNvPicPr>
@@ -37756,7 +37756,7 @@
                 <a:ea typeface="Helvetica" pitchFamily="34" charset="-122"/>
                 <a:cs typeface="Helvetica" pitchFamily="34" charset="-120"/>
               </a:rPr>
-              <a:t>RELSCI</a:t>
+              <a:t>RED HAT OPENSHIFT CLUSTER</a:t>
             </a:r>
             <a:endParaRPr lang="en-US" dirty="0"/>
           </a:p>
@@ -37789,7 +37789,7 @@
       </p:sp>
       <p:pic>
         <p:nvPicPr>
-          <p:cNvPr id="96" name="Object 95" descr="public/generated/icons/8d08ed75-b71d-4d1a-a4c4-f17ead5c1954.png">    </p:cNvPr>
+          <p:cNvPr id="96" name="Object 95" descr="public/generated/icons/3c4e5912-59dc-40b7-a482-25c6c6d38ccc.png">    </p:cNvPr>
           <p:cNvPicPr>
             <a:picLocks noChangeAspect="1"/>
           </p:cNvPicPr>
@@ -37845,7 +37845,7 @@
                 <a:ea typeface="Helvetica" pitchFamily="34" charset="-122"/>
                 <a:cs typeface="Helvetica" pitchFamily="34" charset="-120"/>
               </a:rPr>
-              <a:t>RISK ENGINE</a:t>
+              <a:t>RELSCI</a:t>
             </a:r>
             <a:endParaRPr lang="en-US" dirty="0"/>
           </a:p>
@@ -37878,7 +37878,7 @@
       </p:sp>
       <p:pic>
         <p:nvPicPr>
-          <p:cNvPr id="99" name="Object 98" descr="public/generated/icons/c14c9e07-7039-44a7-8eed-c508135829ac.png">    </p:cNvPr>
+          <p:cNvPr id="99" name="Object 98" descr="public/generated/icons/8d08ed75-b71d-4d1a-a4c4-f17ead5c1954.png">    </p:cNvPr>
           <p:cNvPicPr>
             <a:picLocks noChangeAspect="1"/>
           </p:cNvPicPr>
@@ -37934,7 +37934,7 @@
                 <a:ea typeface="Helvetica" pitchFamily="34" charset="-122"/>
                 <a:cs typeface="Helvetica" pitchFamily="34" charset="-120"/>
               </a:rPr>
-              <a:t>ROCKET MAINFRAME DATA</a:t>
+              <a:t>RISK ENGINE</a:t>
             </a:r>
             <a:endParaRPr lang="en-US" dirty="0"/>
           </a:p>
@@ -37967,7 +37967,7 @@
       </p:sp>
       <p:pic>
         <p:nvPicPr>
-          <p:cNvPr id="102" name="Object 101" descr="public/generated/icons/schematics.png">    </p:cNvPr>
+          <p:cNvPr id="102" name="Object 101" descr="public/generated/icons/c14c9e07-7039-44a7-8eed-c508135829ac.png">    </p:cNvPr>
           <p:cNvPicPr>
             <a:picLocks noChangeAspect="1"/>
           </p:cNvPicPr>
@@ -38023,7 +38023,7 @@
                 <a:ea typeface="Helvetica" pitchFamily="34" charset="-122"/>
                 <a:cs typeface="Helvetica" pitchFamily="34" charset="-120"/>
               </a:rPr>
-              <a:t>SCHEMATICS</a:t>
+              <a:t>ROCKET MAINFRAME DATA</a:t>
             </a:r>
             <a:endParaRPr lang="en-US" dirty="0"/>
           </a:p>
@@ -38056,7 +38056,7 @@
       </p:sp>
       <p:pic>
         <p:nvPicPr>
-          <p:cNvPr id="105" name="Object 104" descr="public/generated/icons/IBM_SecureGateway.png">    </p:cNvPr>
+          <p:cNvPr id="105" name="Object 104" descr="public/generated/icons/schematics.png">    </p:cNvPr>
           <p:cNvPicPr>
             <a:picLocks noChangeAspect="1"/>
           </p:cNvPicPr>
@@ -38112,7 +38112,7 @@
                 <a:ea typeface="Helvetica" pitchFamily="34" charset="-122"/>
                 <a:cs typeface="Helvetica" pitchFamily="34" charset="-120"/>
               </a:rPr>
-              <a:t>SECURE GATEWAY</a:t>
+              <a:t>SCHEMATICS</a:t>
             </a:r>
             <a:endParaRPr lang="en-US" dirty="0"/>
           </a:p>
@@ -38145,7 +38145,7 @@
       </p:sp>
       <p:pic>
         <p:nvPicPr>
-          <p:cNvPr id="108" name="Object 107" descr="public/generated/icons/ab1b0890-573c-11e8-9a9e-e3bf6f543902.png">    </p:cNvPr>
+          <p:cNvPr id="108" name="Object 107" descr="public/generated/icons/IBM_SecureGateway.png">    </p:cNvPr>
           <p:cNvPicPr>
             <a:picLocks noChangeAspect="1"/>
           </p:cNvPicPr>
@@ -38201,7 +38201,7 @@
                 <a:ea typeface="Helvetica" pitchFamily="34" charset="-122"/>
                 <a:cs typeface="Helvetica" pitchFamily="34" charset="-120"/>
               </a:rPr>
-              <a:t>SECURITY ADVISOR</a:t>
+              <a:t>SECURE GATEWAY</a:t>
             </a:r>
             <a:endParaRPr lang="en-US" dirty="0"/>
           </a:p>
@@ -38267,7 +38267,7 @@
       </p:sp>
       <p:pic>
         <p:nvPicPr>
-          <p:cNvPr id="3" name="Object 2" descr="public/generated/icons/is.security-group.png">    </p:cNvPr>
+          <p:cNvPr id="3" name="Object 2" descr="public/generated/icons/ab1b0890-573c-11e8-9a9e-e3bf6f543902.png">    </p:cNvPr>
           <p:cNvPicPr>
             <a:picLocks noChangeAspect="1"/>
           </p:cNvPicPr>
@@ -38323,7 +38323,7 @@
                 <a:ea typeface="Helvetica" pitchFamily="34" charset="-122"/>
                 <a:cs typeface="Helvetica" pitchFamily="34" charset="-120"/>
               </a:rPr>
-              <a:t>SECURITY GROUP FOR VPC</a:t>
+              <a:t>SECURITY ADVISOR</a:t>
             </a:r>
             <a:endParaRPr lang="en-US" dirty="0"/>
           </a:p>
@@ -38356,7 +38356,7 @@
       </p:sp>
       <p:pic>
         <p:nvPicPr>
-          <p:cNvPr id="6" name="Object 5" descr="public/generated/icons/ABB08BA3-D14D-4BD9-A5E6-EF67C52D35C0.png">    </p:cNvPr>
+          <p:cNvPr id="6" name="Object 5" descr="public/generated/icons/is.security-group.png">    </p:cNvPr>
           <p:cNvPicPr>
             <a:picLocks noChangeAspect="1"/>
           </p:cNvPicPr>
@@ -38412,7 +38412,7 @@
                 <a:ea typeface="Helvetica" pitchFamily="34" charset="-122"/>
                 <a:cs typeface="Helvetica" pitchFamily="34" charset="-120"/>
               </a:rPr>
-              <a:t>SIMULATED HISTORICAL INSTRUMENT ANALYTICS</a:t>
+              <a:t>SECURITY GROUP FOR VPC</a:t>
             </a:r>
             <a:endParaRPr lang="en-US" dirty="0"/>
           </a:p>
@@ -38445,7 +38445,7 @@
       </p:sp>
       <p:pic>
         <p:nvPicPr>
-          <p:cNvPr id="9" name="Object 8" descr="public/generated/icons/A888FFEA-E976-4F83-B7EC-288233BF62E6.png">    </p:cNvPr>
+          <p:cNvPr id="9" name="Object 8" descr="public/generated/icons/ABB08BA3-D14D-4BD9-A5E6-EF67C52D35C0.png">    </p:cNvPr>
           <p:cNvPicPr>
             <a:picLocks noChangeAspect="1"/>
           </p:cNvPicPr>
@@ -38501,7 +38501,7 @@
                 <a:ea typeface="Helvetica" pitchFamily="34" charset="-122"/>
                 <a:cs typeface="Helvetica" pitchFamily="34" charset="-120"/>
               </a:rPr>
-              <a:t>SIMULATED INSTRUMENT ANALYTICS</a:t>
+              <a:t>SIMULATED HISTORICAL INSTRUMENT ANALYTICS</a:t>
             </a:r>
             <a:endParaRPr lang="en-US" dirty="0"/>
           </a:p>
@@ -38534,7 +38534,7 @@
       </p:sp>
       <p:pic>
         <p:nvPicPr>
-          <p:cNvPr id="12" name="Object 11" descr="public/generated/icons/5d3775b0-ccb6-11e8-a3d8-09d2e3476a78.png">    </p:cNvPr>
+          <p:cNvPr id="12" name="Object 11" descr="public/generated/icons/A888FFEA-E976-4F83-B7EC-288233BF62E6.png">    </p:cNvPr>
           <p:cNvPicPr>
             <a:picLocks noChangeAspect="1"/>
           </p:cNvPicPr>
@@ -38590,7 +38590,7 @@
                 <a:ea typeface="Helvetica" pitchFamily="34" charset="-122"/>
                 <a:cs typeface="Helvetica" pitchFamily="34" charset="-120"/>
               </a:rPr>
-              <a:t>SIMULATED INSTRUMENTS ANALYTICS API</a:t>
+              <a:t>SIMULATED INSTRUMENT ANALYTICS</a:t>
             </a:r>
             <a:endParaRPr lang="en-US" dirty="0"/>
           </a:p>
@@ -38623,7 +38623,7 @@
       </p:sp>
       <p:pic>
         <p:nvPicPr>
-          <p:cNvPr id="15" name="Object 14" descr="/infrastructure/vmware-solutions/images/icons/singleNode_dr.svg">    </p:cNvPr>
+          <p:cNvPr id="15" name="Object 14" descr="public/generated/icons/5d3775b0-ccb6-11e8-a3d8-09d2e3476a78.png">    </p:cNvPr>
           <p:cNvPicPr>
             <a:picLocks noChangeAspect="1"/>
           </p:cNvPicPr>
@@ -38631,11 +38631,6 @@
         </p:nvPicPr>
         <p:blipFill>
           <a:blip r:embed="rId5"/>
-          <a:extLst>
-            <a:ext uri="{96DAC541-7B7A-43D3-8B79-37D633B846F1}">
-              <asvg:svgBlip xmlns:asvg="http://schemas.microsoft.com/office/drawing/2016/SVG/main" r:embed="rId6"/>
-            </a:ext>
-          </a:extLst>
           <a:stretch>
             <a:fillRect/>
           </a:stretch>
@@ -38684,7 +38679,7 @@
                 <a:ea typeface="Helvetica" pitchFamily="34" charset="-122"/>
                 <a:cs typeface="Helvetica" pitchFamily="34" charset="-120"/>
               </a:rPr>
-              <a:t>SINGLE-NODE TRIAL FOR DATA PROTECTION AND DISASTER RECOVERY</a:t>
+              <a:t>SIMULATED INSTRUMENTS ANALYTICS API</a:t>
             </a:r>
             <a:endParaRPr lang="en-US" dirty="0"/>
           </a:p>
@@ -38717,14 +38712,19 @@
       </p:sp>
       <p:pic>
         <p:nvPicPr>
-          <p:cNvPr id="18" name="Object 17" descr="public/generated/icons/cf329950-0a3e-11e8-922e-f1366c6e1c83-vcstrial.png">    </p:cNvPr>
-          <p:cNvPicPr>
-            <a:picLocks noChangeAspect="1"/>
-          </p:cNvPicPr>
-          <p:nvPr/>
-        </p:nvPicPr>
-        <p:blipFill>
-          <a:blip r:embed="rId7"/>
+          <p:cNvPr id="18" name="Object 17" descr="/infrastructure/vmware-solutions/images/icons/singleNode_dr.svg">    </p:cNvPr>
+          <p:cNvPicPr>
+            <a:picLocks noChangeAspect="1"/>
+          </p:cNvPicPr>
+          <p:nvPr/>
+        </p:nvPicPr>
+        <p:blipFill>
+          <a:blip r:embed="rId6"/>
+          <a:extLst>
+            <a:ext uri="{96DAC541-7B7A-43D3-8B79-37D633B846F1}">
+              <asvg:svgBlip xmlns:asvg="http://schemas.microsoft.com/office/drawing/2016/SVG/main" r:embed="rId7"/>
+            </a:ext>
+          </a:extLst>
           <a:stretch>
             <a:fillRect/>
           </a:stretch>
@@ -38773,7 +38773,7 @@
                 <a:ea typeface="Helvetica" pitchFamily="34" charset="-122"/>
                 <a:cs typeface="Helvetica" pitchFamily="34" charset="-120"/>
               </a:rPr>
-              <a:t>SINGLE-NODE TRIAL FOR MIGRATION AND APP MODERNIZATION</a:t>
+              <a:t>SINGLE-NODE TRIAL FOR DATA PROTECTION AND DISASTER RECOVERY</a:t>
             </a:r>
             <a:endParaRPr lang="en-US" dirty="0"/>
           </a:p>
@@ -38806,7 +38806,7 @@
       </p:sp>
       <p:pic>
         <p:nvPicPr>
-          <p:cNvPr id="21" name="Object 20" descr="public/generated/icons/151a321c-6289-420c-bce5-b2e9525c38a7.png">    </p:cNvPr>
+          <p:cNvPr id="21" name="Object 20" descr="public/generated/icons/cf329950-0a3e-11e8-922e-f1366c6e1c83-vcstrial.png">    </p:cNvPr>
           <p:cNvPicPr>
             <a:picLocks noChangeAspect="1"/>
           </p:cNvPicPr>
@@ -38862,7 +38862,7 @@
                 <a:ea typeface="Helvetica" pitchFamily="34" charset="-122"/>
                 <a:cs typeface="Helvetica" pitchFamily="34" charset="-120"/>
               </a:rPr>
-              <a:t>SIZEUP SMALL BUSINESS INTELLIGENCE</a:t>
+              <a:t>SINGLE-NODE TRIAL FOR MIGRATION AND APP MODERNIZATION</a:t>
             </a:r>
             <a:endParaRPr lang="en-US" dirty="0"/>
           </a:p>
@@ -38895,7 +38895,7 @@
       </p:sp>
       <p:pic>
         <p:nvPicPr>
-          <p:cNvPr id="24" name="Object 23" descr="public/generated/icons/cf329950-0a3e-11e8-922e-f1366c6e1c83-spplus.png">    </p:cNvPr>
+          <p:cNvPr id="24" name="Object 23" descr="public/generated/icons/151a321c-6289-420c-bce5-b2e9525c38a7.png">    </p:cNvPr>
           <p:cNvPicPr>
             <a:picLocks noChangeAspect="1"/>
           </p:cNvPicPr>
@@ -38951,7 +38951,7 @@
                 <a:ea typeface="Helvetica" pitchFamily="34" charset="-122"/>
                 <a:cs typeface="Helvetica" pitchFamily="34" charset="-120"/>
               </a:rPr>
-              <a:t>SPECTRUM PROTECT PLUS</a:t>
+              <a:t>SIZEUP SMALL BUSINESS INTELLIGENCE</a:t>
             </a:r>
             <a:endParaRPr lang="en-US" dirty="0"/>
           </a:p>
@@ -38984,7 +38984,7 @@
       </p:sp>
       <p:pic>
         <p:nvPicPr>
-          <p:cNvPr id="27" name="Object 26" descr="public/generated/icons/bc35fb8c-bc5b-431b-859e-3861771d5843.png">    </p:cNvPr>
+          <p:cNvPr id="27" name="Object 26" descr="public/generated/icons/cf329950-0a3e-11e8-922e-f1366c6e1c83-spplus.png">    </p:cNvPr>
           <p:cNvPicPr>
             <a:picLocks noChangeAspect="1"/>
           </p:cNvPicPr>
@@ -39040,7 +39040,7 @@
                 <a:ea typeface="Helvetica" pitchFamily="34" charset="-122"/>
                 <a:cs typeface="Helvetica" pitchFamily="34" charset="-120"/>
               </a:rPr>
-              <a:t>SPEECH TO TEXT</a:t>
+              <a:t>SPECTRUM PROTECT PLUS</a:t>
             </a:r>
             <a:endParaRPr lang="en-US" dirty="0"/>
           </a:p>
@@ -39073,7 +39073,7 @@
       </p:sp>
       <p:pic>
         <p:nvPicPr>
-          <p:cNvPr id="30" name="Object 29" descr="public/generated/icons/e7623978-519a-42e1-ba8f-67a10a883e3f.png">    </p:cNvPr>
+          <p:cNvPr id="30" name="Object 29" descr="public/generated/icons/bc35fb8c-bc5b-431b-859e-3861771d5843.png">    </p:cNvPr>
           <p:cNvPicPr>
             <a:picLocks noChangeAspect="1"/>
           </p:cNvPicPr>
@@ -39129,7 +39129,7 @@
                 <a:ea typeface="Helvetica" pitchFamily="34" charset="-122"/>
                 <a:cs typeface="Helvetica" pitchFamily="34" charset="-120"/>
               </a:rPr>
-              <a:t>SPLICE PRE-CAT INSURANCE NOTIFICATIONS</a:t>
+              <a:t>SPEECH TO TEXT</a:t>
             </a:r>
             <a:endParaRPr lang="en-US" dirty="0"/>
           </a:p>
@@ -39162,7 +39162,7 @@
       </p:sp>
       <p:pic>
         <p:nvPicPr>
-          <p:cNvPr id="33" name="Object 32" descr="public/generated/icons/a0814030-c9dd-11e7-9a5e-19d80fed5e00.png">    </p:cNvPr>
+          <p:cNvPr id="33" name="Object 32" descr="public/generated/icons/e7623978-519a-42e1-ba8f-67a10a883e3f.png">    </p:cNvPr>
           <p:cNvPicPr>
             <a:picLocks noChangeAspect="1"/>
           </p:cNvPicPr>
@@ -39218,7 +39218,7 @@
                 <a:ea typeface="Helvetica" pitchFamily="34" charset="-122"/>
                 <a:cs typeface="Helvetica" pitchFamily="34" charset="-120"/>
               </a:rPr>
-              <a:t>SQL QUERY</a:t>
+              <a:t>SPLICE PRE-CAT INSURANCE NOTIFICATIONS</a:t>
             </a:r>
             <a:endParaRPr lang="en-US" dirty="0"/>
           </a:p>
@@ -39251,7 +39251,7 @@
       </p:sp>
       <p:pic>
         <p:nvPicPr>
-          <p:cNvPr id="36" name="Object 35" descr="public/generated/icons/556153d0-5ad0-11e9-b7f9-41319ef22125.png">    </p:cNvPr>
+          <p:cNvPr id="36" name="Object 35" descr="public/generated/icons/a0814030-c9dd-11e7-9a5e-19d80fed5e00.png">    </p:cNvPr>
           <p:cNvPicPr>
             <a:picLocks noChangeAspect="1"/>
           </p:cNvPicPr>
@@ -39307,7 +39307,7 @@
                 <a:ea typeface="Helvetica" pitchFamily="34" charset="-122"/>
                 <a:cs typeface="Helvetica" pitchFamily="34" charset="-120"/>
               </a:rPr>
-              <a:t>SSH KEY FOR VPC</a:t>
+              <a:t>SQL QUERY</a:t>
             </a:r>
             <a:endParaRPr lang="en-US" dirty="0"/>
           </a:p>
@@ -39340,7 +39340,7 @@
       </p:sp>
       <p:pic>
         <p:nvPicPr>
-          <p:cNvPr id="39" name="Object 38" descr="public/generated/icons/19.png">    </p:cNvPr>
+          <p:cNvPr id="39" name="Object 38" descr="public/generated/icons/556153d0-5ad0-11e9-b7f9-41319ef22125.png">    </p:cNvPr>
           <p:cNvPicPr>
             <a:picLocks noChangeAspect="1"/>
           </p:cNvPicPr>
@@ -39396,7 +39396,7 @@
                 <a:ea typeface="Helvetica" pitchFamily="34" charset="-122"/>
                 <a:cs typeface="Helvetica" pitchFamily="34" charset="-120"/>
               </a:rPr>
-              <a:t>SSL CERTIFICATES</a:t>
+              <a:t>SSH KEY FOR VPC</a:t>
             </a:r>
             <a:endParaRPr lang="en-US" dirty="0"/>
           </a:p>
@@ -39429,7 +39429,7 @@
       </p:sp>
       <p:pic>
         <p:nvPicPr>
-          <p:cNvPr id="42" name="Object 41" descr="public/generated/icons/38ae3340-b0f3-470e-b0fc-db28f19be7da.png">    </p:cNvPr>
+          <p:cNvPr id="42" name="Object 41" descr="public/generated/icons/19.png">    </p:cNvPr>
           <p:cNvPicPr>
             <a:picLocks noChangeAspect="1"/>
           </p:cNvPicPr>
@@ -39485,7 +39485,7 @@
                 <a:ea typeface="Helvetica" pitchFamily="34" charset="-122"/>
                 <a:cs typeface="Helvetica" pitchFamily="34" charset="-120"/>
               </a:rPr>
-              <a:t>STRANDS BUSINESS FINANCIAL MANAGEMENT</a:t>
+              <a:t>SSL CERTIFICATES</a:t>
             </a:r>
             <a:endParaRPr lang="en-US" dirty="0"/>
           </a:p>
@@ -39518,7 +39518,7 @@
       </p:sp>
       <p:pic>
         <p:nvPicPr>
-          <p:cNvPr id="45" name="Object 44" descr="public/generated/icons/5acdbc42-8965-48f9-8a3c-1c728b6ed2c4.png">    </p:cNvPr>
+          <p:cNvPr id="45" name="Object 44" descr="public/generated/icons/38ae3340-b0f3-470e-b0fc-db28f19be7da.png">    </p:cNvPr>
           <p:cNvPicPr>
             <a:picLocks noChangeAspect="1"/>
           </p:cNvPicPr>
@@ -39574,7 +39574,7 @@
                 <a:ea typeface="Helvetica" pitchFamily="34" charset="-122"/>
                 <a:cs typeface="Helvetica" pitchFamily="34" charset="-120"/>
               </a:rPr>
-              <a:t>STREAMING ANALYTICS</a:t>
+              <a:t>STRANDS BUSINESS FINANCIAL MANAGEMENT</a:t>
             </a:r>
             <a:endParaRPr lang="en-US" dirty="0"/>
           </a:p>
@@ -39607,7 +39607,7 @@
       </p:sp>
       <p:pic>
         <p:nvPicPr>
-          <p:cNvPr id="48" name="Object 47" descr="public/generated/icons/is.subnet.png">    </p:cNvPr>
+          <p:cNvPr id="48" name="Object 47" descr="public/generated/icons/5acdbc42-8965-48f9-8a3c-1c728b6ed2c4.png">    </p:cNvPr>
           <p:cNvPicPr>
             <a:picLocks noChangeAspect="1"/>
           </p:cNvPicPr>
@@ -39663,7 +39663,7 @@
                 <a:ea typeface="Helvetica" pitchFamily="34" charset="-122"/>
                 <a:cs typeface="Helvetica" pitchFamily="34" charset="-120"/>
               </a:rPr>
-              <a:t>SUBNET</a:t>
+              <a:t>STREAMING ANALYTICS</a:t>
             </a:r>
             <a:endParaRPr lang="en-US" dirty="0"/>
           </a:p>
@@ -39696,7 +39696,7 @@
       </p:sp>
       <p:pic>
         <p:nvPicPr>
-          <p:cNvPr id="51" name="Object 50" descr="public/generated/icons/14.png">    </p:cNvPr>
+          <p:cNvPr id="51" name="Object 50" descr="public/generated/icons/is.subnet.png">    </p:cNvPr>
           <p:cNvPicPr>
             <a:picLocks noChangeAspect="1"/>
           </p:cNvPicPr>
@@ -39752,7 +39752,7 @@
                 <a:ea typeface="Helvetica" pitchFamily="34" charset="-122"/>
                 <a:cs typeface="Helvetica" pitchFamily="34" charset="-120"/>
               </a:rPr>
-              <a:t>SUBNETS/IPS</a:t>
+              <a:t>SUBNET</a:t>
             </a:r>
             <a:endParaRPr lang="en-US" dirty="0"/>
           </a:p>
@@ -39785,7 +39785,7 @@
       </p:sp>
       <p:pic>
         <p:nvPicPr>
-          <p:cNvPr id="54" name="Object 53" descr="public/generated/icons/983cd952-9671-47a7-908a-f59a076eb933.png">    </p:cNvPr>
+          <p:cNvPr id="54" name="Object 53" descr="public/generated/icons/14.png">    </p:cNvPr>
           <p:cNvPicPr>
             <a:picLocks noChangeAspect="1"/>
           </p:cNvPicPr>
@@ -39841,7 +39841,7 @@
                 <a:ea typeface="Helvetica" pitchFamily="34" charset="-122"/>
                 <a:cs typeface="Helvetica" pitchFamily="34" charset="-120"/>
               </a:rPr>
-              <a:t>TELSTRA MESSAGING API</a:t>
+              <a:t>SUBNETS/IPS</a:t>
             </a:r>
             <a:endParaRPr lang="en-US" dirty="0"/>
           </a:p>
@@ -39874,7 +39874,7 @@
       </p:sp>
       <p:pic>
         <p:nvPicPr>
-          <p:cNvPr id="57" name="Object 56" descr="public/generated/icons/282c1d79-9176-4597-9cff-941a8d6cfd4c.png">    </p:cNvPr>
+          <p:cNvPr id="57" name="Object 56" descr="public/generated/icons/983cd952-9671-47a7-908a-f59a076eb933.png">    </p:cNvPr>
           <p:cNvPicPr>
             <a:picLocks noChangeAspect="1"/>
           </p:cNvPicPr>
@@ -39930,7 +39930,7 @@
                 <a:ea typeface="Helvetica" pitchFamily="34" charset="-122"/>
                 <a:cs typeface="Helvetica" pitchFamily="34" charset="-120"/>
               </a:rPr>
-              <a:t>TEXT TO SPEECH</a:t>
+              <a:t>TELSTRA MESSAGING API</a:t>
             </a:r>
             <a:endParaRPr lang="en-US" dirty="0"/>
           </a:p>
@@ -39963,7 +39963,7 @@
       </p:sp>
       <p:pic>
         <p:nvPicPr>
-          <p:cNvPr id="60" name="Object 59" descr="public/generated/icons/8cf956de-e7c2-4a02-8f3b-ae554fa55cf8.png">    </p:cNvPr>
+          <p:cNvPr id="60" name="Object 59" descr="public/generated/icons/282c1d79-9176-4597-9cff-941a8d6cfd4c.png">    </p:cNvPr>
           <p:cNvPicPr>
             <a:picLocks noChangeAspect="1"/>
           </p:cNvPicPr>
@@ -40019,7 +40019,7 @@
                 <a:ea typeface="Helvetica" pitchFamily="34" charset="-122"/>
                 <a:cs typeface="Helvetica" pitchFamily="34" charset="-120"/>
               </a:rPr>
-              <a:t>TONE ANALYZER</a:t>
+              <a:t>TEXT TO SPEECH</a:t>
             </a:r>
             <a:endParaRPr lang="en-US" dirty="0"/>
           </a:p>
@@ -40052,7 +40052,7 @@
       </p:sp>
       <p:pic>
         <p:nvPicPr>
-          <p:cNvPr id="63" name="Object 62" descr="public/generated/icons/e512e5f0-64fb-11e8-9c23-830c05b8b729.png">    </p:cNvPr>
+          <p:cNvPr id="63" name="Object 62" descr="public/generated/icons/8cf956de-e7c2-4a02-8f3b-ae554fa55cf8.png">    </p:cNvPr>
           <p:cNvPicPr>
             <a:picLocks noChangeAspect="1"/>
           </p:cNvPicPr>
@@ -40108,7 +40108,7 @@
                 <a:ea typeface="Helvetica" pitchFamily="34" charset="-122"/>
                 <a:cs typeface="Helvetica" pitchFamily="34" charset="-120"/>
               </a:rPr>
-              <a:t>TOOLCHAIN</a:t>
+              <a:t>TONE ANALYZER</a:t>
             </a:r>
             <a:endParaRPr lang="en-US" dirty="0"/>
           </a:p>
@@ -40141,7 +40141,7 @@
       </p:sp>
       <p:pic>
         <p:nvPicPr>
-          <p:cNvPr id="66" name="Object 65" descr="public/generated/icons/10dcbebb-c6e6-40c8-a5ba-10b7fc16d38a.png">    </p:cNvPr>
+          <p:cNvPr id="66" name="Object 65" descr="public/generated/icons/e512e5f0-64fb-11e8-9c23-830c05b8b729.png">    </p:cNvPr>
           <p:cNvPicPr>
             <a:picLocks noChangeAspect="1"/>
           </p:cNvPicPr>
@@ -40197,7 +40197,7 @@
                 <a:ea typeface="Helvetica" pitchFamily="34" charset="-122"/>
                 <a:cs typeface="Helvetica" pitchFamily="34" charset="-120"/>
               </a:rPr>
-              <a:t>TOTUM RISK</a:t>
+              <a:t>TOOLCHAIN</a:t>
             </a:r>
             <a:endParaRPr lang="en-US" dirty="0"/>
           </a:p>
@@ -40230,7 +40230,7 @@
       </p:sp>
       <p:pic>
         <p:nvPicPr>
-          <p:cNvPr id="69" name="Object 68" descr="public/generated/icons/7e72e70b-546c-4dea-abe9-8a9a81f44943.png">    </p:cNvPr>
+          <p:cNvPr id="69" name="Object 68" descr="public/generated/icons/10dcbebb-c6e6-40c8-a5ba-10b7fc16d38a.png">    </p:cNvPr>
           <p:cNvPicPr>
             <a:picLocks noChangeAspect="1"/>
           </p:cNvPicPr>
@@ -40286,7 +40286,7 @@
                 <a:ea typeface="Helvetica" pitchFamily="34" charset="-122"/>
                 <a:cs typeface="Helvetica" pitchFamily="34" charset="-120"/>
               </a:rPr>
-              <a:t>TRADEIT</a:t>
+              <a:t>TOTUM RISK</a:t>
             </a:r>
             <a:endParaRPr lang="en-US" dirty="0"/>
           </a:p>
@@ -40319,7 +40319,7 @@
       </p:sp>
       <p:pic>
         <p:nvPicPr>
-          <p:cNvPr id="72" name="Object 71" descr="public/generated/icons/1e6f57b6-08fa-4579-b792-96eb536868e4.png">    </p:cNvPr>
+          <p:cNvPr id="72" name="Object 71" descr="public/generated/icons/7e72e70b-546c-4dea-abe9-8a9a81f44943.png">    </p:cNvPr>
           <p:cNvPicPr>
             <a:picLocks noChangeAspect="1"/>
           </p:cNvPicPr>
@@ -40375,7 +40375,7 @@
                 <a:ea typeface="Helvetica" pitchFamily="34" charset="-122"/>
                 <a:cs typeface="Helvetica" pitchFamily="34" charset="-120"/>
               </a:rPr>
-              <a:t>TWILIO AUTHY</a:t>
+              <a:t>TRADEIT</a:t>
             </a:r>
             <a:endParaRPr lang="en-US" dirty="0"/>
           </a:p>
@@ -40408,7 +40408,7 @@
       </p:sp>
       <p:pic>
         <p:nvPicPr>
-          <p:cNvPr id="75" name="Object 74" descr="public/generated/icons/645ca653-38b8-4bbe-a532-f3511683d65a.png">    </p:cNvPr>
+          <p:cNvPr id="75" name="Object 74" descr="public/generated/icons/1e6f57b6-08fa-4579-b792-96eb536868e4.png">    </p:cNvPr>
           <p:cNvPicPr>
             <a:picLocks noChangeAspect="1"/>
           </p:cNvPicPr>
@@ -40464,7 +40464,7 @@
                 <a:ea typeface="Helvetica" pitchFamily="34" charset="-122"/>
                 <a:cs typeface="Helvetica" pitchFamily="34" charset="-120"/>
               </a:rPr>
-              <a:t>TWILIO PROGRAMMABLE SMS</a:t>
+              <a:t>TWILIO AUTHY</a:t>
             </a:r>
             <a:endParaRPr lang="en-US" dirty="0"/>
           </a:p>
@@ -40497,7 +40497,7 @@
       </p:sp>
       <p:pic>
         <p:nvPicPr>
-          <p:cNvPr id="78" name="Object 77" descr="public/generated/icons/652414f6-7c44-4faa-8075-5b9219e9a05a.png">    </p:cNvPr>
+          <p:cNvPr id="78" name="Object 77" descr="public/generated/icons/645ca653-38b8-4bbe-a532-f3511683d65a.png">    </p:cNvPr>
           <p:cNvPicPr>
             <a:picLocks noChangeAspect="1"/>
           </p:cNvPicPr>
@@ -40553,7 +40553,7 @@
                 <a:ea typeface="Helvetica" pitchFamily="34" charset="-122"/>
                 <a:cs typeface="Helvetica" pitchFamily="34" charset="-120"/>
               </a:rPr>
-              <a:t>TWILIO PROGRAMMABLE VIDEO</a:t>
+              <a:t>TWILIO PROGRAMMABLE SMS</a:t>
             </a:r>
             <a:endParaRPr lang="en-US" dirty="0"/>
           </a:p>
@@ -40586,7 +40586,7 @@
       </p:sp>
       <p:pic>
         <p:nvPicPr>
-          <p:cNvPr id="81" name="Object 80" descr="public/generated/icons/477c8d09-81e9-48e2-b04c-6157bb2f234f.png">    </p:cNvPr>
+          <p:cNvPr id="81" name="Object 80" descr="public/generated/icons/652414f6-7c44-4faa-8075-5b9219e9a05a.png">    </p:cNvPr>
           <p:cNvPicPr>
             <a:picLocks noChangeAspect="1"/>
           </p:cNvPicPr>
@@ -40642,7 +40642,7 @@
                 <a:ea typeface="Helvetica" pitchFamily="34" charset="-122"/>
                 <a:cs typeface="Helvetica" pitchFamily="34" charset="-120"/>
               </a:rPr>
-              <a:t>TWILIO PROGRAMMABLE VOICE</a:t>
+              <a:t>TWILIO PROGRAMMABLE VIDEO</a:t>
             </a:r>
             <a:endParaRPr lang="en-US" dirty="0"/>
           </a:p>
@@ -40675,7 +40675,7 @@
       </p:sp>
       <p:pic>
         <p:nvPicPr>
-          <p:cNvPr id="84" name="Object 83" descr="public/generated/icons/efe0bdb3-7a00-44e9-bb4b-3d6209d5d3c4.png">    </p:cNvPr>
+          <p:cNvPr id="84" name="Object 83" descr="public/generated/icons/477c8d09-81e9-48e2-b04c-6157bb2f234f.png">    </p:cNvPr>
           <p:cNvPicPr>
             <a:picLocks noChangeAspect="1"/>
           </p:cNvPicPr>
@@ -40731,7 +40731,7 @@
                 <a:ea typeface="Helvetica" pitchFamily="34" charset="-122"/>
                 <a:cs typeface="Helvetica" pitchFamily="34" charset="-120"/>
               </a:rPr>
-              <a:t>TWILIO VERIFY</a:t>
+              <a:t>TWILIO PROGRAMMABLE VOICE</a:t>
             </a:r>
             <a:endParaRPr lang="en-US" dirty="0"/>
           </a:p>
@@ -40764,7 +40764,7 @@
       </p:sp>
       <p:pic>
         <p:nvPicPr>
-          <p:cNvPr id="87" name="Object 86" descr="public/generated/icons/5f5fa0b9-fd41-4d55-8f4b-81a154580170.png">    </p:cNvPr>
+          <p:cNvPr id="87" name="Object 86" descr="public/generated/icons/efe0bdb3-7a00-44e9-bb4b-3d6209d5d3c4.png">    </p:cNvPr>
           <p:cNvPicPr>
             <a:picLocks noChangeAspect="1"/>
           </p:cNvPicPr>
@@ -40820,7 +40820,7 @@
                 <a:ea typeface="Helvetica" pitchFamily="34" charset="-122"/>
                 <a:cs typeface="Helvetica" pitchFamily="34" charset="-120"/>
               </a:rPr>
-              <a:t>UCLOUD MULTITENANT CORE PLATFORM FOR VMWARE</a:t>
+              <a:t>TWILIO VERIFY</a:t>
             </a:r>
             <a:endParaRPr lang="en-US" dirty="0"/>
           </a:p>
@@ -40853,7 +40853,7 @@
       </p:sp>
       <p:pic>
         <p:nvPicPr>
-          <p:cNvPr id="90" name="Object 89" descr="public/generated/icons/ed1c54af-979b-47eb-b97a-4b6aa4aaebfb.png">    </p:cNvPr>
+          <p:cNvPr id="90" name="Object 89" descr="public/generated/icons/5f5fa0b9-fd41-4d55-8f4b-81a154580170.png">    </p:cNvPr>
           <p:cNvPicPr>
             <a:picLocks noChangeAspect="1"/>
           </p:cNvPicPr>
@@ -40909,7 +40909,7 @@
                 <a:ea typeface="Helvetica" pitchFamily="34" charset="-122"/>
                 <a:cs typeface="Helvetica" pitchFamily="34" charset="-120"/>
               </a:rPr>
-              <a:t>UNIFICATIONENGINE</a:t>
+              <a:t>UCLOUD MULTITENANT CORE PLATFORM FOR VMWARE</a:t>
             </a:r>
             <a:endParaRPr lang="en-US" dirty="0"/>
           </a:p>
@@ -40942,7 +40942,7 @@
       </p:sp>
       <p:pic>
         <p:nvPicPr>
-          <p:cNvPr id="93" name="Object 92" descr="public/generated/icons/cf329950-0a3e-11e8-922e-f1366c6e1c83-veeam.png">    </p:cNvPr>
+          <p:cNvPr id="93" name="Object 92" descr="public/generated/icons/ed1c54af-979b-47eb-b97a-4b6aa4aaebfb.png">    </p:cNvPr>
           <p:cNvPicPr>
             <a:picLocks noChangeAspect="1"/>
           </p:cNvPicPr>
@@ -40998,7 +40998,7 @@
                 <a:ea typeface="Helvetica" pitchFamily="34" charset="-122"/>
                 <a:cs typeface="Helvetica" pitchFamily="34" charset="-120"/>
               </a:rPr>
-              <a:t>VEEAM</a:t>
+              <a:t>UNIFICATIONENGINE</a:t>
             </a:r>
             <a:endParaRPr lang="en-US" dirty="0"/>
           </a:p>
@@ -41031,7 +41031,7 @@
       </p:sp>
       <p:pic>
         <p:nvPicPr>
-          <p:cNvPr id="96" name="Object 95" descr="public/generated/icons/b4ac189e-d717-52a9-449e-208b4ffdd8b1.png">    </p:cNvPr>
+          <p:cNvPr id="96" name="Object 95" descr="public/generated/icons/cf329950-0a3e-11e8-922e-f1366c6e1c83-veeam.png">    </p:cNvPr>
           <p:cNvPicPr>
             <a:picLocks noChangeAspect="1"/>
           </p:cNvPicPr>
@@ -41087,7 +41087,7 @@
                 <a:ea typeface="Helvetica" pitchFamily="34" charset="-122"/>
                 <a:cs typeface="Helvetica" pitchFamily="34" charset="-120"/>
               </a:rPr>
-              <a:t>VEEAM AVAILABILITY SUITE FOR VIRTUAL SERVER</a:t>
+              <a:t>VEEAM</a:t>
             </a:r>
             <a:endParaRPr lang="en-US" dirty="0"/>
           </a:p>
@@ -41120,7 +41120,7 @@
       </p:sp>
       <p:pic>
         <p:nvPicPr>
-          <p:cNvPr id="99" name="Object 98" descr="public/generated/icons/is.vpc.png">    </p:cNvPr>
+          <p:cNvPr id="99" name="Object 98" descr="public/generated/icons/b4ac189e-d717-52a9-449e-208b4ffdd8b1.png">    </p:cNvPr>
           <p:cNvPicPr>
             <a:picLocks noChangeAspect="1"/>
           </p:cNvPicPr>
@@ -41176,7 +41176,7 @@
                 <a:ea typeface="Helvetica" pitchFamily="34" charset="-122"/>
                 <a:cs typeface="Helvetica" pitchFamily="34" charset="-120"/>
               </a:rPr>
-              <a:t>VIRTUAL PRIVATE CLOUD</a:t>
+              <a:t>VEEAM AVAILABILITY SUITE FOR VIRTUAL SERVER</a:t>
             </a:r>
             <a:endParaRPr lang="en-US" dirty="0"/>
           </a:p>
@@ -41209,7 +41209,7 @@
       </p:sp>
       <p:pic>
         <p:nvPicPr>
-          <p:cNvPr id="102" name="Object 101" descr="public/generated/icons/887073fb-ba5b-9407-d2ac-938308d890e4.png">    </p:cNvPr>
+          <p:cNvPr id="102" name="Object 101" descr="public/generated/icons/is.vpc.png">    </p:cNvPr>
           <p:cNvPicPr>
             <a:picLocks noChangeAspect="1"/>
           </p:cNvPicPr>
@@ -41265,7 +41265,7 @@
                 <a:ea typeface="Helvetica" pitchFamily="34" charset="-122"/>
                 <a:cs typeface="Helvetica" pitchFamily="34" charset="-120"/>
               </a:rPr>
-              <a:t>VIRTUAL ROUTER APPLIANCE</a:t>
+              <a:t>VIRTUAL PRIVATE CLOUD</a:t>
             </a:r>
             <a:endParaRPr lang="en-US" dirty="0"/>
           </a:p>
@@ -41298,7 +41298,7 @@
       </p:sp>
       <p:pic>
         <p:nvPicPr>
-          <p:cNvPr id="105" name="Object 104" descr="public/generated/icons/virtual-server-group.png">    </p:cNvPr>
+          <p:cNvPr id="105" name="Object 104" descr="public/generated/icons/887073fb-ba5b-9407-d2ac-938308d890e4.png">    </p:cNvPr>
           <p:cNvPicPr>
             <a:picLocks noChangeAspect="1"/>
           </p:cNvPicPr>
@@ -41354,7 +41354,7 @@
                 <a:ea typeface="Helvetica" pitchFamily="34" charset="-122"/>
                 <a:cs typeface="Helvetica" pitchFamily="34" charset="-120"/>
               </a:rPr>
-              <a:t>VIRTUAL SERVER</a:t>
+              <a:t>VIRTUAL ROUTER APPLIANCE</a:t>
             </a:r>
             <a:endParaRPr lang="en-US" dirty="0"/>
           </a:p>
@@ -41387,7 +41387,7 @@
       </p:sp>
       <p:pic>
         <p:nvPicPr>
-          <p:cNvPr id="108" name="Object 107" descr="public/generated/icons/is.instance.png">    </p:cNvPr>
+          <p:cNvPr id="108" name="Object 107" descr="public/generated/icons/virtual-server-group.png">    </p:cNvPr>
           <p:cNvPicPr>
             <a:picLocks noChangeAspect="1"/>
           </p:cNvPicPr>
@@ -41443,7 +41443,7 @@
                 <a:ea typeface="Helvetica" pitchFamily="34" charset="-122"/>
                 <a:cs typeface="Helvetica" pitchFamily="34" charset="-120"/>
               </a:rPr>
-              <a:t>VIRTUAL SERVER FOR VPC</a:t>
+              <a:t>VIRTUAL SERVER</a:t>
             </a:r>
             <a:endParaRPr lang="en-US" dirty="0"/>
           </a:p>
@@ -41509,7 +41509,7 @@
       </p:sp>
       <p:pic>
         <p:nvPicPr>
-          <p:cNvPr id="3" name="Object 2" descr="public/generated/icons/700c7e8b-6609-71eb-e136-0a0f0ef9c2a2.png">    </p:cNvPr>
+          <p:cNvPr id="3" name="Object 2" descr="public/generated/icons/is.instance.png">    </p:cNvPr>
           <p:cNvPicPr>
             <a:picLocks noChangeAspect="1"/>
           </p:cNvPicPr>
@@ -41565,7 +41565,7 @@
                 <a:ea typeface="Helvetica" pitchFamily="34" charset="-122"/>
                 <a:cs typeface="Helvetica" pitchFamily="34" charset="-120"/>
               </a:rPr>
-              <a:t>VISUAL RECOGNITION</a:t>
+              <a:t>VIRTUAL SERVER FOR VPC</a:t>
             </a:r>
             <a:endParaRPr lang="en-US" dirty="0"/>
           </a:p>
@@ -41598,7 +41598,7 @@
       </p:sp>
       <p:pic>
         <p:nvPicPr>
-          <p:cNvPr id="6" name="Object 5" descr="public/generated/icons/15.png">    </p:cNvPr>
+          <p:cNvPr id="6" name="Object 5" descr="public/generated/icons/700c7e8b-6609-71eb-e136-0a0f0ef9c2a2.png">    </p:cNvPr>
           <p:cNvPicPr>
             <a:picLocks noChangeAspect="1"/>
           </p:cNvPicPr>
@@ -41654,7 +41654,7 @@
                 <a:ea typeface="Helvetica" pitchFamily="34" charset="-122"/>
                 <a:cs typeface="Helvetica" pitchFamily="34" charset="-120"/>
               </a:rPr>
-              <a:t>VLAN</a:t>
+              <a:t>VISUAL RECOGNITION</a:t>
             </a:r>
             <a:endParaRPr lang="en-US" dirty="0"/>
           </a:p>
@@ -41687,7 +41687,7 @@
       </p:sp>
       <p:pic>
         <p:nvPicPr>
-          <p:cNvPr id="9" name="Object 8" descr="public/generated/icons/cf329950-0a3e-11e8-922e-f1366c6e1c83.png">    </p:cNvPr>
+          <p:cNvPr id="9" name="Object 8" descr="public/generated/icons/15.png">    </p:cNvPr>
           <p:cNvPicPr>
             <a:picLocks noChangeAspect="1"/>
           </p:cNvPicPr>
@@ -41743,7 +41743,7 @@
                 <a:ea typeface="Helvetica" pitchFamily="34" charset="-122"/>
                 <a:cs typeface="Helvetica" pitchFamily="34" charset="-120"/>
               </a:rPr>
-              <a:t>VMWARE SOLUTIONS</a:t>
+              <a:t>VLAN</a:t>
             </a:r>
             <a:endParaRPr lang="en-US" dirty="0"/>
           </a:p>
@@ -41776,7 +41776,7 @@
       </p:sp>
       <p:pic>
         <p:nvPicPr>
-          <p:cNvPr id="12" name="Object 11" descr="public/generated/icons/cf329950-0a3e-11e8-922e-f1366c6e1c83-vcenterserver.png">    </p:cNvPr>
+          <p:cNvPr id="12" name="Object 11" descr="public/generated/icons/cf329950-0a3e-11e8-922e-f1366c6e1c83.png">    </p:cNvPr>
           <p:cNvPicPr>
             <a:picLocks noChangeAspect="1"/>
           </p:cNvPicPr>
@@ -41832,7 +41832,7 @@
                 <a:ea typeface="Helvetica" pitchFamily="34" charset="-122"/>
                 <a:cs typeface="Helvetica" pitchFamily="34" charset="-120"/>
               </a:rPr>
-              <a:t>VMWARE VCENTER SERVER</a:t>
+              <a:t>VMWARE SOLUTIONS</a:t>
             </a:r>
             <a:endParaRPr lang="en-US" dirty="0"/>
           </a:p>
@@ -41865,7 +41865,7 @@
       </p:sp>
       <p:pic>
         <p:nvPicPr>
-          <p:cNvPr id="15" name="Object 14" descr="public/generated/icons/cf329950-0a3e-11e8-922e-f1366c6e1c83-vsphere.png">    </p:cNvPr>
+          <p:cNvPr id="15" name="Object 14" descr="public/generated/icons/cf329950-0a3e-11e8-922e-f1366c6e1c83-vcenterserver.png">    </p:cNvPr>
           <p:cNvPicPr>
             <a:picLocks noChangeAspect="1"/>
           </p:cNvPicPr>
@@ -41921,7 +41921,7 @@
                 <a:ea typeface="Helvetica" pitchFamily="34" charset="-122"/>
                 <a:cs typeface="Helvetica" pitchFamily="34" charset="-120"/>
               </a:rPr>
-              <a:t>VMWARE VSPHERE</a:t>
+              <a:t>VMWARE VCENTER SERVER</a:t>
             </a:r>
             <a:endParaRPr lang="en-US" dirty="0"/>
           </a:p>
@@ -41954,7 +41954,7 @@
       </p:sp>
       <p:pic>
         <p:nvPicPr>
-          <p:cNvPr id="18" name="Object 17" descr="public/generated/icons/VoiceAgent09152017.png">    </p:cNvPr>
+          <p:cNvPr id="18" name="Object 17" descr="public/generated/icons/cf329950-0a3e-11e8-922e-f1366c6e1c83-vsphere.png">    </p:cNvPr>
           <p:cNvPicPr>
             <a:picLocks noChangeAspect="1"/>
           </p:cNvPicPr>
@@ -42010,7 +42010,7 @@
                 <a:ea typeface="Helvetica" pitchFamily="34" charset="-122"/>
                 <a:cs typeface="Helvetica" pitchFamily="34" charset="-120"/>
               </a:rPr>
-              <a:t>VOICE AGENT WITH WATSON</a:t>
+              <a:t>VMWARE VSPHERE</a:t>
             </a:r>
             <a:endParaRPr lang="en-US" dirty="0"/>
           </a:p>
@@ -42043,7 +42043,7 @@
       </p:sp>
       <p:pic>
         <p:nvPicPr>
-          <p:cNvPr id="21" name="Object 20" descr="public/generated/icons/is.vpn.png">    </p:cNvPr>
+          <p:cNvPr id="21" name="Object 20" descr="public/generated/icons/VoiceAgent09152017.png">    </p:cNvPr>
           <p:cNvPicPr>
             <a:picLocks noChangeAspect="1"/>
           </p:cNvPicPr>
@@ -42099,7 +42099,7 @@
                 <a:ea typeface="Helvetica" pitchFamily="34" charset="-122"/>
                 <a:cs typeface="Helvetica" pitchFamily="34" charset="-120"/>
               </a:rPr>
-              <a:t>VPN FOR VPC</a:t>
+              <a:t>VOICE AGENT WITH WATSON</a:t>
             </a:r>
             <a:endParaRPr lang="en-US" dirty="0"/>
           </a:p>
@@ -42132,7 +42132,7 @@
       </p:sp>
       <p:pic>
         <p:nvPicPr>
-          <p:cNvPr id="24" name="Object 23" descr="/infrastructure/vmware-solutions/images/icons/vROM.svg">    </p:cNvPr>
+          <p:cNvPr id="24" name="Object 23" descr="public/generated/icons/is.vpn.png">    </p:cNvPr>
           <p:cNvPicPr>
             <a:picLocks noChangeAspect="1"/>
           </p:cNvPicPr>
@@ -42140,11 +42140,6 @@
         </p:nvPicPr>
         <p:blipFill>
           <a:blip r:embed="rId8"/>
-          <a:extLst>
-            <a:ext uri="{96DAC541-7B7A-43D3-8B79-37D633B846F1}">
-              <asvg:svgBlip xmlns:asvg="http://schemas.microsoft.com/office/drawing/2016/SVG/main" r:embed="rId9"/>
-            </a:ext>
-          </a:extLst>
           <a:stretch>
             <a:fillRect/>
           </a:stretch>
@@ -42193,7 +42188,7 @@
                 <a:ea typeface="Helvetica" pitchFamily="34" charset="-122"/>
                 <a:cs typeface="Helvetica" pitchFamily="34" charset="-120"/>
               </a:rPr>
-              <a:t>VREALIZE OPERATIONS AND LOG INSIGHT</a:t>
+              <a:t>VPN FOR VPC</a:t>
             </a:r>
             <a:endParaRPr lang="en-US" dirty="0"/>
           </a:p>
@@ -42226,14 +42221,19 @@
       </p:sp>
       <p:pic>
         <p:nvPicPr>
-          <p:cNvPr id="27" name="Object 26" descr="public/generated/icons/7045626d-55e3-4418-be11-683a26dbc1e5.png">    </p:cNvPr>
-          <p:cNvPicPr>
-            <a:picLocks noChangeAspect="1"/>
-          </p:cNvPicPr>
-          <p:nvPr/>
-        </p:nvPicPr>
-        <p:blipFill>
-          <a:blip r:embed="rId10"/>
+          <p:cNvPr id="27" name="Object 26" descr="/infrastructure/vmware-solutions/images/icons/vROM.svg">    </p:cNvPr>
+          <p:cNvPicPr>
+            <a:picLocks noChangeAspect="1"/>
+          </p:cNvPicPr>
+          <p:nvPr/>
+        </p:nvPicPr>
+        <p:blipFill>
+          <a:blip r:embed="rId9"/>
+          <a:extLst>
+            <a:ext uri="{96DAC541-7B7A-43D3-8B79-37D633B846F1}">
+              <asvg:svgBlip xmlns:asvg="http://schemas.microsoft.com/office/drawing/2016/SVG/main" r:embed="rId10"/>
+            </a:ext>
+          </a:extLst>
           <a:stretch>
             <a:fillRect/>
           </a:stretch>
@@ -42282,7 +42282,7 @@
                 <a:ea typeface="Helvetica" pitchFamily="34" charset="-122"/>
                 <a:cs typeface="Helvetica" pitchFamily="34" charset="-120"/>
               </a:rPr>
-              <a:t>WATSON ASSISTANT</a:t>
+              <a:t>VREALIZE OPERATIONS AND LOG INSIGHT</a:t>
             </a:r>
             <a:endParaRPr lang="en-US" dirty="0"/>
           </a:p>
@@ -42315,7 +42315,7 @@
       </p:sp>
       <p:pic>
         <p:nvPicPr>
-          <p:cNvPr id="30" name="Object 29" descr="public/generated/icons/2ad019f3-0fd6-4c25-966d-f3952481a870.png">    </p:cNvPr>
+          <p:cNvPr id="30" name="Object 29" descr="public/generated/icons/7045626d-55e3-4418-be11-683a26dbc1e5.png">    </p:cNvPr>
           <p:cNvPicPr>
             <a:picLocks noChangeAspect="1"/>
           </p:cNvPicPr>
@@ -42371,7 +42371,7 @@
                 <a:ea typeface="Helvetica" pitchFamily="34" charset="-122"/>
                 <a:cs typeface="Helvetica" pitchFamily="34" charset="-120"/>
               </a:rPr>
-              <a:t>WATSON OPENSCALE</a:t>
+              <a:t>WATSON ASSISTANT</a:t>
             </a:r>
             <a:endParaRPr lang="en-US" dirty="0"/>
           </a:p>
@@ -42404,7 +42404,7 @@
       </p:sp>
       <p:pic>
         <p:nvPicPr>
-          <p:cNvPr id="33" name="Object 32" descr="public/generated/icons/39ba9d4c-b1c5-4cc3-a163-38b580121e01.png">    </p:cNvPr>
+          <p:cNvPr id="33" name="Object 32" descr="public/generated/icons/2ad019f3-0fd6-4c25-966d-f3952481a870.png">    </p:cNvPr>
           <p:cNvPicPr>
             <a:picLocks noChangeAspect="1"/>
           </p:cNvPicPr>
@@ -42460,7 +42460,7 @@
                 <a:ea typeface="Helvetica" pitchFamily="34" charset="-122"/>
                 <a:cs typeface="Helvetica" pitchFamily="34" charset="-120"/>
               </a:rPr>
-              <a:t>WATSON STUDIO</a:t>
+              <a:t>WATSON OPENSCALE</a:t>
             </a:r>
             <a:endParaRPr lang="en-US" dirty="0"/>
           </a:p>
@@ -42493,7 +42493,7 @@
       </p:sp>
       <p:pic>
         <p:nvPicPr>
-          <p:cNvPr id="36" name="Object 35" descr="public/generated/icons/28aa8e2c-1121-4592-94ed-8b7414eb33be.png">    </p:cNvPr>
+          <p:cNvPr id="36" name="Object 35" descr="public/generated/icons/39ba9d4c-b1c5-4cc3-a163-38b580121e01.png">    </p:cNvPr>
           <p:cNvPicPr>
             <a:picLocks noChangeAspect="1"/>
           </p:cNvPicPr>
@@ -42549,7 +42549,7 @@
                 <a:ea typeface="Helvetica" pitchFamily="34" charset="-122"/>
                 <a:cs typeface="Helvetica" pitchFamily="34" charset="-120"/>
               </a:rPr>
-              <a:t>WEALTHENGINE API</a:t>
+              <a:t>WATSON STUDIO</a:t>
             </a:r>
             <a:endParaRPr lang="en-US" dirty="0"/>
           </a:p>
@@ -42582,7 +42582,7 @@
       </p:sp>
       <p:pic>
         <p:nvPicPr>
-          <p:cNvPr id="39" name="Object 38" descr="public/generated/icons/01231964-3f23-46f0-850e-07c7a02bb3a0.png">    </p:cNvPr>
+          <p:cNvPr id="39" name="Object 38" descr="public/generated/icons/28aa8e2c-1121-4592-94ed-8b7414eb33be.png">    </p:cNvPr>
           <p:cNvPicPr>
             <a:picLocks noChangeAspect="1"/>
           </p:cNvPicPr>
@@ -42638,7 +42638,7 @@
                 <a:ea typeface="Helvetica" pitchFamily="34" charset="-122"/>
                 <a:cs typeface="Helvetica" pitchFamily="34" charset="-120"/>
               </a:rPr>
-              <a:t>WEBSPHERE APPLICATION SERVER</a:t>
+              <a:t>WEALTHENGINE API</a:t>
             </a:r>
             <a:endParaRPr lang="en-US" dirty="0"/>
           </a:p>
@@ -42671,7 +42671,7 @@
       </p:sp>
       <p:pic>
         <p:nvPicPr>
-          <p:cNvPr id="42" name="Object 41" descr="public/generated/icons/f8a3f6e9-3a1b-4559-a529-26e94702518d.png">    </p:cNvPr>
+          <p:cNvPr id="42" name="Object 41" descr="public/generated/icons/01231964-3f23-46f0-850e-07c7a02bb3a0.png">    </p:cNvPr>
           <p:cNvPicPr>
             <a:picLocks noChangeAspect="1"/>
           </p:cNvPicPr>
@@ -42727,7 +42727,7 @@
                 <a:ea typeface="Helvetica" pitchFamily="34" charset="-122"/>
                 <a:cs typeface="Helvetica" pitchFamily="34" charset="-120"/>
               </a:rPr>
-              <a:t>XIGNITE MARKET DATA APIS</a:t>
+              <a:t>WEBSPHERE APPLICATION SERVER</a:t>
             </a:r>
             <a:endParaRPr lang="en-US" dirty="0"/>
           </a:p>
@@ -42760,7 +42760,7 @@
       </p:sp>
       <p:pic>
         <p:nvPicPr>
-          <p:cNvPr id="45" name="Object 44" descr="public/generated/icons/bdd3cc41-1774-4bf7-9044-22d93dfa6853.png">    </p:cNvPr>
+          <p:cNvPr id="45" name="Object 44" descr="public/generated/icons/f8a3f6e9-3a1b-4559-a529-26e94702518d.png">    </p:cNvPr>
           <p:cNvPicPr>
             <a:picLocks noChangeAspect="1"/>
           </p:cNvPicPr>
@@ -42816,7 +42816,7 @@
                 <a:ea typeface="Helvetica" pitchFamily="34" charset="-122"/>
                 <a:cs typeface="Helvetica" pitchFamily="34" charset="-120"/>
               </a:rPr>
-              <a:t>YLABS</a:t>
+              <a:t>XIGNITE MARKET DATA APIS</a:t>
             </a:r>
             <a:endParaRPr lang="en-US" dirty="0"/>
           </a:p>
@@ -42849,7 +42849,7 @@
       </p:sp>
       <p:pic>
         <p:nvPicPr>
-          <p:cNvPr id="48" name="Object 47" descr="public/generated/icons/cf329950-0a3e-11e8-922e-f1366c6e1c83-zerto.png">    </p:cNvPr>
+          <p:cNvPr id="48" name="Object 47" descr="public/generated/icons/bdd3cc41-1774-4bf7-9044-22d93dfa6853.png">    </p:cNvPr>
           <p:cNvPicPr>
             <a:picLocks noChangeAspect="1"/>
           </p:cNvPicPr>
@@ -42880,6 +42880,95 @@
         <p:spPr>
           <a:xfrm>
             <a:off x="5669280" y="1874520"/>
+            <a:ext cx="640080" cy="274320"/>
+          </a:xfrm>
+          <a:prstGeom prst="rect">
+            <a:avLst/>
+          </a:prstGeom>
+          <a:noFill/>
+        </p:spPr>
+        <p:txBody>
+          <a:bodyPr wrap="square" rtlCol="0" anchor="t" bIns="0" lIns="0" rIns="0" tIns="0">
+            <a:spAutoFit/>
+          </a:bodyPr>
+          <a:lstStyle/>
+          <a:p>
+            <a:pPr algn="ctr">
+              <a:buNone/>
+            </a:pPr>
+            <a:r>
+              <a:rPr lang="en-US" b="1" sz="600" dirty="0" smtClean="0">
+                <a:solidFill>
+                  <a:srgbClr val="646365"/>
+                </a:solidFill>
+                <a:latin typeface="Helvetica" pitchFamily="34" charset="0"/>
+                <a:ea typeface="Helvetica" pitchFamily="34" charset="-122"/>
+                <a:cs typeface="Helvetica" pitchFamily="34" charset="-120"/>
+              </a:rPr>
+              <a:t>YLABS</a:t>
+            </a:r>
+            <a:endParaRPr lang="en-US" dirty="0"/>
+          </a:p>
+        </p:txBody>
+      </p:sp>
+      <p:sp>
+        <p:nvSpPr>
+          <p:cNvPr id="50" name="Object 49"/>
+          <p:cNvSpPr/>
+          <p:nvPr/>
+        </p:nvSpPr>
+        <p:spPr>
+          <a:xfrm>
+            <a:off x="6675120" y="1371600"/>
+            <a:ext cx="457200" cy="457200"/>
+          </a:xfrm>
+          <a:prstGeom prst="ellipse">
+            <a:avLst/>
+          </a:prstGeom>
+          <a:solidFill>
+            <a:srgbClr val="FFFFFF"/>
+          </a:solidFill>
+          <a:ln w="19050">
+            <a:solidFill>
+              <a:srgbClr val="646365"/>
+            </a:solidFill>
+            <a:prstDash val="solid"/>
+          </a:ln>
+        </p:spPr>
+      </p:sp>
+      <p:pic>
+        <p:nvPicPr>
+          <p:cNvPr id="51" name="Object 50" descr="public/generated/icons/cf329950-0a3e-11e8-922e-f1366c6e1c83-zerto.png">    </p:cNvPr>
+          <p:cNvPicPr>
+            <a:picLocks noChangeAspect="1"/>
+          </p:cNvPicPr>
+          <p:nvPr/>
+        </p:nvPicPr>
+        <p:blipFill>
+          <a:blip r:embed="rId18"/>
+          <a:stretch>
+            <a:fillRect/>
+          </a:stretch>
+        </p:blipFill>
+        <p:spPr>
+          <a:xfrm>
+            <a:off x="6766560" y="1463040"/>
+            <a:ext cx="274320" cy="274320"/>
+          </a:xfrm>
+          <a:prstGeom prst="rect">
+            <a:avLst/>
+          </a:prstGeom>
+        </p:spPr>
+      </p:pic>
+      <p:sp>
+        <p:nvSpPr>
+          <p:cNvPr id="52" name="Object 51"/>
+          <p:cNvSpPr/>
+          <p:nvPr/>
+        </p:nvSpPr>
+        <p:spPr>
+          <a:xfrm>
+            <a:off x="6583680" y="1874520"/>
             <a:ext cx="640080" cy="274320"/>
           </a:xfrm>
           <a:prstGeom prst="rect">

--- a/ibmcloud-architecture-diagram-template.pptx
+++ b/ibmcloud-architecture-diagram-template.pptx
@@ -525,7 +525,7 @@
           <a:p>
             <a:r>
               <a:rPr lang="en-US" dirty="0" smtClean="0"/>
-              <a:t>Generated on Mon Dec 09 2019 11:19:22 GMT-0500 (EST)</a:t>
+              <a:t>Generated on Mon Dec 09 2019 11:25:52 GMT-0500 (EST)</a:t>
             </a:r>
             <a:endParaRPr lang="en-US" dirty="0"/>
           </a:p>

--- a/ibmcloud-architecture-diagram-template.pptx
+++ b/ibmcloud-architecture-diagram-template.pptx
@@ -525,7 +525,7 @@
           <a:p>
             <a:r>
               <a:rPr lang="en-US" dirty="0" smtClean="0"/>
-              <a:t>Generated on Mon Dec 09 2019 11:25:52 GMT-0500 (EST)</a:t>
+              <a:t>Generated on Mon Dec 09 2019 11:39:41 GMT-0500 (EST)</a:t>
             </a:r>
             <a:endParaRPr lang="en-US" dirty="0"/>
           </a:p>
